--- a/architecture.pptx
+++ b/architecture.pptx
@@ -6,6 +6,7 @@
   </p:sldMasterIdLst>
   <p:sldIdLst>
     <p:sldId id="256" r:id="rId2"/>
+    <p:sldId id="257" r:id="rId3"/>
   </p:sldIdLst>
   <p:sldSz cx="12192000" cy="6858000"/>
   <p:notesSz cx="6858000" cy="9144000"/>
@@ -104,6 +105,11 @@
       </a:defRPr>
     </a:lvl9pPr>
   </p:defaultTextStyle>
+  <p:extLst>
+    <p:ext uri="{EFAFB233-063F-42B5-8137-9DF3F51BA10A}">
+      <p15:sldGuideLst xmlns:p15="http://schemas.microsoft.com/office/powerpoint/2012/main"/>
+    </p:ext>
+  </p:extLst>
 </p:presentation>
 </file>
 
@@ -129,7 +135,7 @@
           <p:cNvPr id="2" name="Title 1">
             <a:extLst>
               <a:ext uri="{FF2B5EF4-FFF2-40B4-BE49-F238E27FC236}">
-                <a16:creationId xmlns:a16="http://schemas.microsoft.com/office/drawing/2014/main" id="{7B330FB4-4752-45BB-AF4B-08A8F6644DFA}"/>
+                <a16:creationId xmlns:a16="http://schemas.microsoft.com/office/drawing/2014/main" id="{D0511F77-4D01-4CDE-A6BE-644259787F06}"/>
               </a:ext>
             </a:extLst>
           </p:cNvPr>
@@ -167,7 +173,7 @@
           <p:cNvPr id="3" name="Subtitle 2">
             <a:extLst>
               <a:ext uri="{FF2B5EF4-FFF2-40B4-BE49-F238E27FC236}">
-                <a16:creationId xmlns:a16="http://schemas.microsoft.com/office/drawing/2014/main" id="{10AFCE21-48B9-40B2-977A-CF820B00CE87}"/>
+                <a16:creationId xmlns:a16="http://schemas.microsoft.com/office/drawing/2014/main" id="{EEEBE8E6-4EAF-4DC8-9E2A-CAC65E6C1680}"/>
               </a:ext>
             </a:extLst>
           </p:cNvPr>
@@ -238,7 +244,7 @@
           <p:cNvPr id="4" name="Date Placeholder 3">
             <a:extLst>
               <a:ext uri="{FF2B5EF4-FFF2-40B4-BE49-F238E27FC236}">
-                <a16:creationId xmlns:a16="http://schemas.microsoft.com/office/drawing/2014/main" id="{8FA780CE-DFE4-414E-8268-10F9D942717A}"/>
+                <a16:creationId xmlns:a16="http://schemas.microsoft.com/office/drawing/2014/main" id="{BE440D1D-79BA-4BB1-B5B5-5FDB07323DCE}"/>
               </a:ext>
             </a:extLst>
           </p:cNvPr>
@@ -254,9 +260,9 @@
           <a:bodyPr/>
           <a:lstStyle/>
           <a:p>
-            <a:fld id="{AA59DD15-B141-4024-8BB5-6864C24D7E82}" type="datetimeFigureOut">
+            <a:fld id="{A240B9EE-CE20-479F-91C5-799A9E0E68A8}" type="datetimeFigureOut">
               <a:rPr lang="LID4096" smtClean="0"/>
-              <a:t>09/25/2019</a:t>
+              <a:t>05/26/2020</a:t>
             </a:fld>
             <a:endParaRPr lang="LID4096"/>
           </a:p>
@@ -267,7 +273,7 @@
           <p:cNvPr id="5" name="Footer Placeholder 4">
             <a:extLst>
               <a:ext uri="{FF2B5EF4-FFF2-40B4-BE49-F238E27FC236}">
-                <a16:creationId xmlns:a16="http://schemas.microsoft.com/office/drawing/2014/main" id="{2D384FB4-7AEE-47A0-87E4-DDF0F77B1111}"/>
+                <a16:creationId xmlns:a16="http://schemas.microsoft.com/office/drawing/2014/main" id="{4FAE788F-ED93-4C97-B5F5-BF3118732768}"/>
               </a:ext>
             </a:extLst>
           </p:cNvPr>
@@ -292,7 +298,7 @@
           <p:cNvPr id="6" name="Slide Number Placeholder 5">
             <a:extLst>
               <a:ext uri="{FF2B5EF4-FFF2-40B4-BE49-F238E27FC236}">
-                <a16:creationId xmlns:a16="http://schemas.microsoft.com/office/drawing/2014/main" id="{FE3DF3D8-B7D0-4B4C-86CA-789C3570FE17}"/>
+                <a16:creationId xmlns:a16="http://schemas.microsoft.com/office/drawing/2014/main" id="{20F72A3E-9F18-496E-887D-6566C7CC70D6}"/>
               </a:ext>
             </a:extLst>
           </p:cNvPr>
@@ -308,7 +314,7 @@
           <a:bodyPr/>
           <a:lstStyle/>
           <a:p>
-            <a:fld id="{0389F9A3-E47A-41A4-BA51-20C1E7768B2B}" type="slidenum">
+            <a:fld id="{90F5F1E1-F731-452B-B928-9EA01454A3EE}" type="slidenum">
               <a:rPr lang="LID4096" smtClean="0"/>
               <a:t>‹#›</a:t>
             </a:fld>
@@ -319,7 +325,7 @@
     </p:spTree>
     <p:extLst>
       <p:ext uri="{BB962C8B-B14F-4D97-AF65-F5344CB8AC3E}">
-        <p14:creationId xmlns:p14="http://schemas.microsoft.com/office/powerpoint/2010/main" val="2180659450"/>
+        <p14:creationId xmlns:p14="http://schemas.microsoft.com/office/powerpoint/2010/main" val="1459115354"/>
       </p:ext>
     </p:extLst>
   </p:cSld>
@@ -351,7 +357,7 @@
           <p:cNvPr id="2" name="Title 1">
             <a:extLst>
               <a:ext uri="{FF2B5EF4-FFF2-40B4-BE49-F238E27FC236}">
-                <a16:creationId xmlns:a16="http://schemas.microsoft.com/office/drawing/2014/main" id="{954D1FB3-7383-40A8-9373-A61F0904499F}"/>
+                <a16:creationId xmlns:a16="http://schemas.microsoft.com/office/drawing/2014/main" id="{59E64D8B-F015-489C-9614-DDCD92EE2DAD}"/>
               </a:ext>
             </a:extLst>
           </p:cNvPr>
@@ -380,7 +386,7 @@
           <p:cNvPr id="3" name="Vertical Text Placeholder 2">
             <a:extLst>
               <a:ext uri="{FF2B5EF4-FFF2-40B4-BE49-F238E27FC236}">
-                <a16:creationId xmlns:a16="http://schemas.microsoft.com/office/drawing/2014/main" id="{8A6A58C5-7067-4E56-BC87-EC495B0CA5A2}"/>
+                <a16:creationId xmlns:a16="http://schemas.microsoft.com/office/drawing/2014/main" id="{C42FF9E0-60D6-4B3D-A54B-C6E4877275F8}"/>
               </a:ext>
             </a:extLst>
           </p:cNvPr>
@@ -438,7 +444,7 @@
           <p:cNvPr id="4" name="Date Placeholder 3">
             <a:extLst>
               <a:ext uri="{FF2B5EF4-FFF2-40B4-BE49-F238E27FC236}">
-                <a16:creationId xmlns:a16="http://schemas.microsoft.com/office/drawing/2014/main" id="{5C3625C3-CF49-41A1-A3A5-5554F7BBE0AC}"/>
+                <a16:creationId xmlns:a16="http://schemas.microsoft.com/office/drawing/2014/main" id="{28C7AFFE-0D7A-49C3-AB27-21BFC05290AC}"/>
               </a:ext>
             </a:extLst>
           </p:cNvPr>
@@ -454,9 +460,9 @@
           <a:bodyPr/>
           <a:lstStyle/>
           <a:p>
-            <a:fld id="{AA59DD15-B141-4024-8BB5-6864C24D7E82}" type="datetimeFigureOut">
+            <a:fld id="{A240B9EE-CE20-479F-91C5-799A9E0E68A8}" type="datetimeFigureOut">
               <a:rPr lang="LID4096" smtClean="0"/>
-              <a:t>09/25/2019</a:t>
+              <a:t>05/26/2020</a:t>
             </a:fld>
             <a:endParaRPr lang="LID4096"/>
           </a:p>
@@ -467,7 +473,7 @@
           <p:cNvPr id="5" name="Footer Placeholder 4">
             <a:extLst>
               <a:ext uri="{FF2B5EF4-FFF2-40B4-BE49-F238E27FC236}">
-                <a16:creationId xmlns:a16="http://schemas.microsoft.com/office/drawing/2014/main" id="{5790ABAA-B8F0-49D8-9A7E-C0E44E5BDAE0}"/>
+                <a16:creationId xmlns:a16="http://schemas.microsoft.com/office/drawing/2014/main" id="{35AC36C5-7C3F-49C1-B463-941B8CE3DD1F}"/>
               </a:ext>
             </a:extLst>
           </p:cNvPr>
@@ -492,7 +498,7 @@
           <p:cNvPr id="6" name="Slide Number Placeholder 5">
             <a:extLst>
               <a:ext uri="{FF2B5EF4-FFF2-40B4-BE49-F238E27FC236}">
-                <a16:creationId xmlns:a16="http://schemas.microsoft.com/office/drawing/2014/main" id="{BD0E73FA-3889-4011-A366-51581B6FBE7A}"/>
+                <a16:creationId xmlns:a16="http://schemas.microsoft.com/office/drawing/2014/main" id="{AD176B83-B275-4238-AE3F-75E8BE3BA831}"/>
               </a:ext>
             </a:extLst>
           </p:cNvPr>
@@ -508,7 +514,7 @@
           <a:bodyPr/>
           <a:lstStyle/>
           <a:p>
-            <a:fld id="{0389F9A3-E47A-41A4-BA51-20C1E7768B2B}" type="slidenum">
+            <a:fld id="{90F5F1E1-F731-452B-B928-9EA01454A3EE}" type="slidenum">
               <a:rPr lang="LID4096" smtClean="0"/>
               <a:t>‹#›</a:t>
             </a:fld>
@@ -519,7 +525,7 @@
     </p:spTree>
     <p:extLst>
       <p:ext uri="{BB962C8B-B14F-4D97-AF65-F5344CB8AC3E}">
-        <p14:creationId xmlns:p14="http://schemas.microsoft.com/office/powerpoint/2010/main" val="854486771"/>
+        <p14:creationId xmlns:p14="http://schemas.microsoft.com/office/powerpoint/2010/main" val="2934502243"/>
       </p:ext>
     </p:extLst>
   </p:cSld>
@@ -551,7 +557,7 @@
           <p:cNvPr id="2" name="Vertical Title 1">
             <a:extLst>
               <a:ext uri="{FF2B5EF4-FFF2-40B4-BE49-F238E27FC236}">
-                <a16:creationId xmlns:a16="http://schemas.microsoft.com/office/drawing/2014/main" id="{6C8FE664-B288-4997-BAF2-8FD7AB75C2F7}"/>
+                <a16:creationId xmlns:a16="http://schemas.microsoft.com/office/drawing/2014/main" id="{6C52F63A-F26D-4FFD-92ED-B81EA7AFB711}"/>
               </a:ext>
             </a:extLst>
           </p:cNvPr>
@@ -585,7 +591,7 @@
           <p:cNvPr id="3" name="Vertical Text Placeholder 2">
             <a:extLst>
               <a:ext uri="{FF2B5EF4-FFF2-40B4-BE49-F238E27FC236}">
-                <a16:creationId xmlns:a16="http://schemas.microsoft.com/office/drawing/2014/main" id="{BD306443-42AC-48D1-AEB0-3F281C1BDBE6}"/>
+                <a16:creationId xmlns:a16="http://schemas.microsoft.com/office/drawing/2014/main" id="{1A2CFDA9-F99C-4B0A-84A7-16248C4C337C}"/>
               </a:ext>
             </a:extLst>
           </p:cNvPr>
@@ -648,7 +654,7 @@
           <p:cNvPr id="4" name="Date Placeholder 3">
             <a:extLst>
               <a:ext uri="{FF2B5EF4-FFF2-40B4-BE49-F238E27FC236}">
-                <a16:creationId xmlns:a16="http://schemas.microsoft.com/office/drawing/2014/main" id="{B7759969-2972-4292-BDF9-61A442ABFCC8}"/>
+                <a16:creationId xmlns:a16="http://schemas.microsoft.com/office/drawing/2014/main" id="{612D8CDC-7291-40B7-A56A-47C9BBD407F0}"/>
               </a:ext>
             </a:extLst>
           </p:cNvPr>
@@ -664,9 +670,9 @@
           <a:bodyPr/>
           <a:lstStyle/>
           <a:p>
-            <a:fld id="{AA59DD15-B141-4024-8BB5-6864C24D7E82}" type="datetimeFigureOut">
+            <a:fld id="{A240B9EE-CE20-479F-91C5-799A9E0E68A8}" type="datetimeFigureOut">
               <a:rPr lang="LID4096" smtClean="0"/>
-              <a:t>09/25/2019</a:t>
+              <a:t>05/26/2020</a:t>
             </a:fld>
             <a:endParaRPr lang="LID4096"/>
           </a:p>
@@ -677,7 +683,7 @@
           <p:cNvPr id="5" name="Footer Placeholder 4">
             <a:extLst>
               <a:ext uri="{FF2B5EF4-FFF2-40B4-BE49-F238E27FC236}">
-                <a16:creationId xmlns:a16="http://schemas.microsoft.com/office/drawing/2014/main" id="{0200876B-D4D3-4F76-94F9-4628B67230C6}"/>
+                <a16:creationId xmlns:a16="http://schemas.microsoft.com/office/drawing/2014/main" id="{9FD1EDF6-254F-4AEB-896F-9F5B44F81696}"/>
               </a:ext>
             </a:extLst>
           </p:cNvPr>
@@ -702,7 +708,7 @@
           <p:cNvPr id="6" name="Slide Number Placeholder 5">
             <a:extLst>
               <a:ext uri="{FF2B5EF4-FFF2-40B4-BE49-F238E27FC236}">
-                <a16:creationId xmlns:a16="http://schemas.microsoft.com/office/drawing/2014/main" id="{7DAE2A5E-E932-479B-9073-204816B50638}"/>
+                <a16:creationId xmlns:a16="http://schemas.microsoft.com/office/drawing/2014/main" id="{D9F6554F-5200-4FD0-8949-C55C68046ED9}"/>
               </a:ext>
             </a:extLst>
           </p:cNvPr>
@@ -718,7 +724,7 @@
           <a:bodyPr/>
           <a:lstStyle/>
           <a:p>
-            <a:fld id="{0389F9A3-E47A-41A4-BA51-20C1E7768B2B}" type="slidenum">
+            <a:fld id="{90F5F1E1-F731-452B-B928-9EA01454A3EE}" type="slidenum">
               <a:rPr lang="LID4096" smtClean="0"/>
               <a:t>‹#›</a:t>
             </a:fld>
@@ -729,7 +735,7 @@
     </p:spTree>
     <p:extLst>
       <p:ext uri="{BB962C8B-B14F-4D97-AF65-F5344CB8AC3E}">
-        <p14:creationId xmlns:p14="http://schemas.microsoft.com/office/powerpoint/2010/main" val="1535706635"/>
+        <p14:creationId xmlns:p14="http://schemas.microsoft.com/office/powerpoint/2010/main" val="1136828174"/>
       </p:ext>
     </p:extLst>
   </p:cSld>
@@ -761,7 +767,7 @@
           <p:cNvPr id="2" name="Title 1">
             <a:extLst>
               <a:ext uri="{FF2B5EF4-FFF2-40B4-BE49-F238E27FC236}">
-                <a16:creationId xmlns:a16="http://schemas.microsoft.com/office/drawing/2014/main" id="{9B97F183-A48E-45E4-B861-4B8D268AD729}"/>
+                <a16:creationId xmlns:a16="http://schemas.microsoft.com/office/drawing/2014/main" id="{65B4936E-5F96-4C9D-AD75-FB8CD104C5A0}"/>
               </a:ext>
             </a:extLst>
           </p:cNvPr>
@@ -790,7 +796,7 @@
           <p:cNvPr id="3" name="Content Placeholder 2">
             <a:extLst>
               <a:ext uri="{FF2B5EF4-FFF2-40B4-BE49-F238E27FC236}">
-                <a16:creationId xmlns:a16="http://schemas.microsoft.com/office/drawing/2014/main" id="{A049BA3C-FB2E-4829-B0CA-F67D1E58254F}"/>
+                <a16:creationId xmlns:a16="http://schemas.microsoft.com/office/drawing/2014/main" id="{63982225-0BC5-4DBB-A597-529B1D8F06CB}"/>
               </a:ext>
             </a:extLst>
           </p:cNvPr>
@@ -848,7 +854,7 @@
           <p:cNvPr id="4" name="Date Placeholder 3">
             <a:extLst>
               <a:ext uri="{FF2B5EF4-FFF2-40B4-BE49-F238E27FC236}">
-                <a16:creationId xmlns:a16="http://schemas.microsoft.com/office/drawing/2014/main" id="{884838D7-6522-4640-B119-6277131E4947}"/>
+                <a16:creationId xmlns:a16="http://schemas.microsoft.com/office/drawing/2014/main" id="{72C763ED-5F05-4CA5-9FB6-7ED9C9561CC1}"/>
               </a:ext>
             </a:extLst>
           </p:cNvPr>
@@ -864,9 +870,9 @@
           <a:bodyPr/>
           <a:lstStyle/>
           <a:p>
-            <a:fld id="{AA59DD15-B141-4024-8BB5-6864C24D7E82}" type="datetimeFigureOut">
+            <a:fld id="{A240B9EE-CE20-479F-91C5-799A9E0E68A8}" type="datetimeFigureOut">
               <a:rPr lang="LID4096" smtClean="0"/>
-              <a:t>09/25/2019</a:t>
+              <a:t>05/26/2020</a:t>
             </a:fld>
             <a:endParaRPr lang="LID4096"/>
           </a:p>
@@ -877,7 +883,7 @@
           <p:cNvPr id="5" name="Footer Placeholder 4">
             <a:extLst>
               <a:ext uri="{FF2B5EF4-FFF2-40B4-BE49-F238E27FC236}">
-                <a16:creationId xmlns:a16="http://schemas.microsoft.com/office/drawing/2014/main" id="{2F55C887-F385-4C47-9F27-B523AB8F63D4}"/>
+                <a16:creationId xmlns:a16="http://schemas.microsoft.com/office/drawing/2014/main" id="{0FFC8F53-9D8D-4D13-8FC9-BF1019C2D95D}"/>
               </a:ext>
             </a:extLst>
           </p:cNvPr>
@@ -902,7 +908,7 @@
           <p:cNvPr id="6" name="Slide Number Placeholder 5">
             <a:extLst>
               <a:ext uri="{FF2B5EF4-FFF2-40B4-BE49-F238E27FC236}">
-                <a16:creationId xmlns:a16="http://schemas.microsoft.com/office/drawing/2014/main" id="{15A1B5CA-1FEA-4776-AEDE-BDCB3251C27C}"/>
+                <a16:creationId xmlns:a16="http://schemas.microsoft.com/office/drawing/2014/main" id="{D72761CA-0406-4920-A371-23660256B6F7}"/>
               </a:ext>
             </a:extLst>
           </p:cNvPr>
@@ -918,7 +924,7 @@
           <a:bodyPr/>
           <a:lstStyle/>
           <a:p>
-            <a:fld id="{0389F9A3-E47A-41A4-BA51-20C1E7768B2B}" type="slidenum">
+            <a:fld id="{90F5F1E1-F731-452B-B928-9EA01454A3EE}" type="slidenum">
               <a:rPr lang="LID4096" smtClean="0"/>
               <a:t>‹#›</a:t>
             </a:fld>
@@ -929,7 +935,7 @@
     </p:spTree>
     <p:extLst>
       <p:ext uri="{BB962C8B-B14F-4D97-AF65-F5344CB8AC3E}">
-        <p14:creationId xmlns:p14="http://schemas.microsoft.com/office/powerpoint/2010/main" val="1317413038"/>
+        <p14:creationId xmlns:p14="http://schemas.microsoft.com/office/powerpoint/2010/main" val="1743759949"/>
       </p:ext>
     </p:extLst>
   </p:cSld>
@@ -961,7 +967,7 @@
           <p:cNvPr id="2" name="Title 1">
             <a:extLst>
               <a:ext uri="{FF2B5EF4-FFF2-40B4-BE49-F238E27FC236}">
-                <a16:creationId xmlns:a16="http://schemas.microsoft.com/office/drawing/2014/main" id="{F3164CC2-51C1-45F2-94CD-DF1784D2BD99}"/>
+                <a16:creationId xmlns:a16="http://schemas.microsoft.com/office/drawing/2014/main" id="{B882AC9B-0454-4AAA-A91A-70EE15A4516F}"/>
               </a:ext>
             </a:extLst>
           </p:cNvPr>
@@ -999,7 +1005,7 @@
           <p:cNvPr id="3" name="Text Placeholder 2">
             <a:extLst>
               <a:ext uri="{FF2B5EF4-FFF2-40B4-BE49-F238E27FC236}">
-                <a16:creationId xmlns:a16="http://schemas.microsoft.com/office/drawing/2014/main" id="{12BDE977-92F4-4E8D-B289-D48695EDE7DA}"/>
+                <a16:creationId xmlns:a16="http://schemas.microsoft.com/office/drawing/2014/main" id="{EF1585BA-DCC6-4607-9FD5-CDE01DCFBCE8}"/>
               </a:ext>
             </a:extLst>
           </p:cNvPr>
@@ -1124,7 +1130,7 @@
           <p:cNvPr id="4" name="Date Placeholder 3">
             <a:extLst>
               <a:ext uri="{FF2B5EF4-FFF2-40B4-BE49-F238E27FC236}">
-                <a16:creationId xmlns:a16="http://schemas.microsoft.com/office/drawing/2014/main" id="{31FC62E5-4DF2-430C-B1D5-32BFBA3136B7}"/>
+                <a16:creationId xmlns:a16="http://schemas.microsoft.com/office/drawing/2014/main" id="{3B23A485-872D-46BE-ABA1-DAE6FCA0C4C5}"/>
               </a:ext>
             </a:extLst>
           </p:cNvPr>
@@ -1140,9 +1146,9 @@
           <a:bodyPr/>
           <a:lstStyle/>
           <a:p>
-            <a:fld id="{AA59DD15-B141-4024-8BB5-6864C24D7E82}" type="datetimeFigureOut">
+            <a:fld id="{A240B9EE-CE20-479F-91C5-799A9E0E68A8}" type="datetimeFigureOut">
               <a:rPr lang="LID4096" smtClean="0"/>
-              <a:t>09/25/2019</a:t>
+              <a:t>05/26/2020</a:t>
             </a:fld>
             <a:endParaRPr lang="LID4096"/>
           </a:p>
@@ -1153,7 +1159,7 @@
           <p:cNvPr id="5" name="Footer Placeholder 4">
             <a:extLst>
               <a:ext uri="{FF2B5EF4-FFF2-40B4-BE49-F238E27FC236}">
-                <a16:creationId xmlns:a16="http://schemas.microsoft.com/office/drawing/2014/main" id="{1A47D6CA-CA05-4BEB-9281-A09594B8E3D7}"/>
+                <a16:creationId xmlns:a16="http://schemas.microsoft.com/office/drawing/2014/main" id="{BFAF784B-8135-4B28-9757-2DB9F2655F81}"/>
               </a:ext>
             </a:extLst>
           </p:cNvPr>
@@ -1178,7 +1184,7 @@
           <p:cNvPr id="6" name="Slide Number Placeholder 5">
             <a:extLst>
               <a:ext uri="{FF2B5EF4-FFF2-40B4-BE49-F238E27FC236}">
-                <a16:creationId xmlns:a16="http://schemas.microsoft.com/office/drawing/2014/main" id="{08811F08-547E-41F2-ACBC-2D464608FAF9}"/>
+                <a16:creationId xmlns:a16="http://schemas.microsoft.com/office/drawing/2014/main" id="{688D60F7-92E4-4AB8-ACF5-9D92D40F012A}"/>
               </a:ext>
             </a:extLst>
           </p:cNvPr>
@@ -1194,7 +1200,7 @@
           <a:bodyPr/>
           <a:lstStyle/>
           <a:p>
-            <a:fld id="{0389F9A3-E47A-41A4-BA51-20C1E7768B2B}" type="slidenum">
+            <a:fld id="{90F5F1E1-F731-452B-B928-9EA01454A3EE}" type="slidenum">
               <a:rPr lang="LID4096" smtClean="0"/>
               <a:t>‹#›</a:t>
             </a:fld>
@@ -1205,7 +1211,7 @@
     </p:spTree>
     <p:extLst>
       <p:ext uri="{BB962C8B-B14F-4D97-AF65-F5344CB8AC3E}">
-        <p14:creationId xmlns:p14="http://schemas.microsoft.com/office/powerpoint/2010/main" val="638936396"/>
+        <p14:creationId xmlns:p14="http://schemas.microsoft.com/office/powerpoint/2010/main" val="2372273072"/>
       </p:ext>
     </p:extLst>
   </p:cSld>
@@ -1237,7 +1243,7 @@
           <p:cNvPr id="2" name="Title 1">
             <a:extLst>
               <a:ext uri="{FF2B5EF4-FFF2-40B4-BE49-F238E27FC236}">
-                <a16:creationId xmlns:a16="http://schemas.microsoft.com/office/drawing/2014/main" id="{088D54F2-50DA-4399-A9F3-A0CEA66B227D}"/>
+                <a16:creationId xmlns:a16="http://schemas.microsoft.com/office/drawing/2014/main" id="{7270B846-D213-4CA7-BB43-205C448BEB1C}"/>
               </a:ext>
             </a:extLst>
           </p:cNvPr>
@@ -1266,7 +1272,7 @@
           <p:cNvPr id="3" name="Content Placeholder 2">
             <a:extLst>
               <a:ext uri="{FF2B5EF4-FFF2-40B4-BE49-F238E27FC236}">
-                <a16:creationId xmlns:a16="http://schemas.microsoft.com/office/drawing/2014/main" id="{CF25C49D-A7F2-49B4-B948-2776324B7424}"/>
+                <a16:creationId xmlns:a16="http://schemas.microsoft.com/office/drawing/2014/main" id="{490E0E0D-F2C0-42B3-B001-4F68A5F0D6BA}"/>
               </a:ext>
             </a:extLst>
           </p:cNvPr>
@@ -1329,7 +1335,7 @@
           <p:cNvPr id="4" name="Content Placeholder 3">
             <a:extLst>
               <a:ext uri="{FF2B5EF4-FFF2-40B4-BE49-F238E27FC236}">
-                <a16:creationId xmlns:a16="http://schemas.microsoft.com/office/drawing/2014/main" id="{3B774DDF-04B7-44F5-9EA6-2FA6F42C3BC6}"/>
+                <a16:creationId xmlns:a16="http://schemas.microsoft.com/office/drawing/2014/main" id="{7E49858C-ECDC-4ED7-89A0-1C5055D48D4C}"/>
               </a:ext>
             </a:extLst>
           </p:cNvPr>
@@ -1392,7 +1398,7 @@
           <p:cNvPr id="5" name="Date Placeholder 4">
             <a:extLst>
               <a:ext uri="{FF2B5EF4-FFF2-40B4-BE49-F238E27FC236}">
-                <a16:creationId xmlns:a16="http://schemas.microsoft.com/office/drawing/2014/main" id="{CC066992-494F-4688-B60A-D1A54DA6A6F5}"/>
+                <a16:creationId xmlns:a16="http://schemas.microsoft.com/office/drawing/2014/main" id="{D1D9DF28-EA80-42C1-97E5-C87DE58ECC32}"/>
               </a:ext>
             </a:extLst>
           </p:cNvPr>
@@ -1408,9 +1414,9 @@
           <a:bodyPr/>
           <a:lstStyle/>
           <a:p>
-            <a:fld id="{AA59DD15-B141-4024-8BB5-6864C24D7E82}" type="datetimeFigureOut">
+            <a:fld id="{A240B9EE-CE20-479F-91C5-799A9E0E68A8}" type="datetimeFigureOut">
               <a:rPr lang="LID4096" smtClean="0"/>
-              <a:t>09/25/2019</a:t>
+              <a:t>05/26/2020</a:t>
             </a:fld>
             <a:endParaRPr lang="LID4096"/>
           </a:p>
@@ -1421,7 +1427,7 @@
           <p:cNvPr id="6" name="Footer Placeholder 5">
             <a:extLst>
               <a:ext uri="{FF2B5EF4-FFF2-40B4-BE49-F238E27FC236}">
-                <a16:creationId xmlns:a16="http://schemas.microsoft.com/office/drawing/2014/main" id="{FB215D95-0A78-4988-8E72-17E8BED761E5}"/>
+                <a16:creationId xmlns:a16="http://schemas.microsoft.com/office/drawing/2014/main" id="{C7B6B2C2-DEB4-4D51-98FF-9A64CD735B32}"/>
               </a:ext>
             </a:extLst>
           </p:cNvPr>
@@ -1446,7 +1452,7 @@
           <p:cNvPr id="7" name="Slide Number Placeholder 6">
             <a:extLst>
               <a:ext uri="{FF2B5EF4-FFF2-40B4-BE49-F238E27FC236}">
-                <a16:creationId xmlns:a16="http://schemas.microsoft.com/office/drawing/2014/main" id="{E200DD50-3FB4-4D18-B705-C55A910B087E}"/>
+                <a16:creationId xmlns:a16="http://schemas.microsoft.com/office/drawing/2014/main" id="{ADA89A94-74DE-4E88-8390-54E80E01D149}"/>
               </a:ext>
             </a:extLst>
           </p:cNvPr>
@@ -1462,7 +1468,7 @@
           <a:bodyPr/>
           <a:lstStyle/>
           <a:p>
-            <a:fld id="{0389F9A3-E47A-41A4-BA51-20C1E7768B2B}" type="slidenum">
+            <a:fld id="{90F5F1E1-F731-452B-B928-9EA01454A3EE}" type="slidenum">
               <a:rPr lang="LID4096" smtClean="0"/>
               <a:t>‹#›</a:t>
             </a:fld>
@@ -1473,7 +1479,7 @@
     </p:spTree>
     <p:extLst>
       <p:ext uri="{BB962C8B-B14F-4D97-AF65-F5344CB8AC3E}">
-        <p14:creationId xmlns:p14="http://schemas.microsoft.com/office/powerpoint/2010/main" val="808066164"/>
+        <p14:creationId xmlns:p14="http://schemas.microsoft.com/office/powerpoint/2010/main" val="35118261"/>
       </p:ext>
     </p:extLst>
   </p:cSld>
@@ -1505,7 +1511,7 @@
           <p:cNvPr id="2" name="Title 1">
             <a:extLst>
               <a:ext uri="{FF2B5EF4-FFF2-40B4-BE49-F238E27FC236}">
-                <a16:creationId xmlns:a16="http://schemas.microsoft.com/office/drawing/2014/main" id="{A4AB17C8-3230-49CC-A5ED-58B84F7CB317}"/>
+                <a16:creationId xmlns:a16="http://schemas.microsoft.com/office/drawing/2014/main" id="{D16C786F-B381-40E0-9919-A629C766D816}"/>
               </a:ext>
             </a:extLst>
           </p:cNvPr>
@@ -1539,7 +1545,7 @@
           <p:cNvPr id="3" name="Text Placeholder 2">
             <a:extLst>
               <a:ext uri="{FF2B5EF4-FFF2-40B4-BE49-F238E27FC236}">
-                <a16:creationId xmlns:a16="http://schemas.microsoft.com/office/drawing/2014/main" id="{39C50883-40FE-4651-B42A-333446DE2C4F}"/>
+                <a16:creationId xmlns:a16="http://schemas.microsoft.com/office/drawing/2014/main" id="{8F8039C8-28B9-48E9-A678-BDB3A5C1EB76}"/>
               </a:ext>
             </a:extLst>
           </p:cNvPr>
@@ -1610,7 +1616,7 @@
           <p:cNvPr id="4" name="Content Placeholder 3">
             <a:extLst>
               <a:ext uri="{FF2B5EF4-FFF2-40B4-BE49-F238E27FC236}">
-                <a16:creationId xmlns:a16="http://schemas.microsoft.com/office/drawing/2014/main" id="{E910B946-9D17-461A-975B-F014C6FEDEBF}"/>
+                <a16:creationId xmlns:a16="http://schemas.microsoft.com/office/drawing/2014/main" id="{C84CD673-C289-44F3-A8A4-E22994161BBC}"/>
               </a:ext>
             </a:extLst>
           </p:cNvPr>
@@ -1673,7 +1679,7 @@
           <p:cNvPr id="5" name="Text Placeholder 4">
             <a:extLst>
               <a:ext uri="{FF2B5EF4-FFF2-40B4-BE49-F238E27FC236}">
-                <a16:creationId xmlns:a16="http://schemas.microsoft.com/office/drawing/2014/main" id="{1785EB92-DFF6-44E4-90A7-42E19FE54FD9}"/>
+                <a16:creationId xmlns:a16="http://schemas.microsoft.com/office/drawing/2014/main" id="{1437B842-11AD-4609-BF3E-38A4D14D5ACE}"/>
               </a:ext>
             </a:extLst>
           </p:cNvPr>
@@ -1744,7 +1750,7 @@
           <p:cNvPr id="6" name="Content Placeholder 5">
             <a:extLst>
               <a:ext uri="{FF2B5EF4-FFF2-40B4-BE49-F238E27FC236}">
-                <a16:creationId xmlns:a16="http://schemas.microsoft.com/office/drawing/2014/main" id="{6EA1029B-1DD3-49CA-A640-95463DE86448}"/>
+                <a16:creationId xmlns:a16="http://schemas.microsoft.com/office/drawing/2014/main" id="{B882D7F5-73A6-4E57-896D-8E3ED6EFD8E4}"/>
               </a:ext>
             </a:extLst>
           </p:cNvPr>
@@ -1807,7 +1813,7 @@
           <p:cNvPr id="7" name="Date Placeholder 6">
             <a:extLst>
               <a:ext uri="{FF2B5EF4-FFF2-40B4-BE49-F238E27FC236}">
-                <a16:creationId xmlns:a16="http://schemas.microsoft.com/office/drawing/2014/main" id="{556E91C6-00E1-4BD3-97D9-04C676ED6DD2}"/>
+                <a16:creationId xmlns:a16="http://schemas.microsoft.com/office/drawing/2014/main" id="{D3C6D72C-6650-4166-BCF6-B4DB3B7BFE40}"/>
               </a:ext>
             </a:extLst>
           </p:cNvPr>
@@ -1823,9 +1829,9 @@
           <a:bodyPr/>
           <a:lstStyle/>
           <a:p>
-            <a:fld id="{AA59DD15-B141-4024-8BB5-6864C24D7E82}" type="datetimeFigureOut">
+            <a:fld id="{A240B9EE-CE20-479F-91C5-799A9E0E68A8}" type="datetimeFigureOut">
               <a:rPr lang="LID4096" smtClean="0"/>
-              <a:t>09/25/2019</a:t>
+              <a:t>05/26/2020</a:t>
             </a:fld>
             <a:endParaRPr lang="LID4096"/>
           </a:p>
@@ -1836,7 +1842,7 @@
           <p:cNvPr id="8" name="Footer Placeholder 7">
             <a:extLst>
               <a:ext uri="{FF2B5EF4-FFF2-40B4-BE49-F238E27FC236}">
-                <a16:creationId xmlns:a16="http://schemas.microsoft.com/office/drawing/2014/main" id="{2199754C-BE19-43BD-B861-552DBA131EB7}"/>
+                <a16:creationId xmlns:a16="http://schemas.microsoft.com/office/drawing/2014/main" id="{3584EF01-D93E-42D3-85B1-C3DC3F22CFBC}"/>
               </a:ext>
             </a:extLst>
           </p:cNvPr>
@@ -1861,7 +1867,7 @@
           <p:cNvPr id="9" name="Slide Number Placeholder 8">
             <a:extLst>
               <a:ext uri="{FF2B5EF4-FFF2-40B4-BE49-F238E27FC236}">
-                <a16:creationId xmlns:a16="http://schemas.microsoft.com/office/drawing/2014/main" id="{3B597EFC-2120-4B5A-B2CD-D2903E0166D8}"/>
+                <a16:creationId xmlns:a16="http://schemas.microsoft.com/office/drawing/2014/main" id="{34F42295-0005-43AE-A94F-820970E3C0BE}"/>
               </a:ext>
             </a:extLst>
           </p:cNvPr>
@@ -1877,7 +1883,7 @@
           <a:bodyPr/>
           <a:lstStyle/>
           <a:p>
-            <a:fld id="{0389F9A3-E47A-41A4-BA51-20C1E7768B2B}" type="slidenum">
+            <a:fld id="{90F5F1E1-F731-452B-B928-9EA01454A3EE}" type="slidenum">
               <a:rPr lang="LID4096" smtClean="0"/>
               <a:t>‹#›</a:t>
             </a:fld>
@@ -1888,7 +1894,7 @@
     </p:spTree>
     <p:extLst>
       <p:ext uri="{BB962C8B-B14F-4D97-AF65-F5344CB8AC3E}">
-        <p14:creationId xmlns:p14="http://schemas.microsoft.com/office/powerpoint/2010/main" val="2358159995"/>
+        <p14:creationId xmlns:p14="http://schemas.microsoft.com/office/powerpoint/2010/main" val="591338069"/>
       </p:ext>
     </p:extLst>
   </p:cSld>
@@ -1920,7 +1926,7 @@
           <p:cNvPr id="2" name="Title 1">
             <a:extLst>
               <a:ext uri="{FF2B5EF4-FFF2-40B4-BE49-F238E27FC236}">
-                <a16:creationId xmlns:a16="http://schemas.microsoft.com/office/drawing/2014/main" id="{20C1D99A-FA94-4055-BD7F-0D9C8B3019ED}"/>
+                <a16:creationId xmlns:a16="http://schemas.microsoft.com/office/drawing/2014/main" id="{9E5BCBB0-BA56-45C5-8941-093A7385C1D3}"/>
               </a:ext>
             </a:extLst>
           </p:cNvPr>
@@ -1949,7 +1955,7 @@
           <p:cNvPr id="3" name="Date Placeholder 2">
             <a:extLst>
               <a:ext uri="{FF2B5EF4-FFF2-40B4-BE49-F238E27FC236}">
-                <a16:creationId xmlns:a16="http://schemas.microsoft.com/office/drawing/2014/main" id="{F37238C9-10D6-4749-81FE-A75117FEB770}"/>
+                <a16:creationId xmlns:a16="http://schemas.microsoft.com/office/drawing/2014/main" id="{B7A37CDF-294B-46F0-ADEA-7E41C25E0396}"/>
               </a:ext>
             </a:extLst>
           </p:cNvPr>
@@ -1965,9 +1971,9 @@
           <a:bodyPr/>
           <a:lstStyle/>
           <a:p>
-            <a:fld id="{AA59DD15-B141-4024-8BB5-6864C24D7E82}" type="datetimeFigureOut">
+            <a:fld id="{A240B9EE-CE20-479F-91C5-799A9E0E68A8}" type="datetimeFigureOut">
               <a:rPr lang="LID4096" smtClean="0"/>
-              <a:t>09/25/2019</a:t>
+              <a:t>05/26/2020</a:t>
             </a:fld>
             <a:endParaRPr lang="LID4096"/>
           </a:p>
@@ -1978,7 +1984,7 @@
           <p:cNvPr id="4" name="Footer Placeholder 3">
             <a:extLst>
               <a:ext uri="{FF2B5EF4-FFF2-40B4-BE49-F238E27FC236}">
-                <a16:creationId xmlns:a16="http://schemas.microsoft.com/office/drawing/2014/main" id="{A5EBF96A-1D55-4AC8-A7BB-196C7791319C}"/>
+                <a16:creationId xmlns:a16="http://schemas.microsoft.com/office/drawing/2014/main" id="{0079A0C1-1189-4311-8120-0810C0FAE4CA}"/>
               </a:ext>
             </a:extLst>
           </p:cNvPr>
@@ -2003,7 +2009,7 @@
           <p:cNvPr id="5" name="Slide Number Placeholder 4">
             <a:extLst>
               <a:ext uri="{FF2B5EF4-FFF2-40B4-BE49-F238E27FC236}">
-                <a16:creationId xmlns:a16="http://schemas.microsoft.com/office/drawing/2014/main" id="{2D490D09-5A22-4809-AEB0-831D3DCF92F7}"/>
+                <a16:creationId xmlns:a16="http://schemas.microsoft.com/office/drawing/2014/main" id="{5C0C3A4C-0663-4E63-BFD4-80386D8EDCCE}"/>
               </a:ext>
             </a:extLst>
           </p:cNvPr>
@@ -2019,7 +2025,7 @@
           <a:bodyPr/>
           <a:lstStyle/>
           <a:p>
-            <a:fld id="{0389F9A3-E47A-41A4-BA51-20C1E7768B2B}" type="slidenum">
+            <a:fld id="{90F5F1E1-F731-452B-B928-9EA01454A3EE}" type="slidenum">
               <a:rPr lang="LID4096" smtClean="0"/>
               <a:t>‹#›</a:t>
             </a:fld>
@@ -2030,7 +2036,7 @@
     </p:spTree>
     <p:extLst>
       <p:ext uri="{BB962C8B-B14F-4D97-AF65-F5344CB8AC3E}">
-        <p14:creationId xmlns:p14="http://schemas.microsoft.com/office/powerpoint/2010/main" val="3788269698"/>
+        <p14:creationId xmlns:p14="http://schemas.microsoft.com/office/powerpoint/2010/main" val="247203167"/>
       </p:ext>
     </p:extLst>
   </p:cSld>
@@ -2062,7 +2068,7 @@
           <p:cNvPr id="2" name="Date Placeholder 1">
             <a:extLst>
               <a:ext uri="{FF2B5EF4-FFF2-40B4-BE49-F238E27FC236}">
-                <a16:creationId xmlns:a16="http://schemas.microsoft.com/office/drawing/2014/main" id="{0B478DF5-1EA3-468C-8FFC-EE8B28341AE9}"/>
+                <a16:creationId xmlns:a16="http://schemas.microsoft.com/office/drawing/2014/main" id="{84F247BD-004C-4DE5-B248-C9993EFC4974}"/>
               </a:ext>
             </a:extLst>
           </p:cNvPr>
@@ -2078,9 +2084,9 @@
           <a:bodyPr/>
           <a:lstStyle/>
           <a:p>
-            <a:fld id="{AA59DD15-B141-4024-8BB5-6864C24D7E82}" type="datetimeFigureOut">
+            <a:fld id="{A240B9EE-CE20-479F-91C5-799A9E0E68A8}" type="datetimeFigureOut">
               <a:rPr lang="LID4096" smtClean="0"/>
-              <a:t>09/25/2019</a:t>
+              <a:t>05/26/2020</a:t>
             </a:fld>
             <a:endParaRPr lang="LID4096"/>
           </a:p>
@@ -2091,7 +2097,7 @@
           <p:cNvPr id="3" name="Footer Placeholder 2">
             <a:extLst>
               <a:ext uri="{FF2B5EF4-FFF2-40B4-BE49-F238E27FC236}">
-                <a16:creationId xmlns:a16="http://schemas.microsoft.com/office/drawing/2014/main" id="{43D6019A-BEE1-4AFA-BEBB-AB6C521B5461}"/>
+                <a16:creationId xmlns:a16="http://schemas.microsoft.com/office/drawing/2014/main" id="{35633DAB-A1D1-4D89-B06D-D2260F07CBA9}"/>
               </a:ext>
             </a:extLst>
           </p:cNvPr>
@@ -2116,7 +2122,7 @@
           <p:cNvPr id="4" name="Slide Number Placeholder 3">
             <a:extLst>
               <a:ext uri="{FF2B5EF4-FFF2-40B4-BE49-F238E27FC236}">
-                <a16:creationId xmlns:a16="http://schemas.microsoft.com/office/drawing/2014/main" id="{9BB511D6-34AE-4C08-BA9F-9078B66CCDB8}"/>
+                <a16:creationId xmlns:a16="http://schemas.microsoft.com/office/drawing/2014/main" id="{C3D3AEBE-C2CE-441F-BF06-761F830074C4}"/>
               </a:ext>
             </a:extLst>
           </p:cNvPr>
@@ -2132,7 +2138,7 @@
           <a:bodyPr/>
           <a:lstStyle/>
           <a:p>
-            <a:fld id="{0389F9A3-E47A-41A4-BA51-20C1E7768B2B}" type="slidenum">
+            <a:fld id="{90F5F1E1-F731-452B-B928-9EA01454A3EE}" type="slidenum">
               <a:rPr lang="LID4096" smtClean="0"/>
               <a:t>‹#›</a:t>
             </a:fld>
@@ -2143,7 +2149,7 @@
     </p:spTree>
     <p:extLst>
       <p:ext uri="{BB962C8B-B14F-4D97-AF65-F5344CB8AC3E}">
-        <p14:creationId xmlns:p14="http://schemas.microsoft.com/office/powerpoint/2010/main" val="3613937219"/>
+        <p14:creationId xmlns:p14="http://schemas.microsoft.com/office/powerpoint/2010/main" val="3849598153"/>
       </p:ext>
     </p:extLst>
   </p:cSld>
@@ -2175,7 +2181,7 @@
           <p:cNvPr id="2" name="Title 1">
             <a:extLst>
               <a:ext uri="{FF2B5EF4-FFF2-40B4-BE49-F238E27FC236}">
-                <a16:creationId xmlns:a16="http://schemas.microsoft.com/office/drawing/2014/main" id="{A507FC39-BCA1-4E96-888C-AC26B950C40D}"/>
+                <a16:creationId xmlns:a16="http://schemas.microsoft.com/office/drawing/2014/main" id="{655C6C4E-9128-4576-9578-23BAF7EE43E7}"/>
               </a:ext>
             </a:extLst>
           </p:cNvPr>
@@ -2213,7 +2219,7 @@
           <p:cNvPr id="3" name="Content Placeholder 2">
             <a:extLst>
               <a:ext uri="{FF2B5EF4-FFF2-40B4-BE49-F238E27FC236}">
-                <a16:creationId xmlns:a16="http://schemas.microsoft.com/office/drawing/2014/main" id="{2229477E-2FBF-47D7-A1A2-37D08E9D09BE}"/>
+                <a16:creationId xmlns:a16="http://schemas.microsoft.com/office/drawing/2014/main" id="{B6590580-A95E-44ED-A5DA-7AFFCFC6D57F}"/>
               </a:ext>
             </a:extLst>
           </p:cNvPr>
@@ -2304,7 +2310,7 @@
           <p:cNvPr id="4" name="Text Placeholder 3">
             <a:extLst>
               <a:ext uri="{FF2B5EF4-FFF2-40B4-BE49-F238E27FC236}">
-                <a16:creationId xmlns:a16="http://schemas.microsoft.com/office/drawing/2014/main" id="{5B09E988-7E52-4A30-9215-4FDF6ACB5493}"/>
+                <a16:creationId xmlns:a16="http://schemas.microsoft.com/office/drawing/2014/main" id="{68EB5169-2DBA-45C8-A062-9D08E21AE9DF}"/>
               </a:ext>
             </a:extLst>
           </p:cNvPr>
@@ -2375,7 +2381,7 @@
           <p:cNvPr id="5" name="Date Placeholder 4">
             <a:extLst>
               <a:ext uri="{FF2B5EF4-FFF2-40B4-BE49-F238E27FC236}">
-                <a16:creationId xmlns:a16="http://schemas.microsoft.com/office/drawing/2014/main" id="{3A76BAB7-5BCF-4F76-BC2B-68CD2376BFC3}"/>
+                <a16:creationId xmlns:a16="http://schemas.microsoft.com/office/drawing/2014/main" id="{EF86C6A4-3600-4AAC-99D3-01F251BA0B5A}"/>
               </a:ext>
             </a:extLst>
           </p:cNvPr>
@@ -2391,9 +2397,9 @@
           <a:bodyPr/>
           <a:lstStyle/>
           <a:p>
-            <a:fld id="{AA59DD15-B141-4024-8BB5-6864C24D7E82}" type="datetimeFigureOut">
+            <a:fld id="{A240B9EE-CE20-479F-91C5-799A9E0E68A8}" type="datetimeFigureOut">
               <a:rPr lang="LID4096" smtClean="0"/>
-              <a:t>09/25/2019</a:t>
+              <a:t>05/26/2020</a:t>
             </a:fld>
             <a:endParaRPr lang="LID4096"/>
           </a:p>
@@ -2404,7 +2410,7 @@
           <p:cNvPr id="6" name="Footer Placeholder 5">
             <a:extLst>
               <a:ext uri="{FF2B5EF4-FFF2-40B4-BE49-F238E27FC236}">
-                <a16:creationId xmlns:a16="http://schemas.microsoft.com/office/drawing/2014/main" id="{C11F55FC-41B4-4ADF-9E97-4124880F5240}"/>
+                <a16:creationId xmlns:a16="http://schemas.microsoft.com/office/drawing/2014/main" id="{F57CAFFA-BE32-4848-B53F-8269D128AAFE}"/>
               </a:ext>
             </a:extLst>
           </p:cNvPr>
@@ -2429,7 +2435,7 @@
           <p:cNvPr id="7" name="Slide Number Placeholder 6">
             <a:extLst>
               <a:ext uri="{FF2B5EF4-FFF2-40B4-BE49-F238E27FC236}">
-                <a16:creationId xmlns:a16="http://schemas.microsoft.com/office/drawing/2014/main" id="{A88844A6-7BE1-4E62-9548-52F640248BAE}"/>
+                <a16:creationId xmlns:a16="http://schemas.microsoft.com/office/drawing/2014/main" id="{35381B58-CFD7-4F3F-A8CF-C9E777154FEB}"/>
               </a:ext>
             </a:extLst>
           </p:cNvPr>
@@ -2445,7 +2451,7 @@
           <a:bodyPr/>
           <a:lstStyle/>
           <a:p>
-            <a:fld id="{0389F9A3-E47A-41A4-BA51-20C1E7768B2B}" type="slidenum">
+            <a:fld id="{90F5F1E1-F731-452B-B928-9EA01454A3EE}" type="slidenum">
               <a:rPr lang="LID4096" smtClean="0"/>
               <a:t>‹#›</a:t>
             </a:fld>
@@ -2456,7 +2462,7 @@
     </p:spTree>
     <p:extLst>
       <p:ext uri="{BB962C8B-B14F-4D97-AF65-F5344CB8AC3E}">
-        <p14:creationId xmlns:p14="http://schemas.microsoft.com/office/powerpoint/2010/main" val="208545885"/>
+        <p14:creationId xmlns:p14="http://schemas.microsoft.com/office/powerpoint/2010/main" val="3279000605"/>
       </p:ext>
     </p:extLst>
   </p:cSld>
@@ -2488,7 +2494,7 @@
           <p:cNvPr id="2" name="Title 1">
             <a:extLst>
               <a:ext uri="{FF2B5EF4-FFF2-40B4-BE49-F238E27FC236}">
-                <a16:creationId xmlns:a16="http://schemas.microsoft.com/office/drawing/2014/main" id="{FDCDCDD6-B579-42C6-879A-FE9C024A8898}"/>
+                <a16:creationId xmlns:a16="http://schemas.microsoft.com/office/drawing/2014/main" id="{DB98C590-6E7D-4CF4-8286-403D8062C1F6}"/>
               </a:ext>
             </a:extLst>
           </p:cNvPr>
@@ -2526,7 +2532,7 @@
           <p:cNvPr id="3" name="Picture Placeholder 2">
             <a:extLst>
               <a:ext uri="{FF2B5EF4-FFF2-40B4-BE49-F238E27FC236}">
-                <a16:creationId xmlns:a16="http://schemas.microsoft.com/office/drawing/2014/main" id="{5093DD51-2114-4A8D-A991-0D18440BBA0E}"/>
+                <a16:creationId xmlns:a16="http://schemas.microsoft.com/office/drawing/2014/main" id="{A6815886-9721-4D66-B5B1-C5C59AC024D5}"/>
               </a:ext>
             </a:extLst>
           </p:cNvPr>
@@ -2593,7 +2599,7 @@
           <p:cNvPr id="4" name="Text Placeholder 3">
             <a:extLst>
               <a:ext uri="{FF2B5EF4-FFF2-40B4-BE49-F238E27FC236}">
-                <a16:creationId xmlns:a16="http://schemas.microsoft.com/office/drawing/2014/main" id="{1E0982E2-99DC-4C19-99CF-4DF3DAD17F54}"/>
+                <a16:creationId xmlns:a16="http://schemas.microsoft.com/office/drawing/2014/main" id="{9CE0CDDD-41A8-4AB2-94FC-645BD8F7CE8A}"/>
               </a:ext>
             </a:extLst>
           </p:cNvPr>
@@ -2664,7 +2670,7 @@
           <p:cNvPr id="5" name="Date Placeholder 4">
             <a:extLst>
               <a:ext uri="{FF2B5EF4-FFF2-40B4-BE49-F238E27FC236}">
-                <a16:creationId xmlns:a16="http://schemas.microsoft.com/office/drawing/2014/main" id="{ACDEB280-646D-44DC-80D0-F70C0C87A1F0}"/>
+                <a16:creationId xmlns:a16="http://schemas.microsoft.com/office/drawing/2014/main" id="{6ACD5402-E46E-42E7-9D5A-4B001563E7B7}"/>
               </a:ext>
             </a:extLst>
           </p:cNvPr>
@@ -2680,9 +2686,9 @@
           <a:bodyPr/>
           <a:lstStyle/>
           <a:p>
-            <a:fld id="{AA59DD15-B141-4024-8BB5-6864C24D7E82}" type="datetimeFigureOut">
+            <a:fld id="{A240B9EE-CE20-479F-91C5-799A9E0E68A8}" type="datetimeFigureOut">
               <a:rPr lang="LID4096" smtClean="0"/>
-              <a:t>09/25/2019</a:t>
+              <a:t>05/26/2020</a:t>
             </a:fld>
             <a:endParaRPr lang="LID4096"/>
           </a:p>
@@ -2693,7 +2699,7 @@
           <p:cNvPr id="6" name="Footer Placeholder 5">
             <a:extLst>
               <a:ext uri="{FF2B5EF4-FFF2-40B4-BE49-F238E27FC236}">
-                <a16:creationId xmlns:a16="http://schemas.microsoft.com/office/drawing/2014/main" id="{6958DA49-2009-4DB4-AE39-AB3CEB9D122B}"/>
+                <a16:creationId xmlns:a16="http://schemas.microsoft.com/office/drawing/2014/main" id="{5ED3C359-2B86-4D91-B0F6-89406CD36C87}"/>
               </a:ext>
             </a:extLst>
           </p:cNvPr>
@@ -2718,7 +2724,7 @@
           <p:cNvPr id="7" name="Slide Number Placeholder 6">
             <a:extLst>
               <a:ext uri="{FF2B5EF4-FFF2-40B4-BE49-F238E27FC236}">
-                <a16:creationId xmlns:a16="http://schemas.microsoft.com/office/drawing/2014/main" id="{18CAD024-738D-495A-93A0-09CF9EA95DB6}"/>
+                <a16:creationId xmlns:a16="http://schemas.microsoft.com/office/drawing/2014/main" id="{9F64620A-BEC0-4F38-B4AE-2F36A8CC1AAB}"/>
               </a:ext>
             </a:extLst>
           </p:cNvPr>
@@ -2734,7 +2740,7 @@
           <a:bodyPr/>
           <a:lstStyle/>
           <a:p>
-            <a:fld id="{0389F9A3-E47A-41A4-BA51-20C1E7768B2B}" type="slidenum">
+            <a:fld id="{90F5F1E1-F731-452B-B928-9EA01454A3EE}" type="slidenum">
               <a:rPr lang="LID4096" smtClean="0"/>
               <a:t>‹#›</a:t>
             </a:fld>
@@ -2745,7 +2751,7 @@
     </p:spTree>
     <p:extLst>
       <p:ext uri="{BB962C8B-B14F-4D97-AF65-F5344CB8AC3E}">
-        <p14:creationId xmlns:p14="http://schemas.microsoft.com/office/powerpoint/2010/main" val="580836442"/>
+        <p14:creationId xmlns:p14="http://schemas.microsoft.com/office/powerpoint/2010/main" val="4162160842"/>
       </p:ext>
     </p:extLst>
   </p:cSld>
@@ -2782,7 +2788,7 @@
           <p:cNvPr id="2" name="Title Placeholder 1">
             <a:extLst>
               <a:ext uri="{FF2B5EF4-FFF2-40B4-BE49-F238E27FC236}">
-                <a16:creationId xmlns:a16="http://schemas.microsoft.com/office/drawing/2014/main" id="{81F19941-61AB-4F5D-A0DA-4F0E024B6A24}"/>
+                <a16:creationId xmlns:a16="http://schemas.microsoft.com/office/drawing/2014/main" id="{7BC9380B-8EFC-4872-97B1-D230A73DDDE8}"/>
               </a:ext>
             </a:extLst>
           </p:cNvPr>
@@ -2821,7 +2827,7 @@
           <p:cNvPr id="3" name="Text Placeholder 2">
             <a:extLst>
               <a:ext uri="{FF2B5EF4-FFF2-40B4-BE49-F238E27FC236}">
-                <a16:creationId xmlns:a16="http://schemas.microsoft.com/office/drawing/2014/main" id="{7987E08A-C3AA-46BA-8050-42093565FB36}"/>
+                <a16:creationId xmlns:a16="http://schemas.microsoft.com/office/drawing/2014/main" id="{B3A5E04B-B949-4773-A41E-43C491EF0D01}"/>
               </a:ext>
             </a:extLst>
           </p:cNvPr>
@@ -2889,7 +2895,7 @@
           <p:cNvPr id="4" name="Date Placeholder 3">
             <a:extLst>
               <a:ext uri="{FF2B5EF4-FFF2-40B4-BE49-F238E27FC236}">
-                <a16:creationId xmlns:a16="http://schemas.microsoft.com/office/drawing/2014/main" id="{F936E3B3-014D-4F2F-B1DA-0C1697D144C4}"/>
+                <a16:creationId xmlns:a16="http://schemas.microsoft.com/office/drawing/2014/main" id="{3EBD6CE0-1A4C-4C91-B240-2652DF899352}"/>
               </a:ext>
             </a:extLst>
           </p:cNvPr>
@@ -2923,9 +2929,9 @@
             </a:lvl1pPr>
           </a:lstStyle>
           <a:p>
-            <a:fld id="{AA59DD15-B141-4024-8BB5-6864C24D7E82}" type="datetimeFigureOut">
+            <a:fld id="{A240B9EE-CE20-479F-91C5-799A9E0E68A8}" type="datetimeFigureOut">
               <a:rPr lang="LID4096" smtClean="0"/>
-              <a:t>09/25/2019</a:t>
+              <a:t>05/26/2020</a:t>
             </a:fld>
             <a:endParaRPr lang="LID4096"/>
           </a:p>
@@ -2936,7 +2942,7 @@
           <p:cNvPr id="5" name="Footer Placeholder 4">
             <a:extLst>
               <a:ext uri="{FF2B5EF4-FFF2-40B4-BE49-F238E27FC236}">
-                <a16:creationId xmlns:a16="http://schemas.microsoft.com/office/drawing/2014/main" id="{253A52A2-0877-46E7-ABC8-38099C8E8449}"/>
+                <a16:creationId xmlns:a16="http://schemas.microsoft.com/office/drawing/2014/main" id="{FCD66AC4-6F30-44E9-B709-13501021B386}"/>
               </a:ext>
             </a:extLst>
           </p:cNvPr>
@@ -2979,7 +2985,7 @@
           <p:cNvPr id="6" name="Slide Number Placeholder 5">
             <a:extLst>
               <a:ext uri="{FF2B5EF4-FFF2-40B4-BE49-F238E27FC236}">
-                <a16:creationId xmlns:a16="http://schemas.microsoft.com/office/drawing/2014/main" id="{9F50F278-E6CB-49AB-907F-E999BB309BB3}"/>
+                <a16:creationId xmlns:a16="http://schemas.microsoft.com/office/drawing/2014/main" id="{61CB4606-EDE1-4E4D-ACCB-D14451DFC6E8}"/>
               </a:ext>
             </a:extLst>
           </p:cNvPr>
@@ -3013,7 +3019,7 @@
             </a:lvl1pPr>
           </a:lstStyle>
           <a:p>
-            <a:fld id="{0389F9A3-E47A-41A4-BA51-20C1E7768B2B}" type="slidenum">
+            <a:fld id="{90F5F1E1-F731-452B-B928-9EA01454A3EE}" type="slidenum">
               <a:rPr lang="LID4096" smtClean="0"/>
               <a:t>‹#›</a:t>
             </a:fld>
@@ -3024,7 +3030,7 @@
     </p:spTree>
     <p:extLst>
       <p:ext uri="{BB962C8B-B14F-4D97-AF65-F5344CB8AC3E}">
-        <p14:creationId xmlns:p14="http://schemas.microsoft.com/office/powerpoint/2010/main" val="3554297280"/>
+        <p14:creationId xmlns:p14="http://schemas.microsoft.com/office/powerpoint/2010/main" val="2607455903"/>
       </p:ext>
     </p:extLst>
   </p:cSld>
@@ -3344,10 +3350,10 @@
       </p:grpSpPr>
       <p:sp>
         <p:nvSpPr>
-          <p:cNvPr id="93" name="Rectangle 92">
-            <a:extLst>
-              <a:ext uri="{FF2B5EF4-FFF2-40B4-BE49-F238E27FC236}">
-                <a16:creationId xmlns:a16="http://schemas.microsoft.com/office/drawing/2014/main" id="{8FBA51D1-A323-4D9F-B725-5EE19EB8821C}"/>
+          <p:cNvPr id="4" name="Rectangle: Rounded Corners 3">
+            <a:extLst>
+              <a:ext uri="{FF2B5EF4-FFF2-40B4-BE49-F238E27FC236}">
+                <a16:creationId xmlns:a16="http://schemas.microsoft.com/office/drawing/2014/main" id="{7B2442C7-12A0-4C94-92C4-54ACFA3C2FA6}"/>
               </a:ext>
             </a:extLst>
           </p:cNvPr>
@@ -3356,16 +3362,16 @@
         </p:nvSpPr>
         <p:spPr>
           <a:xfrm>
-            <a:off x="1243585" y="841248"/>
-            <a:ext cx="7071356" cy="5175504"/>
-          </a:xfrm>
-          <a:prstGeom prst="rect">
+            <a:off x="842917" y="1942355"/>
+            <a:ext cx="2540791" cy="1327756"/>
+          </a:xfrm>
+          <a:prstGeom prst="roundRect">
             <a:avLst/>
           </a:prstGeom>
           <a:solidFill>
-            <a:schemeClr val="tx2">
-              <a:lumMod val="20000"/>
-              <a:lumOff val="80000"/>
+            <a:schemeClr val="accent1">
+              <a:lumMod val="40000"/>
+              <a:lumOff val="60000"/>
             </a:schemeClr>
           </a:solidFill>
         </p:spPr>
@@ -3396,10 +3402,10 @@
       </p:sp>
       <p:sp>
         <p:nvSpPr>
-          <p:cNvPr id="79" name="Rectangle 78">
-            <a:extLst>
-              <a:ext uri="{FF2B5EF4-FFF2-40B4-BE49-F238E27FC236}">
-                <a16:creationId xmlns:a16="http://schemas.microsoft.com/office/drawing/2014/main" id="{97F01E16-0894-4942-8768-31470B8CFE95}"/>
+          <p:cNvPr id="5" name="Rectangle: Rounded Corners 4">
+            <a:extLst>
+              <a:ext uri="{FF2B5EF4-FFF2-40B4-BE49-F238E27FC236}">
+                <a16:creationId xmlns:a16="http://schemas.microsoft.com/office/drawing/2014/main" id="{2778DD4B-7A59-432F-918E-2DB8A6D67DAB}"/>
               </a:ext>
             </a:extLst>
           </p:cNvPr>
@@ -3408,15 +3414,16 @@
         </p:nvSpPr>
         <p:spPr>
           <a:xfrm>
-            <a:off x="9223248" y="1542288"/>
-            <a:ext cx="2840822" cy="2420112"/>
-          </a:xfrm>
-          <a:prstGeom prst="rect">
+            <a:off x="6088872" y="1361276"/>
+            <a:ext cx="5635300" cy="2486439"/>
+          </a:xfrm>
+          <a:prstGeom prst="roundRect">
             <a:avLst/>
           </a:prstGeom>
           <a:solidFill>
-            <a:schemeClr val="bg1">
-              <a:lumMod val="95000"/>
+            <a:schemeClr val="accent1">
+              <a:lumMod val="40000"/>
+              <a:lumOff val="60000"/>
             </a:schemeClr>
           </a:solidFill>
         </p:spPr>
@@ -3437,7 +3444,12 @@
           </a:fontRef>
         </p:style>
         <p:txBody>
-          <a:bodyPr rtlCol="0" anchor="ctr"/>
+          <a:bodyPr rot="0" spcFirstLastPara="0" vertOverflow="overflow" horzOverflow="overflow" vert="horz" wrap="square" lIns="91440" tIns="45720" rIns="91440" bIns="45720" numCol="1" spcCol="0" rtlCol="0" fromWordArt="0" anchor="ctr" anchorCtr="0" forceAA="0" compatLnSpc="1">
+            <a:prstTxWarp prst="textNoShape">
+              <a:avLst/>
+            </a:prstTxWarp>
+            <a:noAutofit/>
+          </a:bodyPr>
           <a:lstStyle/>
           <a:p>
             <a:pPr algn="ctr"/>
@@ -3447,10 +3459,55 @@
       </p:sp>
       <p:sp>
         <p:nvSpPr>
-          <p:cNvPr id="82" name="Rectangle 81">
-            <a:extLst>
-              <a:ext uri="{FF2B5EF4-FFF2-40B4-BE49-F238E27FC236}">
-                <a16:creationId xmlns:a16="http://schemas.microsoft.com/office/drawing/2014/main" id="{2FDD09E4-7564-4B55-8DCD-6EBCCEB5CEA5}"/>
+          <p:cNvPr id="6" name="TextBox 5">
+            <a:extLst>
+              <a:ext uri="{FF2B5EF4-FFF2-40B4-BE49-F238E27FC236}">
+                <a16:creationId xmlns:a16="http://schemas.microsoft.com/office/drawing/2014/main" id="{DA134272-E2D7-4D71-B7C5-E0F714C7205E}"/>
+              </a:ext>
+            </a:extLst>
+          </p:cNvPr>
+          <p:cNvSpPr txBox="1"/>
+          <p:nvPr/>
+        </p:nvSpPr>
+        <p:spPr>
+          <a:xfrm>
+            <a:off x="1645844" y="1960067"/>
+            <a:ext cx="934936" cy="369332"/>
+          </a:xfrm>
+          <a:prstGeom prst="rect">
+            <a:avLst/>
+          </a:prstGeom>
+          <a:noFill/>
+        </p:spPr>
+        <p:txBody>
+          <a:bodyPr wrap="none" rtlCol="0">
+            <a:spAutoFit/>
+          </a:bodyPr>
+          <a:lstStyle/>
+          <a:p>
+            <a:pPr algn="ctr"/>
+            <a:r>
+              <a:rPr lang="en-US" dirty="0">
+                <a:solidFill>
+                  <a:schemeClr val="bg1"/>
+                </a:solidFill>
+              </a:rPr>
+              <a:t>Arduino</a:t>
+            </a:r>
+            <a:endParaRPr lang="LID4096" dirty="0">
+              <a:solidFill>
+                <a:schemeClr val="bg1"/>
+              </a:solidFill>
+            </a:endParaRPr>
+          </a:p>
+        </p:txBody>
+      </p:sp>
+      <p:sp>
+        <p:nvSpPr>
+          <p:cNvPr id="7" name="Rectangle 6">
+            <a:extLst>
+              <a:ext uri="{FF2B5EF4-FFF2-40B4-BE49-F238E27FC236}">
+                <a16:creationId xmlns:a16="http://schemas.microsoft.com/office/drawing/2014/main" id="{A8F5A97E-0982-44BE-BF18-4801237FFFF7}"/>
               </a:ext>
             </a:extLst>
           </p:cNvPr>
@@ -3459,15 +3516,16 @@
         </p:nvSpPr>
         <p:spPr>
           <a:xfrm>
-            <a:off x="9223248" y="4087828"/>
-            <a:ext cx="2840822" cy="1034609"/>
+            <a:off x="1200892" y="2329583"/>
+            <a:ext cx="1822384" cy="552316"/>
           </a:xfrm>
           <a:prstGeom prst="rect">
             <a:avLst/>
           </a:prstGeom>
           <a:solidFill>
-            <a:schemeClr val="bg1">
-              <a:lumMod val="95000"/>
+            <a:schemeClr val="accent1">
+              <a:lumMod val="20000"/>
+              <a:lumOff val="80000"/>
             </a:schemeClr>
           </a:solidFill>
         </p:spPr>
@@ -3492,16 +3550,34 @@
           <a:lstStyle/>
           <a:p>
             <a:pPr algn="ctr"/>
-            <a:endParaRPr lang="LID4096"/>
-          </a:p>
-        </p:txBody>
-      </p:sp>
-      <p:sp>
-        <p:nvSpPr>
-          <p:cNvPr id="4" name="Rectangle 3">
-            <a:extLst>
-              <a:ext uri="{FF2B5EF4-FFF2-40B4-BE49-F238E27FC236}">
-                <a16:creationId xmlns:a16="http://schemas.microsoft.com/office/drawing/2014/main" id="{171663EA-DA3F-4C31-821C-EC184FF13F84}"/>
+            <a:r>
+              <a:rPr lang="fi-FI" sz="1400" dirty="0" err="1">
+                <a:solidFill>
+                  <a:schemeClr val="tx1">
+                    <a:lumMod val="50000"/>
+                    <a:lumOff val="50000"/>
+                  </a:schemeClr>
+                </a:solidFill>
+              </a:rPr>
+              <a:t>sketch_temp_relay.ino</a:t>
+            </a:r>
+            <a:endParaRPr lang="LID4096" sz="1400" dirty="0">
+              <a:solidFill>
+                <a:schemeClr val="tx1">
+                  <a:lumMod val="50000"/>
+                  <a:lumOff val="50000"/>
+                </a:schemeClr>
+              </a:solidFill>
+            </a:endParaRPr>
+          </a:p>
+        </p:txBody>
+      </p:sp>
+      <p:sp>
+        <p:nvSpPr>
+          <p:cNvPr id="8" name="Rectangle 7">
+            <a:extLst>
+              <a:ext uri="{FF2B5EF4-FFF2-40B4-BE49-F238E27FC236}">
+                <a16:creationId xmlns:a16="http://schemas.microsoft.com/office/drawing/2014/main" id="{B34E4689-3DD5-4327-A66B-7FF90A1098B1}"/>
               </a:ext>
             </a:extLst>
           </p:cNvPr>
@@ -3510,8 +3586,8 @@
         </p:nvSpPr>
         <p:spPr>
           <a:xfrm>
-            <a:off x="1444752" y="3005328"/>
-            <a:ext cx="1389888" cy="914400"/>
+            <a:off x="6524074" y="4739647"/>
+            <a:ext cx="963509" cy="1155591"/>
           </a:xfrm>
           <a:prstGeom prst="rect">
             <a:avLst/>
@@ -3539,19 +3615,19 @@
           <a:p>
             <a:pPr algn="ctr"/>
             <a:r>
-              <a:rPr lang="en-US" dirty="0" err="1"/>
-              <a:t>Fermonitor</a:t>
-            </a:r>
-            <a:endParaRPr lang="LID4096" dirty="0"/>
-          </a:p>
-        </p:txBody>
-      </p:sp>
-      <p:sp>
-        <p:nvSpPr>
-          <p:cNvPr id="5" name="Rectangle 4">
-            <a:extLst>
-              <a:ext uri="{FF2B5EF4-FFF2-40B4-BE49-F238E27FC236}">
-                <a16:creationId xmlns:a16="http://schemas.microsoft.com/office/drawing/2014/main" id="{2B4FA2C4-43CE-4F4B-A1F2-E1030BA7B585}"/>
+              <a:rPr lang="en-US" sz="1200" dirty="0"/>
+              <a:t>Blue LED -&gt; indicate cooling is on</a:t>
+            </a:r>
+            <a:endParaRPr lang="LID4096" sz="1200" dirty="0"/>
+          </a:p>
+        </p:txBody>
+      </p:sp>
+      <p:sp>
+        <p:nvSpPr>
+          <p:cNvPr id="9" name="Rectangle 8">
+            <a:extLst>
+              <a:ext uri="{FF2B5EF4-FFF2-40B4-BE49-F238E27FC236}">
+                <a16:creationId xmlns:a16="http://schemas.microsoft.com/office/drawing/2014/main" id="{5E370936-32D0-4351-8F3C-D2150890B089}"/>
               </a:ext>
             </a:extLst>
           </p:cNvPr>
@@ -3560,8 +3636,8 @@
         </p:nvSpPr>
         <p:spPr>
           <a:xfrm>
-            <a:off x="3974592" y="1042416"/>
-            <a:ext cx="1359408" cy="914400"/>
+            <a:off x="5500698" y="4745132"/>
+            <a:ext cx="963509" cy="1145064"/>
           </a:xfrm>
           <a:prstGeom prst="rect">
             <a:avLst/>
@@ -3589,19 +3665,19 @@
           <a:p>
             <a:pPr algn="ctr"/>
             <a:r>
-              <a:rPr lang="en-US" dirty="0"/>
-              <a:t>Interface</a:t>
-            </a:r>
-            <a:endParaRPr lang="LID4096" dirty="0"/>
-          </a:p>
-        </p:txBody>
-      </p:sp>
-      <p:sp>
-        <p:nvSpPr>
-          <p:cNvPr id="6" name="Rectangle 5">
-            <a:extLst>
-              <a:ext uri="{FF2B5EF4-FFF2-40B4-BE49-F238E27FC236}">
-                <a16:creationId xmlns:a16="http://schemas.microsoft.com/office/drawing/2014/main" id="{F39F83FD-17E0-4243-B3EE-56B03476B148}"/>
+              <a:rPr lang="en-US" sz="1200" dirty="0"/>
+              <a:t>Red LED  -&gt; indicate heat is on</a:t>
+            </a:r>
+            <a:endParaRPr lang="LID4096" sz="1200" dirty="0"/>
+          </a:p>
+        </p:txBody>
+      </p:sp>
+      <p:sp>
+        <p:nvSpPr>
+          <p:cNvPr id="10" name="Rectangle 9">
+            <a:extLst>
+              <a:ext uri="{FF2B5EF4-FFF2-40B4-BE49-F238E27FC236}">
+                <a16:creationId xmlns:a16="http://schemas.microsoft.com/office/drawing/2014/main" id="{F5799364-C1C5-4D1E-8D26-18A86A1FC2C8}"/>
               </a:ext>
             </a:extLst>
           </p:cNvPr>
@@ -3610,8 +3686,8 @@
         </p:nvSpPr>
         <p:spPr>
           <a:xfrm>
-            <a:off x="3974592" y="4907280"/>
-            <a:ext cx="1359408" cy="914400"/>
+            <a:off x="4477320" y="4739649"/>
+            <a:ext cx="963509" cy="1150326"/>
           </a:xfrm>
           <a:prstGeom prst="rect">
             <a:avLst/>
@@ -3639,19 +3715,19 @@
           <a:p>
             <a:pPr algn="ctr"/>
             <a:r>
-              <a:rPr lang="en-US" dirty="0" err="1"/>
-              <a:t>Brewfather</a:t>
-            </a:r>
-            <a:endParaRPr lang="LID4096" dirty="0"/>
-          </a:p>
-        </p:txBody>
-      </p:sp>
-      <p:sp>
-        <p:nvSpPr>
-          <p:cNvPr id="7" name="Rectangle 6">
-            <a:extLst>
-              <a:ext uri="{FF2B5EF4-FFF2-40B4-BE49-F238E27FC236}">
-                <a16:creationId xmlns:a16="http://schemas.microsoft.com/office/drawing/2014/main" id="{00D422CE-6D8D-4E27-B348-EC758EB60129}"/>
+              <a:rPr lang="en-US" sz="1200" dirty="0"/>
+              <a:t>Relay -&gt; control fridge power</a:t>
+            </a:r>
+            <a:endParaRPr lang="LID4096" sz="1200" dirty="0"/>
+          </a:p>
+        </p:txBody>
+      </p:sp>
+      <p:sp>
+        <p:nvSpPr>
+          <p:cNvPr id="11" name="Rectangle 10">
+            <a:extLst>
+              <a:ext uri="{FF2B5EF4-FFF2-40B4-BE49-F238E27FC236}">
+                <a16:creationId xmlns:a16="http://schemas.microsoft.com/office/drawing/2014/main" id="{1EA37D1F-2C12-4B6E-935C-27196AA5B799}"/>
               </a:ext>
             </a:extLst>
           </p:cNvPr>
@@ -3660,8 +3736,8 @@
         </p:nvSpPr>
         <p:spPr>
           <a:xfrm>
-            <a:off x="3974592" y="2551176"/>
-            <a:ext cx="1359408" cy="914400"/>
+            <a:off x="3453942" y="4745132"/>
+            <a:ext cx="963509" cy="1150327"/>
           </a:xfrm>
           <a:prstGeom prst="rect">
             <a:avLst/>
@@ -3689,19 +3765,23 @@
           <a:p>
             <a:pPr algn="ctr"/>
             <a:r>
-              <a:rPr lang="en-US" dirty="0"/>
-              <a:t>Chamber</a:t>
-            </a:r>
-            <a:endParaRPr lang="LID4096" dirty="0"/>
-          </a:p>
-        </p:txBody>
-      </p:sp>
-      <p:sp>
-        <p:nvSpPr>
-          <p:cNvPr id="8" name="Rectangle 7">
-            <a:extLst>
-              <a:ext uri="{FF2B5EF4-FFF2-40B4-BE49-F238E27FC236}">
-                <a16:creationId xmlns:a16="http://schemas.microsoft.com/office/drawing/2014/main" id="{645553A0-B495-4D0B-945E-737F92D5A996}"/>
+              <a:rPr lang="en-US" sz="1200" dirty="0"/>
+              <a:t>Relay -&gt; control heating pad</a:t>
+            </a:r>
+            <a:endParaRPr lang="LID4096" sz="1200" dirty="0"/>
+          </a:p>
+          <a:p>
+            <a:pPr algn="ctr"/>
+            <a:endParaRPr lang="LID4096" sz="1200" dirty="0"/>
+          </a:p>
+        </p:txBody>
+      </p:sp>
+      <p:sp>
+        <p:nvSpPr>
+          <p:cNvPr id="12" name="Rectangle 11">
+            <a:extLst>
+              <a:ext uri="{FF2B5EF4-FFF2-40B4-BE49-F238E27FC236}">
+                <a16:creationId xmlns:a16="http://schemas.microsoft.com/office/drawing/2014/main" id="{39024E21-DCFE-4C1A-B1DB-20CD73F52B3B}"/>
               </a:ext>
             </a:extLst>
           </p:cNvPr>
@@ -3710,8 +3790,8 @@
         </p:nvSpPr>
         <p:spPr>
           <a:xfrm>
-            <a:off x="6577586" y="2548128"/>
-            <a:ext cx="1359408" cy="914400"/>
+            <a:off x="361161" y="4745131"/>
+            <a:ext cx="963509" cy="1150330"/>
           </a:xfrm>
           <a:prstGeom prst="rect">
             <a:avLst/>
@@ -3737,21 +3817,67 @@
           <a:bodyPr rtlCol="0" anchor="ctr"/>
           <a:lstStyle/>
           <a:p>
-            <a:pPr algn="ctr"/>
-            <a:r>
-              <a:rPr lang="en-US" dirty="0"/>
-              <a:t>Controller</a:t>
-            </a:r>
-            <a:endParaRPr lang="LID4096" dirty="0"/>
-          </a:p>
-        </p:txBody>
-      </p:sp>
-      <p:sp>
-        <p:nvSpPr>
-          <p:cNvPr id="9" name="Rectangle 8">
-            <a:extLst>
-              <a:ext uri="{FF2B5EF4-FFF2-40B4-BE49-F238E27FC236}">
-                <a16:creationId xmlns:a16="http://schemas.microsoft.com/office/drawing/2014/main" id="{09365A0B-A1DD-40D8-84B3-06A8EF571E8D}"/>
+            <a:r>
+              <a:rPr lang="fi-FI" sz="1200" dirty="0"/>
+              <a:t>DS18B20 </a:t>
+            </a:r>
+            <a:r>
+              <a:rPr lang="fi-FI" sz="1200" dirty="0" err="1"/>
+              <a:t>one-wire</a:t>
+            </a:r>
+            <a:r>
+              <a:rPr lang="fi-FI" sz="1200" dirty="0"/>
+              <a:t> </a:t>
+            </a:r>
+            <a:r>
+              <a:rPr lang="fi-FI" sz="1200" dirty="0" err="1"/>
+              <a:t>digital</a:t>
+            </a:r>
+            <a:r>
+              <a:rPr lang="fi-FI" sz="1200" dirty="0"/>
+              <a:t> </a:t>
+            </a:r>
+            <a:r>
+              <a:rPr lang="fi-FI" sz="1200" dirty="0" err="1"/>
+              <a:t>temp</a:t>
+            </a:r>
+            <a:r>
+              <a:rPr lang="fi-FI" sz="1200" dirty="0"/>
+              <a:t> </a:t>
+            </a:r>
+            <a:r>
+              <a:rPr lang="fi-FI" sz="1200" dirty="0" err="1"/>
+              <a:t>sensor</a:t>
+            </a:r>
+            <a:r>
+              <a:rPr lang="fi-FI" sz="1200" dirty="0"/>
+              <a:t> -&gt; </a:t>
+            </a:r>
+            <a:br>
+              <a:rPr lang="fi-FI" sz="1200" dirty="0"/>
+            </a:br>
+            <a:r>
+              <a:rPr lang="fi-FI" sz="1200" dirty="0" err="1"/>
+              <a:t>fridge</a:t>
+            </a:r>
+            <a:r>
+              <a:rPr lang="fi-FI" sz="1200" dirty="0"/>
+              <a:t> air </a:t>
+            </a:r>
+            <a:r>
+              <a:rPr lang="fi-FI" sz="1200" dirty="0" err="1"/>
+              <a:t>temp</a:t>
+            </a:r>
+            <a:endParaRPr lang="fi-FI" sz="1200" dirty="0"/>
+          </a:p>
+        </p:txBody>
+      </p:sp>
+      <p:sp>
+        <p:nvSpPr>
+          <p:cNvPr id="13" name="Rectangle 12">
+            <a:extLst>
+              <a:ext uri="{FF2B5EF4-FFF2-40B4-BE49-F238E27FC236}">
+                <a16:creationId xmlns:a16="http://schemas.microsoft.com/office/drawing/2014/main" id="{E9D9B571-FD2A-4941-86B1-E5AE99893793}"/>
               </a:ext>
             </a:extLst>
           </p:cNvPr>
@@ -3760,8 +3886,8 @@
         </p:nvSpPr>
         <p:spPr>
           <a:xfrm>
-            <a:off x="6577586" y="4035552"/>
-            <a:ext cx="1359408" cy="914400"/>
+            <a:off x="1384539" y="4745131"/>
+            <a:ext cx="963509" cy="1150329"/>
           </a:xfrm>
           <a:prstGeom prst="rect">
             <a:avLst/>
@@ -3787,39 +3913,164 @@
           <a:bodyPr rtlCol="0" anchor="ctr"/>
           <a:lstStyle/>
           <a:p>
-            <a:pPr algn="ctr"/>
-            <a:r>
-              <a:rPr lang="en-US" dirty="0"/>
-              <a:t>Tilt</a:t>
-            </a:r>
-            <a:endParaRPr lang="LID4096" dirty="0"/>
+            <a:r>
+              <a:rPr lang="fi-FI" sz="1200" dirty="0"/>
+              <a:t>DS18B20 </a:t>
+            </a:r>
+            <a:r>
+              <a:rPr lang="fi-FI" sz="1200" dirty="0" err="1"/>
+              <a:t>one-wire</a:t>
+            </a:r>
+            <a:r>
+              <a:rPr lang="fi-FI" sz="1200" dirty="0"/>
+              <a:t> </a:t>
+            </a:r>
+            <a:r>
+              <a:rPr lang="fi-FI" sz="1200" dirty="0" err="1"/>
+              <a:t>digital</a:t>
+            </a:r>
+            <a:r>
+              <a:rPr lang="fi-FI" sz="1200" dirty="0"/>
+              <a:t> </a:t>
+            </a:r>
+            <a:r>
+              <a:rPr lang="fi-FI" sz="1200" dirty="0" err="1"/>
+              <a:t>temp</a:t>
+            </a:r>
+            <a:r>
+              <a:rPr lang="fi-FI" sz="1200" dirty="0"/>
+              <a:t> </a:t>
+            </a:r>
+            <a:r>
+              <a:rPr lang="fi-FI" sz="1200" dirty="0" err="1"/>
+              <a:t>sensor</a:t>
+            </a:r>
+            <a:r>
+              <a:rPr lang="fi-FI" sz="1200" dirty="0"/>
+              <a:t> -&gt; </a:t>
+            </a:r>
+            <a:r>
+              <a:rPr lang="fi-FI" sz="1200" dirty="0" err="1"/>
+              <a:t>thermalwell</a:t>
+            </a:r>
+            <a:endParaRPr lang="fi-FI" sz="1200" dirty="0"/>
+          </a:p>
+        </p:txBody>
+      </p:sp>
+      <p:sp>
+        <p:nvSpPr>
+          <p:cNvPr id="14" name="Rectangle 13">
+            <a:extLst>
+              <a:ext uri="{FF2B5EF4-FFF2-40B4-BE49-F238E27FC236}">
+                <a16:creationId xmlns:a16="http://schemas.microsoft.com/office/drawing/2014/main" id="{639F341F-C494-447F-AAD5-F1742ED1D091}"/>
+              </a:ext>
+            </a:extLst>
+          </p:cNvPr>
+          <p:cNvSpPr/>
+          <p:nvPr/>
+        </p:nvSpPr>
+        <p:spPr>
+          <a:xfrm>
+            <a:off x="2420199" y="4742390"/>
+            <a:ext cx="963509" cy="1155592"/>
+          </a:xfrm>
+          <a:prstGeom prst="rect">
+            <a:avLst/>
+          </a:prstGeom>
+        </p:spPr>
+        <p:style>
+          <a:lnRef idx="2">
+            <a:schemeClr val="accent1">
+              <a:shade val="50000"/>
+            </a:schemeClr>
+          </a:lnRef>
+          <a:fillRef idx="1">
+            <a:schemeClr val="accent1"/>
+          </a:fillRef>
+          <a:effectRef idx="0">
+            <a:schemeClr val="accent1"/>
+          </a:effectRef>
+          <a:fontRef idx="minor">
+            <a:schemeClr val="lt1"/>
+          </a:fontRef>
+        </p:style>
+        <p:txBody>
+          <a:bodyPr rtlCol="0" anchor="ctr"/>
+          <a:lstStyle/>
+          <a:p>
+            <a:r>
+              <a:rPr lang="fi-FI" sz="1200" dirty="0"/>
+              <a:t>LM35 </a:t>
+            </a:r>
+            <a:r>
+              <a:rPr lang="fi-FI" sz="1200" dirty="0" err="1"/>
+              <a:t>analog</a:t>
+            </a:r>
+            <a:r>
+              <a:rPr lang="fi-FI" sz="1200" dirty="0"/>
+              <a:t> </a:t>
+            </a:r>
+            <a:r>
+              <a:rPr lang="fi-FI" sz="1200" dirty="0" err="1"/>
+              <a:t>temp</a:t>
+            </a:r>
+            <a:r>
+              <a:rPr lang="fi-FI" sz="1200" dirty="0"/>
+              <a:t> </a:t>
+            </a:r>
+            <a:r>
+              <a:rPr lang="fi-FI" sz="1200" dirty="0" err="1"/>
+              <a:t>Sensor</a:t>
+            </a:r>
+            <a:r>
+              <a:rPr lang="fi-FI" sz="1200" dirty="0"/>
+              <a:t> -&gt; </a:t>
+            </a:r>
+            <a:r>
+              <a:rPr lang="fi-FI" sz="1200" dirty="0" err="1"/>
+              <a:t>internal</a:t>
+            </a:r>
+            <a:r>
+              <a:rPr lang="fi-FI" sz="1200" dirty="0"/>
+              <a:t> </a:t>
+            </a:r>
+            <a:r>
+              <a:rPr lang="fi-FI" sz="1200" dirty="0" err="1"/>
+              <a:t>temp</a:t>
+            </a:r>
+            <a:endParaRPr lang="fi-FI" sz="1200" dirty="0"/>
           </a:p>
         </p:txBody>
       </p:sp>
       <p:cxnSp>
         <p:nvCxnSpPr>
-          <p:cNvPr id="11" name="Straight Connector 10">
-            <a:extLst>
-              <a:ext uri="{FF2B5EF4-FFF2-40B4-BE49-F238E27FC236}">
-                <a16:creationId xmlns:a16="http://schemas.microsoft.com/office/drawing/2014/main" id="{F28C40AE-4701-4615-B2CA-4BFE8D61F291}"/>
+          <p:cNvPr id="17" name="Connector: Elbow 16">
+            <a:extLst>
+              <a:ext uri="{FF2B5EF4-FFF2-40B4-BE49-F238E27FC236}">
+                <a16:creationId xmlns:a16="http://schemas.microsoft.com/office/drawing/2014/main" id="{1836FFDA-E5EC-4812-9FE0-89AC6A5CD4D6}"/>
               </a:ext>
             </a:extLst>
           </p:cNvPr>
           <p:cNvCxnSpPr>
             <a:cxnSpLocks/>
-            <a:stCxn id="4" idx="3"/>
-            <a:endCxn id="5" idx="1"/>
+            <a:stCxn id="4" idx="2"/>
+            <a:endCxn id="14" idx="0"/>
           </p:cNvCxnSpPr>
           <p:nvPr/>
         </p:nvCxnSpPr>
         <p:spPr>
-          <a:xfrm flipV="1">
-            <a:off x="2834640" y="1499616"/>
-            <a:ext cx="1139952" cy="1962912"/>
-          </a:xfrm>
-          <a:prstGeom prst="line">
+          <a:xfrm rot="16200000" flipH="1">
+            <a:off x="1771494" y="3611929"/>
+            <a:ext cx="1472279" cy="788641"/>
+          </a:xfrm>
+          <a:prstGeom prst="bentConnector3">
             <a:avLst/>
           </a:prstGeom>
+          <a:ln w="12700">
+            <a:solidFill>
+              <a:schemeClr val="tx1"/>
+            </a:solidFill>
+          </a:ln>
         </p:spPr>
         <p:style>
           <a:lnRef idx="1">
@@ -3838,28 +4089,35 @@
       </p:cxnSp>
       <p:cxnSp>
         <p:nvCxnSpPr>
-          <p:cNvPr id="14" name="Straight Connector 13">
-            <a:extLst>
-              <a:ext uri="{FF2B5EF4-FFF2-40B4-BE49-F238E27FC236}">
-                <a16:creationId xmlns:a16="http://schemas.microsoft.com/office/drawing/2014/main" id="{A19522FD-08C1-4D8A-9B23-B14043681FE0}"/>
+          <p:cNvPr id="19" name="Connector: Elbow 18">
+            <a:extLst>
+              <a:ext uri="{FF2B5EF4-FFF2-40B4-BE49-F238E27FC236}">
+                <a16:creationId xmlns:a16="http://schemas.microsoft.com/office/drawing/2014/main" id="{714506D7-CBA5-454D-8081-15B1B649314A}"/>
               </a:ext>
             </a:extLst>
           </p:cNvPr>
           <p:cNvCxnSpPr>
             <a:cxnSpLocks/>
-            <a:stCxn id="4" idx="3"/>
-            <a:endCxn id="7" idx="1"/>
+            <a:stCxn id="4" idx="2"/>
+            <a:endCxn id="38" idx="4"/>
           </p:cNvCxnSpPr>
           <p:nvPr/>
         </p:nvCxnSpPr>
         <p:spPr>
-          <a:xfrm flipV="1">
-            <a:off x="2834640" y="3008376"/>
-            <a:ext cx="1139952" cy="454152"/>
-          </a:xfrm>
-          <a:prstGeom prst="line">
-            <a:avLst/>
+          <a:xfrm rot="5400000">
+            <a:off x="1223823" y="3387939"/>
+            <a:ext cx="1007319" cy="771662"/>
+          </a:xfrm>
+          <a:prstGeom prst="bentConnector3">
+            <a:avLst>
+              <a:gd name="adj1" fmla="val 50000"/>
+            </a:avLst>
           </a:prstGeom>
+          <a:ln w="12700">
+            <a:solidFill>
+              <a:schemeClr val="tx1"/>
+            </a:solidFill>
+          </a:ln>
         </p:spPr>
         <p:style>
           <a:lnRef idx="1">
@@ -3878,28 +4136,33 @@
       </p:cxnSp>
       <p:cxnSp>
         <p:nvCxnSpPr>
-          <p:cNvPr id="17" name="Straight Connector 16">
-            <a:extLst>
-              <a:ext uri="{FF2B5EF4-FFF2-40B4-BE49-F238E27FC236}">
-                <a16:creationId xmlns:a16="http://schemas.microsoft.com/office/drawing/2014/main" id="{CCAF34B6-9A3A-4643-9E41-667F6302C900}"/>
+          <p:cNvPr id="21" name="Connector: Elbow 20">
+            <a:extLst>
+              <a:ext uri="{FF2B5EF4-FFF2-40B4-BE49-F238E27FC236}">
+                <a16:creationId xmlns:a16="http://schemas.microsoft.com/office/drawing/2014/main" id="{BC9AF60B-221F-4B7A-89A7-40F55C4BD4BB}"/>
               </a:ext>
             </a:extLst>
           </p:cNvPr>
           <p:cNvCxnSpPr>
             <a:cxnSpLocks/>
-            <a:stCxn id="4" idx="3"/>
-            <a:endCxn id="6" idx="1"/>
+            <a:stCxn id="38" idx="2"/>
+            <a:endCxn id="12" idx="0"/>
           </p:cNvCxnSpPr>
           <p:nvPr/>
         </p:nvCxnSpPr>
         <p:spPr>
-          <a:xfrm>
-            <a:off x="2834640" y="3462528"/>
-            <a:ext cx="1139952" cy="1901952"/>
-          </a:xfrm>
-          <a:prstGeom prst="line">
+          <a:xfrm rot="10800000" flipV="1">
+            <a:off x="842917" y="4328859"/>
+            <a:ext cx="451981" cy="416272"/>
+          </a:xfrm>
+          <a:prstGeom prst="bentConnector2">
             <a:avLst/>
           </a:prstGeom>
+          <a:ln w="12700">
+            <a:solidFill>
+              <a:schemeClr val="tx1"/>
+            </a:solidFill>
+          </a:ln>
         </p:spPr>
         <p:style>
           <a:lnRef idx="1">
@@ -3918,30 +4181,34 @@
       </p:cxnSp>
       <p:cxnSp>
         <p:nvCxnSpPr>
-          <p:cNvPr id="20" name="Straight Connector 19">
-            <a:extLst>
-              <a:ext uri="{FF2B5EF4-FFF2-40B4-BE49-F238E27FC236}">
-                <a16:creationId xmlns:a16="http://schemas.microsoft.com/office/drawing/2014/main" id="{4EF8D2B1-4393-4688-9808-AE7C31C14D6A}"/>
+          <p:cNvPr id="23" name="Connector: Elbow 22">
+            <a:extLst>
+              <a:ext uri="{FF2B5EF4-FFF2-40B4-BE49-F238E27FC236}">
+                <a16:creationId xmlns:a16="http://schemas.microsoft.com/office/drawing/2014/main" id="{D23EC554-7128-4EDF-AEC5-95067341F758}"/>
               </a:ext>
             </a:extLst>
           </p:cNvPr>
           <p:cNvCxnSpPr>
             <a:cxnSpLocks/>
-            <a:stCxn id="4" idx="3"/>
-            <a:endCxn id="9" idx="1"/>
+            <a:stCxn id="4" idx="2"/>
+            <a:endCxn id="11" idx="0"/>
           </p:cNvCxnSpPr>
           <p:nvPr/>
         </p:nvCxnSpPr>
         <p:spPr>
-          <a:xfrm>
-            <a:off x="2834640" y="3462528"/>
-            <a:ext cx="3742946" cy="1030224"/>
-          </a:xfrm>
-          <a:prstGeom prst="line">
-            <a:avLst/>
+          <a:xfrm rot="16200000" flipH="1">
+            <a:off x="2286995" y="3096429"/>
+            <a:ext cx="1475021" cy="1822384"/>
+          </a:xfrm>
+          <a:prstGeom prst="bentConnector3">
+            <a:avLst>
+              <a:gd name="adj1" fmla="val 50000"/>
+            </a:avLst>
           </a:prstGeom>
-          <a:ln>
-            <a:prstDash val="dash"/>
+          <a:ln w="12700">
+            <a:solidFill>
+              <a:schemeClr val="tx1"/>
+            </a:solidFill>
           </a:ln>
         </p:spPr>
         <p:style>
@@ -3961,28 +4228,33 @@
       </p:cxnSp>
       <p:cxnSp>
         <p:nvCxnSpPr>
-          <p:cNvPr id="23" name="Straight Connector 22">
-            <a:extLst>
-              <a:ext uri="{FF2B5EF4-FFF2-40B4-BE49-F238E27FC236}">
-                <a16:creationId xmlns:a16="http://schemas.microsoft.com/office/drawing/2014/main" id="{842C794D-D9E8-4F2A-A948-5F69818D419C}"/>
+          <p:cNvPr id="26" name="Connector: Elbow 25">
+            <a:extLst>
+              <a:ext uri="{FF2B5EF4-FFF2-40B4-BE49-F238E27FC236}">
+                <a16:creationId xmlns:a16="http://schemas.microsoft.com/office/drawing/2014/main" id="{85C17885-666E-49A6-A833-EF8F93CFC346}"/>
               </a:ext>
             </a:extLst>
           </p:cNvPr>
           <p:cNvCxnSpPr>
             <a:cxnSpLocks/>
-            <a:stCxn id="7" idx="3"/>
-            <a:endCxn id="8" idx="1"/>
+            <a:stCxn id="4" idx="2"/>
+            <a:endCxn id="10" idx="0"/>
           </p:cNvCxnSpPr>
           <p:nvPr/>
         </p:nvCxnSpPr>
         <p:spPr>
-          <a:xfrm flipV="1">
-            <a:off x="5334000" y="3005328"/>
-            <a:ext cx="1243586" cy="3048"/>
-          </a:xfrm>
-          <a:prstGeom prst="line">
+          <a:xfrm rot="16200000" flipH="1">
+            <a:off x="2801425" y="2581999"/>
+            <a:ext cx="1469538" cy="2845762"/>
+          </a:xfrm>
+          <a:prstGeom prst="bentConnector3">
             <a:avLst/>
           </a:prstGeom>
+          <a:ln w="12700">
+            <a:solidFill>
+              <a:schemeClr val="tx1"/>
+            </a:solidFill>
+          </a:ln>
         </p:spPr>
         <p:style>
           <a:lnRef idx="1">
@@ -4001,439 +4273,33 @@
       </p:cxnSp>
       <p:cxnSp>
         <p:nvCxnSpPr>
-          <p:cNvPr id="27" name="Straight Connector 26">
-            <a:extLst>
-              <a:ext uri="{FF2B5EF4-FFF2-40B4-BE49-F238E27FC236}">
-                <a16:creationId xmlns:a16="http://schemas.microsoft.com/office/drawing/2014/main" id="{EA955D22-951E-483D-AEEC-42C796F71D07}"/>
+          <p:cNvPr id="28" name="Connector: Elbow 27">
+            <a:extLst>
+              <a:ext uri="{FF2B5EF4-FFF2-40B4-BE49-F238E27FC236}">
+                <a16:creationId xmlns:a16="http://schemas.microsoft.com/office/drawing/2014/main" id="{9209B8F2-F4F8-4BF0-AD37-3CF2C86F9105}"/>
               </a:ext>
             </a:extLst>
           </p:cNvPr>
           <p:cNvCxnSpPr>
             <a:cxnSpLocks/>
-            <a:stCxn id="7" idx="3"/>
-            <a:endCxn id="9" idx="1"/>
+            <a:stCxn id="4" idx="2"/>
+            <a:endCxn id="9" idx="0"/>
           </p:cNvCxnSpPr>
           <p:nvPr/>
         </p:nvCxnSpPr>
         <p:spPr>
-          <a:xfrm>
-            <a:off x="5334000" y="3008376"/>
-            <a:ext cx="1243586" cy="1484376"/>
-          </a:xfrm>
-          <a:prstGeom prst="line">
+          <a:xfrm rot="16200000" flipH="1">
+            <a:off x="3310373" y="2073051"/>
+            <a:ext cx="1475021" cy="3869140"/>
+          </a:xfrm>
+          <a:prstGeom prst="bentConnector3">
             <a:avLst/>
           </a:prstGeom>
-          <a:ln>
-            <a:prstDash val="dash"/>
+          <a:ln w="12700">
+            <a:solidFill>
+              <a:schemeClr val="tx1"/>
+            </a:solidFill>
           </a:ln>
-        </p:spPr>
-        <p:style>
-          <a:lnRef idx="1">
-            <a:schemeClr val="accent1"/>
-          </a:lnRef>
-          <a:fillRef idx="0">
-            <a:schemeClr val="accent1"/>
-          </a:fillRef>
-          <a:effectRef idx="0">
-            <a:schemeClr val="accent1"/>
-          </a:effectRef>
-          <a:fontRef idx="minor">
-            <a:schemeClr val="tx1"/>
-          </a:fontRef>
-        </p:style>
-      </p:cxnSp>
-      <p:sp>
-        <p:nvSpPr>
-          <p:cNvPr id="34" name="Oval 33">
-            <a:extLst>
-              <a:ext uri="{FF2B5EF4-FFF2-40B4-BE49-F238E27FC236}">
-                <a16:creationId xmlns:a16="http://schemas.microsoft.com/office/drawing/2014/main" id="{1AC6B45F-19B9-46D5-9CD7-0022AF759EDA}"/>
-              </a:ext>
-            </a:extLst>
-          </p:cNvPr>
-          <p:cNvSpPr/>
-          <p:nvPr/>
-        </p:nvSpPr>
-        <p:spPr>
-          <a:xfrm>
-            <a:off x="9528047" y="1883664"/>
-            <a:ext cx="268224" cy="268224"/>
-          </a:xfrm>
-          <a:prstGeom prst="ellipse">
-            <a:avLst/>
-          </a:prstGeom>
-        </p:spPr>
-        <p:style>
-          <a:lnRef idx="2">
-            <a:schemeClr val="accent1">
-              <a:shade val="50000"/>
-            </a:schemeClr>
-          </a:lnRef>
-          <a:fillRef idx="1">
-            <a:schemeClr val="accent1"/>
-          </a:fillRef>
-          <a:effectRef idx="0">
-            <a:schemeClr val="accent1"/>
-          </a:effectRef>
-          <a:fontRef idx="minor">
-            <a:schemeClr val="lt1"/>
-          </a:fontRef>
-        </p:style>
-        <p:txBody>
-          <a:bodyPr rtlCol="0" anchor="ctr"/>
-          <a:lstStyle/>
-          <a:p>
-            <a:pPr algn="ctr"/>
-            <a:endParaRPr lang="LID4096"/>
-          </a:p>
-        </p:txBody>
-      </p:sp>
-      <p:sp>
-        <p:nvSpPr>
-          <p:cNvPr id="35" name="Oval 34">
-            <a:extLst>
-              <a:ext uri="{FF2B5EF4-FFF2-40B4-BE49-F238E27FC236}">
-                <a16:creationId xmlns:a16="http://schemas.microsoft.com/office/drawing/2014/main" id="{D51E4A1B-4F77-4710-9710-16D18838572B}"/>
-              </a:ext>
-            </a:extLst>
-          </p:cNvPr>
-          <p:cNvSpPr/>
-          <p:nvPr/>
-        </p:nvSpPr>
-        <p:spPr>
-          <a:xfrm>
-            <a:off x="9528047" y="2318512"/>
-            <a:ext cx="268224" cy="268224"/>
-          </a:xfrm>
-          <a:prstGeom prst="ellipse">
-            <a:avLst/>
-          </a:prstGeom>
-        </p:spPr>
-        <p:style>
-          <a:lnRef idx="2">
-            <a:schemeClr val="accent1">
-              <a:shade val="50000"/>
-            </a:schemeClr>
-          </a:lnRef>
-          <a:fillRef idx="1">
-            <a:schemeClr val="accent1"/>
-          </a:fillRef>
-          <a:effectRef idx="0">
-            <a:schemeClr val="accent1"/>
-          </a:effectRef>
-          <a:fontRef idx="minor">
-            <a:schemeClr val="lt1"/>
-          </a:fontRef>
-        </p:style>
-        <p:txBody>
-          <a:bodyPr rtlCol="0" anchor="ctr"/>
-          <a:lstStyle/>
-          <a:p>
-            <a:pPr algn="ctr"/>
-            <a:endParaRPr lang="LID4096"/>
-          </a:p>
-        </p:txBody>
-      </p:sp>
-      <p:sp>
-        <p:nvSpPr>
-          <p:cNvPr id="36" name="Oval 35">
-            <a:extLst>
-              <a:ext uri="{FF2B5EF4-FFF2-40B4-BE49-F238E27FC236}">
-                <a16:creationId xmlns:a16="http://schemas.microsoft.com/office/drawing/2014/main" id="{E583EDC0-F702-4B13-9D3F-0606141F7F3E}"/>
-              </a:ext>
-            </a:extLst>
-          </p:cNvPr>
-          <p:cNvSpPr/>
-          <p:nvPr/>
-        </p:nvSpPr>
-        <p:spPr>
-          <a:xfrm>
-            <a:off x="9528047" y="2753360"/>
-            <a:ext cx="268224" cy="268224"/>
-          </a:xfrm>
-          <a:prstGeom prst="ellipse">
-            <a:avLst/>
-          </a:prstGeom>
-        </p:spPr>
-        <p:style>
-          <a:lnRef idx="2">
-            <a:schemeClr val="accent1">
-              <a:shade val="50000"/>
-            </a:schemeClr>
-          </a:lnRef>
-          <a:fillRef idx="1">
-            <a:schemeClr val="accent1"/>
-          </a:fillRef>
-          <a:effectRef idx="0">
-            <a:schemeClr val="accent1"/>
-          </a:effectRef>
-          <a:fontRef idx="minor">
-            <a:schemeClr val="lt1"/>
-          </a:fontRef>
-        </p:style>
-        <p:txBody>
-          <a:bodyPr rtlCol="0" anchor="ctr"/>
-          <a:lstStyle/>
-          <a:p>
-            <a:pPr algn="ctr"/>
-            <a:endParaRPr lang="LID4096"/>
-          </a:p>
-        </p:txBody>
-      </p:sp>
-      <p:sp>
-        <p:nvSpPr>
-          <p:cNvPr id="37" name="Oval 36">
-            <a:extLst>
-              <a:ext uri="{FF2B5EF4-FFF2-40B4-BE49-F238E27FC236}">
-                <a16:creationId xmlns:a16="http://schemas.microsoft.com/office/drawing/2014/main" id="{9CEA137B-8816-48F7-A428-E39B8E57BF9F}"/>
-              </a:ext>
-            </a:extLst>
-          </p:cNvPr>
-          <p:cNvSpPr/>
-          <p:nvPr/>
-        </p:nvSpPr>
-        <p:spPr>
-          <a:xfrm>
-            <a:off x="9528047" y="3188208"/>
-            <a:ext cx="268224" cy="268224"/>
-          </a:xfrm>
-          <a:prstGeom prst="ellipse">
-            <a:avLst/>
-          </a:prstGeom>
-        </p:spPr>
-        <p:style>
-          <a:lnRef idx="2">
-            <a:schemeClr val="accent1">
-              <a:shade val="50000"/>
-            </a:schemeClr>
-          </a:lnRef>
-          <a:fillRef idx="1">
-            <a:schemeClr val="accent1"/>
-          </a:fillRef>
-          <a:effectRef idx="0">
-            <a:schemeClr val="accent1"/>
-          </a:effectRef>
-          <a:fontRef idx="minor">
-            <a:schemeClr val="lt1"/>
-          </a:fontRef>
-        </p:style>
-        <p:txBody>
-          <a:bodyPr rtlCol="0" anchor="ctr"/>
-          <a:lstStyle/>
-          <a:p>
-            <a:pPr algn="ctr"/>
-            <a:endParaRPr lang="LID4096"/>
-          </a:p>
-        </p:txBody>
-      </p:sp>
-      <p:sp>
-        <p:nvSpPr>
-          <p:cNvPr id="38" name="Oval 37">
-            <a:extLst>
-              <a:ext uri="{FF2B5EF4-FFF2-40B4-BE49-F238E27FC236}">
-                <a16:creationId xmlns:a16="http://schemas.microsoft.com/office/drawing/2014/main" id="{8A756C66-BD2A-4C4F-B549-193E45C8C44F}"/>
-              </a:ext>
-            </a:extLst>
-          </p:cNvPr>
-          <p:cNvSpPr/>
-          <p:nvPr/>
-        </p:nvSpPr>
-        <p:spPr>
-          <a:xfrm>
-            <a:off x="9528047" y="3623056"/>
-            <a:ext cx="268224" cy="268224"/>
-          </a:xfrm>
-          <a:prstGeom prst="ellipse">
-            <a:avLst/>
-          </a:prstGeom>
-        </p:spPr>
-        <p:style>
-          <a:lnRef idx="2">
-            <a:schemeClr val="accent1">
-              <a:shade val="50000"/>
-            </a:schemeClr>
-          </a:lnRef>
-          <a:fillRef idx="1">
-            <a:schemeClr val="accent1"/>
-          </a:fillRef>
-          <a:effectRef idx="0">
-            <a:schemeClr val="accent1"/>
-          </a:effectRef>
-          <a:fontRef idx="minor">
-            <a:schemeClr val="lt1"/>
-          </a:fontRef>
-        </p:style>
-        <p:txBody>
-          <a:bodyPr rtlCol="0" anchor="ctr"/>
-          <a:lstStyle/>
-          <a:p>
-            <a:pPr algn="ctr"/>
-            <a:endParaRPr lang="LID4096"/>
-          </a:p>
-        </p:txBody>
-      </p:sp>
-      <p:sp>
-        <p:nvSpPr>
-          <p:cNvPr id="39" name="Oval 38">
-            <a:extLst>
-              <a:ext uri="{FF2B5EF4-FFF2-40B4-BE49-F238E27FC236}">
-                <a16:creationId xmlns:a16="http://schemas.microsoft.com/office/drawing/2014/main" id="{4E801F70-946D-464A-BBAB-103EDBA30C0C}"/>
-              </a:ext>
-            </a:extLst>
-          </p:cNvPr>
-          <p:cNvSpPr/>
-          <p:nvPr/>
-        </p:nvSpPr>
-        <p:spPr>
-          <a:xfrm>
-            <a:off x="9528047" y="4350512"/>
-            <a:ext cx="268224" cy="268224"/>
-          </a:xfrm>
-          <a:prstGeom prst="ellipse">
-            <a:avLst/>
-          </a:prstGeom>
-        </p:spPr>
-        <p:style>
-          <a:lnRef idx="2">
-            <a:schemeClr val="accent1">
-              <a:shade val="50000"/>
-            </a:schemeClr>
-          </a:lnRef>
-          <a:fillRef idx="1">
-            <a:schemeClr val="accent1"/>
-          </a:fillRef>
-          <a:effectRef idx="0">
-            <a:schemeClr val="accent1"/>
-          </a:effectRef>
-          <a:fontRef idx="minor">
-            <a:schemeClr val="lt1"/>
-          </a:fontRef>
-        </p:style>
-        <p:txBody>
-          <a:bodyPr rtlCol="0" anchor="ctr"/>
-          <a:lstStyle/>
-          <a:p>
-            <a:pPr algn="ctr"/>
-            <a:endParaRPr lang="LID4096"/>
-          </a:p>
-        </p:txBody>
-      </p:sp>
-      <p:sp>
-        <p:nvSpPr>
-          <p:cNvPr id="40" name="Oval 39">
-            <a:extLst>
-              <a:ext uri="{FF2B5EF4-FFF2-40B4-BE49-F238E27FC236}">
-                <a16:creationId xmlns:a16="http://schemas.microsoft.com/office/drawing/2014/main" id="{6560759F-A81A-4670-80DE-932B6892F390}"/>
-              </a:ext>
-            </a:extLst>
-          </p:cNvPr>
-          <p:cNvSpPr/>
-          <p:nvPr/>
-        </p:nvSpPr>
-        <p:spPr>
-          <a:xfrm>
-            <a:off x="9528047" y="4785360"/>
-            <a:ext cx="268224" cy="268224"/>
-          </a:xfrm>
-          <a:prstGeom prst="ellipse">
-            <a:avLst/>
-          </a:prstGeom>
-        </p:spPr>
-        <p:style>
-          <a:lnRef idx="2">
-            <a:schemeClr val="accent1">
-              <a:shade val="50000"/>
-            </a:schemeClr>
-          </a:lnRef>
-          <a:fillRef idx="1">
-            <a:schemeClr val="accent1"/>
-          </a:fillRef>
-          <a:effectRef idx="0">
-            <a:schemeClr val="accent1"/>
-          </a:effectRef>
-          <a:fontRef idx="minor">
-            <a:schemeClr val="lt1"/>
-          </a:fontRef>
-        </p:style>
-        <p:txBody>
-          <a:bodyPr rtlCol="0" anchor="ctr"/>
-          <a:lstStyle/>
-          <a:p>
-            <a:pPr algn="ctr"/>
-            <a:endParaRPr lang="LID4096"/>
-          </a:p>
-        </p:txBody>
-      </p:sp>
-      <p:sp>
-        <p:nvSpPr>
-          <p:cNvPr id="41" name="Oval 40">
-            <a:extLst>
-              <a:ext uri="{FF2B5EF4-FFF2-40B4-BE49-F238E27FC236}">
-                <a16:creationId xmlns:a16="http://schemas.microsoft.com/office/drawing/2014/main" id="{6696E12A-65F5-4FCA-B3DD-269DE84D00FE}"/>
-              </a:ext>
-            </a:extLst>
-          </p:cNvPr>
-          <p:cNvSpPr/>
-          <p:nvPr/>
-        </p:nvSpPr>
-        <p:spPr>
-          <a:xfrm>
-            <a:off x="9528047" y="5748528"/>
-            <a:ext cx="268224" cy="268224"/>
-          </a:xfrm>
-          <a:prstGeom prst="ellipse">
-            <a:avLst/>
-          </a:prstGeom>
-        </p:spPr>
-        <p:style>
-          <a:lnRef idx="2">
-            <a:schemeClr val="accent1">
-              <a:shade val="50000"/>
-            </a:schemeClr>
-          </a:lnRef>
-          <a:fillRef idx="1">
-            <a:schemeClr val="accent1"/>
-          </a:fillRef>
-          <a:effectRef idx="0">
-            <a:schemeClr val="accent1"/>
-          </a:effectRef>
-          <a:fontRef idx="minor">
-            <a:schemeClr val="lt1"/>
-          </a:fontRef>
-        </p:style>
-        <p:txBody>
-          <a:bodyPr rtlCol="0" anchor="ctr"/>
-          <a:lstStyle/>
-          <a:p>
-            <a:pPr algn="ctr"/>
-            <a:endParaRPr lang="LID4096"/>
-          </a:p>
-        </p:txBody>
-      </p:sp>
-      <p:cxnSp>
-        <p:nvCxnSpPr>
-          <p:cNvPr id="47" name="Straight Connector 46">
-            <a:extLst>
-              <a:ext uri="{FF2B5EF4-FFF2-40B4-BE49-F238E27FC236}">
-                <a16:creationId xmlns:a16="http://schemas.microsoft.com/office/drawing/2014/main" id="{5E651F64-DAA9-468B-9168-8902C02A5709}"/>
-              </a:ext>
-            </a:extLst>
-          </p:cNvPr>
-          <p:cNvCxnSpPr>
-            <a:cxnSpLocks/>
-            <a:stCxn id="8" idx="3"/>
-            <a:endCxn id="79" idx="1"/>
-          </p:cNvCxnSpPr>
-          <p:nvPr/>
-        </p:nvCxnSpPr>
-        <p:spPr>
-          <a:xfrm flipV="1">
-            <a:off x="7936994" y="2752344"/>
-            <a:ext cx="1286254" cy="252984"/>
-          </a:xfrm>
-          <a:prstGeom prst="line">
-            <a:avLst/>
-          </a:prstGeom>
         </p:spPr>
         <p:style>
           <a:lnRef idx="1">
@@ -4452,28 +4318,504 @@
       </p:cxnSp>
       <p:cxnSp>
         <p:nvCxnSpPr>
-          <p:cNvPr id="59" name="Straight Connector 58">
-            <a:extLst>
-              <a:ext uri="{FF2B5EF4-FFF2-40B4-BE49-F238E27FC236}">
-                <a16:creationId xmlns:a16="http://schemas.microsoft.com/office/drawing/2014/main" id="{DBF59ED3-D3C9-48A9-92F9-3CAC15328F78}"/>
+          <p:cNvPr id="30" name="Connector: Elbow 29">
+            <a:extLst>
+              <a:ext uri="{FF2B5EF4-FFF2-40B4-BE49-F238E27FC236}">
+                <a16:creationId xmlns:a16="http://schemas.microsoft.com/office/drawing/2014/main" id="{5A05D713-4BB3-4140-ACE5-56688D8DB8FB}"/>
               </a:ext>
             </a:extLst>
           </p:cNvPr>
           <p:cNvCxnSpPr>
             <a:cxnSpLocks/>
-            <a:stCxn id="9" idx="3"/>
-            <a:endCxn id="82" idx="1"/>
+            <a:stCxn id="4" idx="2"/>
+            <a:endCxn id="8" idx="0"/>
           </p:cNvCxnSpPr>
           <p:nvPr/>
         </p:nvCxnSpPr>
         <p:spPr>
+          <a:xfrm rot="16200000" flipH="1">
+            <a:off x="3824803" y="1558621"/>
+            <a:ext cx="1469536" cy="4892516"/>
+          </a:xfrm>
+          <a:prstGeom prst="bentConnector3">
+            <a:avLst>
+              <a:gd name="adj1" fmla="val 50000"/>
+            </a:avLst>
+          </a:prstGeom>
+          <a:ln w="12700">
+            <a:solidFill>
+              <a:schemeClr val="tx1"/>
+            </a:solidFill>
+          </a:ln>
+        </p:spPr>
+        <p:style>
+          <a:lnRef idx="1">
+            <a:schemeClr val="accent1"/>
+          </a:lnRef>
+          <a:fillRef idx="0">
+            <a:schemeClr val="accent1"/>
+          </a:fillRef>
+          <a:effectRef idx="0">
+            <a:schemeClr val="accent1"/>
+          </a:effectRef>
+          <a:fontRef idx="minor">
+            <a:schemeClr val="tx1"/>
+          </a:fontRef>
+        </p:style>
+      </p:cxnSp>
+      <p:sp>
+        <p:nvSpPr>
+          <p:cNvPr id="33" name="TextBox 32">
+            <a:extLst>
+              <a:ext uri="{FF2B5EF4-FFF2-40B4-BE49-F238E27FC236}">
+                <a16:creationId xmlns:a16="http://schemas.microsoft.com/office/drawing/2014/main" id="{09954612-0463-4C80-9E08-26A48B2D6670}"/>
+              </a:ext>
+            </a:extLst>
+          </p:cNvPr>
+          <p:cNvSpPr txBox="1"/>
+          <p:nvPr/>
+        </p:nvSpPr>
+        <p:spPr>
           <a:xfrm>
-            <a:off x="7936994" y="4492752"/>
-            <a:ext cx="1286254" cy="112381"/>
-          </a:xfrm>
-          <a:prstGeom prst="line">
+            <a:off x="6752394" y="4303008"/>
+            <a:ext cx="506870" cy="307777"/>
+          </a:xfrm>
+          <a:prstGeom prst="rect">
             <a:avLst/>
           </a:prstGeom>
+          <a:solidFill>
+            <a:schemeClr val="bg1"/>
+          </a:solidFill>
+        </p:spPr>
+        <p:txBody>
+          <a:bodyPr wrap="none" rtlCol="0">
+            <a:spAutoFit/>
+          </a:bodyPr>
+          <a:lstStyle/>
+          <a:p>
+            <a:pPr algn="ctr"/>
+            <a:r>
+              <a:rPr lang="en-US" sz="1400" dirty="0"/>
+              <a:t>pin7</a:t>
+            </a:r>
+            <a:endParaRPr lang="LID4096" sz="1400" dirty="0"/>
+          </a:p>
+        </p:txBody>
+      </p:sp>
+      <p:sp>
+        <p:nvSpPr>
+          <p:cNvPr id="34" name="TextBox 33">
+            <a:extLst>
+              <a:ext uri="{FF2B5EF4-FFF2-40B4-BE49-F238E27FC236}">
+                <a16:creationId xmlns:a16="http://schemas.microsoft.com/office/drawing/2014/main" id="{83C2408E-9B06-470F-97E6-17520A6D5C28}"/>
+              </a:ext>
+            </a:extLst>
+          </p:cNvPr>
+          <p:cNvSpPr txBox="1"/>
+          <p:nvPr/>
+        </p:nvSpPr>
+        <p:spPr>
+          <a:xfrm>
+            <a:off x="5731371" y="4303008"/>
+            <a:ext cx="506870" cy="307777"/>
+          </a:xfrm>
+          <a:prstGeom prst="rect">
+            <a:avLst/>
+          </a:prstGeom>
+          <a:solidFill>
+            <a:schemeClr val="bg1"/>
+          </a:solidFill>
+        </p:spPr>
+        <p:txBody>
+          <a:bodyPr wrap="none" rtlCol="0">
+            <a:spAutoFit/>
+          </a:bodyPr>
+          <a:lstStyle/>
+          <a:p>
+            <a:pPr algn="ctr"/>
+            <a:r>
+              <a:rPr lang="en-US" sz="1400" dirty="0"/>
+              <a:t>pin8</a:t>
+            </a:r>
+            <a:endParaRPr lang="LID4096" sz="1400" dirty="0"/>
+          </a:p>
+        </p:txBody>
+      </p:sp>
+      <p:sp>
+        <p:nvSpPr>
+          <p:cNvPr id="35" name="TextBox 34">
+            <a:extLst>
+              <a:ext uri="{FF2B5EF4-FFF2-40B4-BE49-F238E27FC236}">
+                <a16:creationId xmlns:a16="http://schemas.microsoft.com/office/drawing/2014/main" id="{E92BDCC3-6E93-4B6E-9EB9-66C33CEB2453}"/>
+              </a:ext>
+            </a:extLst>
+          </p:cNvPr>
+          <p:cNvSpPr txBox="1"/>
+          <p:nvPr/>
+        </p:nvSpPr>
+        <p:spPr>
+          <a:xfrm>
+            <a:off x="4710348" y="4303008"/>
+            <a:ext cx="506870" cy="307777"/>
+          </a:xfrm>
+          <a:prstGeom prst="rect">
+            <a:avLst/>
+          </a:prstGeom>
+          <a:solidFill>
+            <a:schemeClr val="bg1"/>
+          </a:solidFill>
+        </p:spPr>
+        <p:txBody>
+          <a:bodyPr wrap="none" rtlCol="0">
+            <a:spAutoFit/>
+          </a:bodyPr>
+          <a:lstStyle/>
+          <a:p>
+            <a:pPr algn="ctr"/>
+            <a:r>
+              <a:rPr lang="en-US" sz="1400" dirty="0"/>
+              <a:t>pin9</a:t>
+            </a:r>
+            <a:endParaRPr lang="LID4096" sz="1400" dirty="0"/>
+          </a:p>
+        </p:txBody>
+      </p:sp>
+      <p:sp>
+        <p:nvSpPr>
+          <p:cNvPr id="36" name="TextBox 35">
+            <a:extLst>
+              <a:ext uri="{FF2B5EF4-FFF2-40B4-BE49-F238E27FC236}">
+                <a16:creationId xmlns:a16="http://schemas.microsoft.com/office/drawing/2014/main" id="{BAC19E06-64AB-437F-BB61-FE1311CAECE1}"/>
+              </a:ext>
+            </a:extLst>
+          </p:cNvPr>
+          <p:cNvSpPr txBox="1"/>
+          <p:nvPr/>
+        </p:nvSpPr>
+        <p:spPr>
+          <a:xfrm>
+            <a:off x="1095171" y="3798317"/>
+            <a:ext cx="506870" cy="307777"/>
+          </a:xfrm>
+          <a:prstGeom prst="rect">
+            <a:avLst/>
+          </a:prstGeom>
+          <a:solidFill>
+            <a:schemeClr val="bg1"/>
+          </a:solidFill>
+        </p:spPr>
+        <p:txBody>
+          <a:bodyPr wrap="none" rtlCol="0">
+            <a:spAutoFit/>
+          </a:bodyPr>
+          <a:lstStyle/>
+          <a:p>
+            <a:pPr algn="ctr"/>
+            <a:r>
+              <a:rPr lang="en-US" sz="1400" dirty="0"/>
+              <a:t>pin2</a:t>
+            </a:r>
+            <a:endParaRPr lang="LID4096" sz="1400" dirty="0"/>
+          </a:p>
+        </p:txBody>
+      </p:sp>
+      <p:sp>
+        <p:nvSpPr>
+          <p:cNvPr id="37" name="TextBox 36">
+            <a:extLst>
+              <a:ext uri="{FF2B5EF4-FFF2-40B4-BE49-F238E27FC236}">
+                <a16:creationId xmlns:a16="http://schemas.microsoft.com/office/drawing/2014/main" id="{0F2BF014-0D82-407B-9184-AA334B19391C}"/>
+              </a:ext>
+            </a:extLst>
+          </p:cNvPr>
+          <p:cNvSpPr txBox="1"/>
+          <p:nvPr/>
+        </p:nvSpPr>
+        <p:spPr>
+          <a:xfrm>
+            <a:off x="2696357" y="4303008"/>
+            <a:ext cx="380232" cy="307777"/>
+          </a:xfrm>
+          <a:prstGeom prst="rect">
+            <a:avLst/>
+          </a:prstGeom>
+          <a:solidFill>
+            <a:schemeClr val="bg1"/>
+          </a:solidFill>
+        </p:spPr>
+        <p:txBody>
+          <a:bodyPr wrap="none" rtlCol="0">
+            <a:spAutoFit/>
+          </a:bodyPr>
+          <a:lstStyle/>
+          <a:p>
+            <a:pPr algn="ctr"/>
+            <a:r>
+              <a:rPr lang="en-US" sz="1400" dirty="0"/>
+              <a:t>A6</a:t>
+            </a:r>
+            <a:endParaRPr lang="LID4096" sz="1400" dirty="0"/>
+          </a:p>
+        </p:txBody>
+      </p:sp>
+      <p:sp>
+        <p:nvSpPr>
+          <p:cNvPr id="38" name="Oval 37">
+            <a:extLst>
+              <a:ext uri="{FF2B5EF4-FFF2-40B4-BE49-F238E27FC236}">
+                <a16:creationId xmlns:a16="http://schemas.microsoft.com/office/drawing/2014/main" id="{76678E00-7B1F-48F9-AEFF-82CF4C0E6EE8}"/>
+              </a:ext>
+            </a:extLst>
+          </p:cNvPr>
+          <p:cNvSpPr/>
+          <p:nvPr/>
+        </p:nvSpPr>
+        <p:spPr>
+          <a:xfrm flipV="1">
+            <a:off x="1294897" y="4277430"/>
+            <a:ext cx="93508" cy="102859"/>
+          </a:xfrm>
+          <a:prstGeom prst="ellipse">
+            <a:avLst/>
+          </a:prstGeom>
+        </p:spPr>
+        <p:style>
+          <a:lnRef idx="2">
+            <a:schemeClr val="accent1">
+              <a:shade val="50000"/>
+            </a:schemeClr>
+          </a:lnRef>
+          <a:fillRef idx="1">
+            <a:schemeClr val="accent1"/>
+          </a:fillRef>
+          <a:effectRef idx="0">
+            <a:schemeClr val="accent1"/>
+          </a:effectRef>
+          <a:fontRef idx="minor">
+            <a:schemeClr val="lt1"/>
+          </a:fontRef>
+        </p:style>
+        <p:txBody>
+          <a:bodyPr rtlCol="0" anchor="ctr"/>
+          <a:lstStyle/>
+          <a:p>
+            <a:pPr algn="ctr"/>
+            <a:endParaRPr lang="LID4096"/>
+          </a:p>
+        </p:txBody>
+      </p:sp>
+      <p:cxnSp>
+        <p:nvCxnSpPr>
+          <p:cNvPr id="43" name="Connector: Elbow 42">
+            <a:extLst>
+              <a:ext uri="{FF2B5EF4-FFF2-40B4-BE49-F238E27FC236}">
+                <a16:creationId xmlns:a16="http://schemas.microsoft.com/office/drawing/2014/main" id="{A857E541-F6FE-49CD-93F3-0EA0732EAFC2}"/>
+              </a:ext>
+            </a:extLst>
+          </p:cNvPr>
+          <p:cNvCxnSpPr>
+            <a:cxnSpLocks/>
+            <a:stCxn id="38" idx="6"/>
+            <a:endCxn id="13" idx="0"/>
+          </p:cNvCxnSpPr>
+          <p:nvPr/>
+        </p:nvCxnSpPr>
+        <p:spPr>
+          <a:xfrm>
+            <a:off x="1388405" y="4328859"/>
+            <a:ext cx="477889" cy="416272"/>
+          </a:xfrm>
+          <a:prstGeom prst="bentConnector2">
+            <a:avLst/>
+          </a:prstGeom>
+          <a:ln w="12700">
+            <a:solidFill>
+              <a:schemeClr val="tx1"/>
+            </a:solidFill>
+          </a:ln>
+        </p:spPr>
+        <p:style>
+          <a:lnRef idx="1">
+            <a:schemeClr val="accent1"/>
+          </a:lnRef>
+          <a:fillRef idx="0">
+            <a:schemeClr val="accent1"/>
+          </a:fillRef>
+          <a:effectRef idx="0">
+            <a:schemeClr val="accent1"/>
+          </a:effectRef>
+          <a:fontRef idx="minor">
+            <a:schemeClr val="tx1"/>
+          </a:fontRef>
+        </p:style>
+      </p:cxnSp>
+      <p:sp>
+        <p:nvSpPr>
+          <p:cNvPr id="52" name="TextBox 51">
+            <a:extLst>
+              <a:ext uri="{FF2B5EF4-FFF2-40B4-BE49-F238E27FC236}">
+                <a16:creationId xmlns:a16="http://schemas.microsoft.com/office/drawing/2014/main" id="{FC713E91-2545-4CB4-9514-8DF76864554F}"/>
+              </a:ext>
+            </a:extLst>
+          </p:cNvPr>
+          <p:cNvSpPr txBox="1"/>
+          <p:nvPr/>
+        </p:nvSpPr>
+        <p:spPr>
+          <a:xfrm>
+            <a:off x="3585131" y="4303008"/>
+            <a:ext cx="598241" cy="307777"/>
+          </a:xfrm>
+          <a:prstGeom prst="rect">
+            <a:avLst/>
+          </a:prstGeom>
+          <a:solidFill>
+            <a:schemeClr val="bg1"/>
+          </a:solidFill>
+        </p:spPr>
+        <p:txBody>
+          <a:bodyPr wrap="none" rtlCol="0">
+            <a:spAutoFit/>
+          </a:bodyPr>
+          <a:lstStyle/>
+          <a:p>
+            <a:pPr algn="ctr"/>
+            <a:r>
+              <a:rPr lang="en-US" sz="1400" dirty="0"/>
+              <a:t>pin10</a:t>
+            </a:r>
+            <a:endParaRPr lang="LID4096" sz="1400" dirty="0"/>
+          </a:p>
+        </p:txBody>
+      </p:sp>
+      <p:sp>
+        <p:nvSpPr>
+          <p:cNvPr id="95" name="Rectangle 94">
+            <a:extLst>
+              <a:ext uri="{FF2B5EF4-FFF2-40B4-BE49-F238E27FC236}">
+                <a16:creationId xmlns:a16="http://schemas.microsoft.com/office/drawing/2014/main" id="{D51BBFCB-1E6D-4126-8867-A318CFA6656A}"/>
+              </a:ext>
+            </a:extLst>
+          </p:cNvPr>
+          <p:cNvSpPr/>
+          <p:nvPr/>
+        </p:nvSpPr>
+        <p:spPr>
+          <a:xfrm>
+            <a:off x="9021856" y="173616"/>
+            <a:ext cx="1531795" cy="685909"/>
+          </a:xfrm>
+          <a:prstGeom prst="rect">
+            <a:avLst/>
+          </a:prstGeom>
+        </p:spPr>
+        <p:style>
+          <a:lnRef idx="2">
+            <a:schemeClr val="accent1">
+              <a:shade val="50000"/>
+            </a:schemeClr>
+          </a:lnRef>
+          <a:fillRef idx="1">
+            <a:schemeClr val="accent1"/>
+          </a:fillRef>
+          <a:effectRef idx="0">
+            <a:schemeClr val="accent1"/>
+          </a:effectRef>
+          <a:fontRef idx="minor">
+            <a:schemeClr val="lt1"/>
+          </a:fontRef>
+        </p:style>
+        <p:txBody>
+          <a:bodyPr rtlCol="0" anchor="ctr"/>
+          <a:lstStyle/>
+          <a:p>
+            <a:pPr algn="ctr"/>
+            <a:r>
+              <a:rPr lang="en-US" sz="1200" dirty="0"/>
+              <a:t>2x16 I2C LCD 1602</a:t>
+            </a:r>
+            <a:endParaRPr lang="LID4096" sz="1200" dirty="0"/>
+          </a:p>
+        </p:txBody>
+      </p:sp>
+      <p:sp>
+        <p:nvSpPr>
+          <p:cNvPr id="96" name="Rectangle 95">
+            <a:extLst>
+              <a:ext uri="{FF2B5EF4-FFF2-40B4-BE49-F238E27FC236}">
+                <a16:creationId xmlns:a16="http://schemas.microsoft.com/office/drawing/2014/main" id="{CA39D073-F395-4D57-87E9-452BBC5258AA}"/>
+              </a:ext>
+            </a:extLst>
+          </p:cNvPr>
+          <p:cNvSpPr/>
+          <p:nvPr/>
+        </p:nvSpPr>
+        <p:spPr>
+          <a:xfrm>
+            <a:off x="7283978" y="172280"/>
+            <a:ext cx="1531795" cy="685909"/>
+          </a:xfrm>
+          <a:prstGeom prst="rect">
+            <a:avLst/>
+          </a:prstGeom>
+        </p:spPr>
+        <p:style>
+          <a:lnRef idx="2">
+            <a:schemeClr val="accent1">
+              <a:shade val="50000"/>
+            </a:schemeClr>
+          </a:lnRef>
+          <a:fillRef idx="1">
+            <a:schemeClr val="accent1"/>
+          </a:fillRef>
+          <a:effectRef idx="0">
+            <a:schemeClr val="accent1"/>
+          </a:effectRef>
+          <a:fontRef idx="minor">
+            <a:schemeClr val="lt1"/>
+          </a:fontRef>
+        </p:style>
+        <p:txBody>
+          <a:bodyPr rtlCol="0" anchor="ctr"/>
+          <a:lstStyle/>
+          <a:p>
+            <a:pPr algn="ctr"/>
+            <a:r>
+              <a:rPr lang="en-US" sz="1200" dirty="0"/>
+              <a:t>PIR Motion Detector Sensor</a:t>
+            </a:r>
+            <a:endParaRPr lang="LID4096" sz="1200" dirty="0"/>
+          </a:p>
+        </p:txBody>
+      </p:sp>
+      <p:cxnSp>
+        <p:nvCxnSpPr>
+          <p:cNvPr id="105" name="Straight Arrow Connector 104">
+            <a:extLst>
+              <a:ext uri="{FF2B5EF4-FFF2-40B4-BE49-F238E27FC236}">
+                <a16:creationId xmlns:a16="http://schemas.microsoft.com/office/drawing/2014/main" id="{A5ED3480-FA8F-4507-B41E-474BF2B2EB11}"/>
+              </a:ext>
+            </a:extLst>
+          </p:cNvPr>
+          <p:cNvCxnSpPr>
+            <a:cxnSpLocks/>
+            <a:stCxn id="12" idx="2"/>
+            <a:endCxn id="118" idx="0"/>
+          </p:cNvCxnSpPr>
+          <p:nvPr/>
+        </p:nvCxnSpPr>
+        <p:spPr>
+          <a:xfrm flipH="1">
+            <a:off x="842915" y="5895461"/>
+            <a:ext cx="1" cy="446417"/>
+          </a:xfrm>
+          <a:prstGeom prst="straightConnector1">
+            <a:avLst/>
+          </a:prstGeom>
+          <a:ln>
+            <a:prstDash val="lgDash"/>
+            <a:tailEnd type="triangle"/>
+          </a:ln>
         </p:spPr>
         <p:style>
           <a:lnRef idx="1">
@@ -4492,28 +4834,32 @@
       </p:cxnSp>
       <p:cxnSp>
         <p:nvCxnSpPr>
-          <p:cNvPr id="62" name="Straight Connector 61">
-            <a:extLst>
-              <a:ext uri="{FF2B5EF4-FFF2-40B4-BE49-F238E27FC236}">
-                <a16:creationId xmlns:a16="http://schemas.microsoft.com/office/drawing/2014/main" id="{AFE413A1-EBBD-42B8-8E84-1127B2AE8313}"/>
+          <p:cNvPr id="106" name="Straight Arrow Connector 105">
+            <a:extLst>
+              <a:ext uri="{FF2B5EF4-FFF2-40B4-BE49-F238E27FC236}">
+                <a16:creationId xmlns:a16="http://schemas.microsoft.com/office/drawing/2014/main" id="{B12D7988-96EA-4A89-84CA-6B86BA64E1A7}"/>
               </a:ext>
             </a:extLst>
           </p:cNvPr>
           <p:cNvCxnSpPr>
             <a:cxnSpLocks/>
-            <a:stCxn id="6" idx="3"/>
-            <a:endCxn id="41" idx="2"/>
+            <a:stCxn id="13" idx="2"/>
+            <a:endCxn id="117" idx="0"/>
           </p:cNvCxnSpPr>
           <p:nvPr/>
         </p:nvCxnSpPr>
         <p:spPr>
           <a:xfrm>
-            <a:off x="5334000" y="5364480"/>
-            <a:ext cx="4194047" cy="518160"/>
-          </a:xfrm>
-          <a:prstGeom prst="line">
+            <a:off x="1866294" y="5895460"/>
+            <a:ext cx="5606" cy="446418"/>
+          </a:xfrm>
+          <a:prstGeom prst="straightConnector1">
             <a:avLst/>
           </a:prstGeom>
+          <a:ln>
+            <a:prstDash val="lgDash"/>
+            <a:tailEnd type="triangle"/>
+          </a:ln>
         </p:spPr>
         <p:style>
           <a:lnRef idx="1">
@@ -4532,10 +4878,10 @@
       </p:cxnSp>
       <p:sp>
         <p:nvSpPr>
-          <p:cNvPr id="65" name="TextBox 64">
-            <a:extLst>
-              <a:ext uri="{FF2B5EF4-FFF2-40B4-BE49-F238E27FC236}">
-                <a16:creationId xmlns:a16="http://schemas.microsoft.com/office/drawing/2014/main" id="{64C16FD0-7598-4166-8A7E-6830820E620E}"/>
+          <p:cNvPr id="108" name="TextBox 107">
+            <a:extLst>
+              <a:ext uri="{FF2B5EF4-FFF2-40B4-BE49-F238E27FC236}">
+                <a16:creationId xmlns:a16="http://schemas.microsoft.com/office/drawing/2014/main" id="{B72AE2F0-A491-4A4F-8FCF-2AFF831BCE2F}"/>
               </a:ext>
             </a:extLst>
           </p:cNvPr>
@@ -4544,8 +4890,8 @@
         </p:nvSpPr>
         <p:spPr>
           <a:xfrm>
-            <a:off x="9783233" y="1891145"/>
-            <a:ext cx="1755032" cy="276999"/>
+            <a:off x="4607920" y="6406754"/>
+            <a:ext cx="702308" cy="338554"/>
           </a:xfrm>
           <a:prstGeom prst="rect">
             <a:avLst/>
@@ -4559,19 +4905,19 @@
           <a:lstStyle/>
           <a:p>
             <a:r>
-              <a:rPr lang="en-US" sz="1200" dirty="0"/>
-              <a:t>Thermowell temperature</a:t>
-            </a:r>
-            <a:endParaRPr lang="LID4096" sz="1200" dirty="0"/>
-          </a:p>
-        </p:txBody>
-      </p:sp>
-      <p:sp>
-        <p:nvSpPr>
-          <p:cNvPr id="66" name="TextBox 65">
-            <a:extLst>
-              <a:ext uri="{FF2B5EF4-FFF2-40B4-BE49-F238E27FC236}">
-                <a16:creationId xmlns:a16="http://schemas.microsoft.com/office/drawing/2014/main" id="{7BE981C1-6060-4BEF-9BCA-22F846EA57AD}"/>
+              <a:rPr lang="en-US" sz="1600" dirty="0"/>
+              <a:t>Fridge</a:t>
+            </a:r>
+            <a:endParaRPr lang="LID4096" sz="1600" dirty="0"/>
+          </a:p>
+        </p:txBody>
+      </p:sp>
+      <p:sp>
+        <p:nvSpPr>
+          <p:cNvPr id="109" name="TextBox 108">
+            <a:extLst>
+              <a:ext uri="{FF2B5EF4-FFF2-40B4-BE49-F238E27FC236}">
+                <a16:creationId xmlns:a16="http://schemas.microsoft.com/office/drawing/2014/main" id="{4CD236CC-05AF-43EE-9230-96A26E52638A}"/>
               </a:ext>
             </a:extLst>
           </p:cNvPr>
@@ -4580,8 +4926,8 @@
         </p:nvSpPr>
         <p:spPr>
           <a:xfrm>
-            <a:off x="9783233" y="2304288"/>
-            <a:ext cx="1753622" cy="276999"/>
+            <a:off x="3340982" y="6406754"/>
+            <a:ext cx="1189428" cy="338554"/>
           </a:xfrm>
           <a:prstGeom prst="rect">
             <a:avLst/>
@@ -4595,742 +4941,41 @@
           <a:lstStyle/>
           <a:p>
             <a:r>
-              <a:rPr lang="en-US" sz="1200" dirty="0"/>
-              <a:t>Refrigerator temperature</a:t>
-            </a:r>
-            <a:endParaRPr lang="LID4096" sz="1200" dirty="0"/>
-          </a:p>
-        </p:txBody>
-      </p:sp>
-      <p:sp>
-        <p:nvSpPr>
-          <p:cNvPr id="67" name="TextBox 66">
-            <a:extLst>
-              <a:ext uri="{FF2B5EF4-FFF2-40B4-BE49-F238E27FC236}">
-                <a16:creationId xmlns:a16="http://schemas.microsoft.com/office/drawing/2014/main" id="{B74B61DD-E0E9-4793-89CD-D899E8471229}"/>
-              </a:ext>
-            </a:extLst>
-          </p:cNvPr>
-          <p:cNvSpPr txBox="1"/>
-          <p:nvPr/>
-        </p:nvSpPr>
-        <p:spPr>
-          <a:xfrm>
-            <a:off x="9783233" y="2722142"/>
-            <a:ext cx="2152320" cy="276999"/>
-          </a:xfrm>
-          <a:prstGeom prst="rect">
-            <a:avLst/>
-          </a:prstGeom>
-          <a:noFill/>
-        </p:spPr>
-        <p:txBody>
-          <a:bodyPr wrap="none" rtlCol="0">
-            <a:spAutoFit/>
-          </a:bodyPr>
-          <a:lstStyle/>
-          <a:p>
-            <a:r>
-              <a:rPr lang="en-US" sz="1200" dirty="0"/>
-              <a:t>Controller internal temperature</a:t>
-            </a:r>
-            <a:endParaRPr lang="LID4096" sz="1200" dirty="0"/>
-          </a:p>
-        </p:txBody>
-      </p:sp>
-      <p:sp>
-        <p:nvSpPr>
-          <p:cNvPr id="68" name="TextBox 67">
-            <a:extLst>
-              <a:ext uri="{FF2B5EF4-FFF2-40B4-BE49-F238E27FC236}">
-                <a16:creationId xmlns:a16="http://schemas.microsoft.com/office/drawing/2014/main" id="{F08BC31C-6F0B-4FBC-B169-6B702C3F55BE}"/>
-              </a:ext>
-            </a:extLst>
-          </p:cNvPr>
-          <p:cNvSpPr txBox="1"/>
-          <p:nvPr/>
-        </p:nvSpPr>
-        <p:spPr>
-          <a:xfrm>
-            <a:off x="9783233" y="3179433"/>
-            <a:ext cx="1007071" cy="276999"/>
-          </a:xfrm>
-          <a:prstGeom prst="rect">
-            <a:avLst/>
-          </a:prstGeom>
-          <a:noFill/>
-        </p:spPr>
-        <p:txBody>
-          <a:bodyPr wrap="none" rtlCol="0">
-            <a:spAutoFit/>
-          </a:bodyPr>
-          <a:lstStyle/>
-          <a:p>
-            <a:r>
-              <a:rPr lang="en-US" sz="1200" dirty="0"/>
-              <a:t>Heating relay</a:t>
-            </a:r>
-            <a:endParaRPr lang="LID4096" sz="1200" dirty="0"/>
-          </a:p>
-        </p:txBody>
-      </p:sp>
-      <p:sp>
-        <p:nvSpPr>
-          <p:cNvPr id="69" name="TextBox 68">
-            <a:extLst>
-              <a:ext uri="{FF2B5EF4-FFF2-40B4-BE49-F238E27FC236}">
-                <a16:creationId xmlns:a16="http://schemas.microsoft.com/office/drawing/2014/main" id="{99340A2B-C3A9-4575-A506-8B161ECA3FCB}"/>
-              </a:ext>
-            </a:extLst>
-          </p:cNvPr>
-          <p:cNvSpPr txBox="1"/>
-          <p:nvPr/>
-        </p:nvSpPr>
-        <p:spPr>
-          <a:xfrm>
-            <a:off x="9783233" y="3581861"/>
-            <a:ext cx="990849" cy="276999"/>
-          </a:xfrm>
-          <a:prstGeom prst="rect">
-            <a:avLst/>
-          </a:prstGeom>
-          <a:noFill/>
-        </p:spPr>
-        <p:txBody>
-          <a:bodyPr wrap="none" rtlCol="0">
-            <a:spAutoFit/>
-          </a:bodyPr>
-          <a:lstStyle/>
-          <a:p>
-            <a:r>
-              <a:rPr lang="en-US" sz="1200" dirty="0"/>
-              <a:t>Cooling relay</a:t>
-            </a:r>
-            <a:endParaRPr lang="LID4096" sz="1200" dirty="0"/>
-          </a:p>
-        </p:txBody>
-      </p:sp>
-      <p:sp>
-        <p:nvSpPr>
-          <p:cNvPr id="70" name="TextBox 69">
-            <a:extLst>
-              <a:ext uri="{FF2B5EF4-FFF2-40B4-BE49-F238E27FC236}">
-                <a16:creationId xmlns:a16="http://schemas.microsoft.com/office/drawing/2014/main" id="{FA0665FC-35B4-4016-A519-CE71E05D9F06}"/>
-              </a:ext>
-            </a:extLst>
-          </p:cNvPr>
-          <p:cNvSpPr txBox="1"/>
-          <p:nvPr/>
-        </p:nvSpPr>
-        <p:spPr>
-          <a:xfrm>
-            <a:off x="9783233" y="4328160"/>
-            <a:ext cx="1298497" cy="276999"/>
-          </a:xfrm>
-          <a:prstGeom prst="rect">
-            <a:avLst/>
-          </a:prstGeom>
-          <a:noFill/>
-        </p:spPr>
-        <p:txBody>
-          <a:bodyPr wrap="none" rtlCol="0">
-            <a:spAutoFit/>
-          </a:bodyPr>
-          <a:lstStyle/>
-          <a:p>
-            <a:r>
-              <a:rPr lang="en-US" sz="1200" dirty="0"/>
-              <a:t>Beer temperature</a:t>
-            </a:r>
-            <a:endParaRPr lang="LID4096" sz="1200" dirty="0"/>
-          </a:p>
-        </p:txBody>
-      </p:sp>
-      <p:sp>
-        <p:nvSpPr>
-          <p:cNvPr id="71" name="TextBox 70">
-            <a:extLst>
-              <a:ext uri="{FF2B5EF4-FFF2-40B4-BE49-F238E27FC236}">
-                <a16:creationId xmlns:a16="http://schemas.microsoft.com/office/drawing/2014/main" id="{D18499C8-E5ED-428B-9F09-E686D07703FD}"/>
-              </a:ext>
-            </a:extLst>
-          </p:cNvPr>
-          <p:cNvSpPr txBox="1"/>
-          <p:nvPr/>
-        </p:nvSpPr>
-        <p:spPr>
-          <a:xfrm>
-            <a:off x="9783233" y="4781851"/>
-            <a:ext cx="1429302" cy="276999"/>
-          </a:xfrm>
-          <a:prstGeom prst="rect">
-            <a:avLst/>
-          </a:prstGeom>
-          <a:noFill/>
-        </p:spPr>
-        <p:txBody>
-          <a:bodyPr wrap="none" rtlCol="0">
-            <a:spAutoFit/>
-          </a:bodyPr>
-          <a:lstStyle/>
-          <a:p>
-            <a:r>
-              <a:rPr lang="en-US" sz="1200" dirty="0"/>
-              <a:t>Beer specific gravity</a:t>
-            </a:r>
-            <a:endParaRPr lang="LID4096" sz="1200" dirty="0"/>
-          </a:p>
-        </p:txBody>
-      </p:sp>
-      <p:sp>
-        <p:nvSpPr>
-          <p:cNvPr id="72" name="TextBox 71">
-            <a:extLst>
-              <a:ext uri="{FF2B5EF4-FFF2-40B4-BE49-F238E27FC236}">
-                <a16:creationId xmlns:a16="http://schemas.microsoft.com/office/drawing/2014/main" id="{23A71FD2-0876-4995-B945-1F503995878B}"/>
-              </a:ext>
-            </a:extLst>
-          </p:cNvPr>
-          <p:cNvSpPr txBox="1"/>
-          <p:nvPr/>
-        </p:nvSpPr>
-        <p:spPr>
-          <a:xfrm>
-            <a:off x="9783233" y="5744140"/>
-            <a:ext cx="1140249" cy="276999"/>
-          </a:xfrm>
-          <a:prstGeom prst="rect">
-            <a:avLst/>
-          </a:prstGeom>
-          <a:noFill/>
-        </p:spPr>
-        <p:txBody>
-          <a:bodyPr wrap="none" rtlCol="0">
-            <a:spAutoFit/>
-          </a:bodyPr>
-          <a:lstStyle/>
-          <a:p>
-            <a:r>
-              <a:rPr lang="en-US" sz="1200" dirty="0" err="1"/>
-              <a:t>Brewfather.app</a:t>
-            </a:r>
-            <a:endParaRPr lang="LID4096" sz="1200" dirty="0"/>
-          </a:p>
-        </p:txBody>
-      </p:sp>
-      <p:sp>
-        <p:nvSpPr>
-          <p:cNvPr id="73" name="Rectangle: Folded Corner 72">
-            <a:extLst>
-              <a:ext uri="{FF2B5EF4-FFF2-40B4-BE49-F238E27FC236}">
-                <a16:creationId xmlns:a16="http://schemas.microsoft.com/office/drawing/2014/main" id="{85A78115-4873-4D69-9C97-3A82CB40C97C}"/>
-              </a:ext>
-            </a:extLst>
-          </p:cNvPr>
-          <p:cNvSpPr/>
-          <p:nvPr/>
-        </p:nvSpPr>
-        <p:spPr>
-          <a:xfrm>
-            <a:off x="2365248" y="2798064"/>
-            <a:ext cx="585216" cy="365760"/>
-          </a:xfrm>
-          <a:prstGeom prst="foldedCorner">
-            <a:avLst/>
-          </a:prstGeom>
-          <a:solidFill>
-            <a:schemeClr val="accent4">
-              <a:lumMod val="60000"/>
-              <a:lumOff val="40000"/>
-            </a:schemeClr>
-          </a:solidFill>
-        </p:spPr>
-        <p:style>
-          <a:lnRef idx="2">
-            <a:schemeClr val="accent1">
-              <a:shade val="50000"/>
-            </a:schemeClr>
-          </a:lnRef>
-          <a:fillRef idx="1">
-            <a:schemeClr val="accent1"/>
-          </a:fillRef>
-          <a:effectRef idx="0">
-            <a:schemeClr val="accent1"/>
-          </a:effectRef>
-          <a:fontRef idx="minor">
-            <a:schemeClr val="lt1"/>
-          </a:fontRef>
-        </p:style>
-        <p:txBody>
-          <a:bodyPr rtlCol="0" anchor="ctr"/>
-          <a:lstStyle/>
-          <a:p>
-            <a:pPr algn="ctr"/>
-            <a:r>
-              <a:rPr lang="en-US" sz="1200" dirty="0"/>
-              <a:t>config</a:t>
-            </a:r>
-            <a:endParaRPr lang="LID4096" sz="1200" dirty="0"/>
-          </a:p>
-        </p:txBody>
-      </p:sp>
-      <p:sp>
-        <p:nvSpPr>
-          <p:cNvPr id="74" name="Rectangle: Folded Corner 73">
-            <a:extLst>
-              <a:ext uri="{FF2B5EF4-FFF2-40B4-BE49-F238E27FC236}">
-                <a16:creationId xmlns:a16="http://schemas.microsoft.com/office/drawing/2014/main" id="{869D0625-3120-42BA-A383-CBBA13085E0E}"/>
-              </a:ext>
-            </a:extLst>
-          </p:cNvPr>
-          <p:cNvSpPr/>
-          <p:nvPr/>
-        </p:nvSpPr>
-        <p:spPr>
-          <a:xfrm>
-            <a:off x="4962144" y="2415540"/>
-            <a:ext cx="585216" cy="365760"/>
-          </a:xfrm>
-          <a:prstGeom prst="foldedCorner">
-            <a:avLst/>
-          </a:prstGeom>
-          <a:solidFill>
-            <a:schemeClr val="accent4">
-              <a:lumMod val="60000"/>
-              <a:lumOff val="40000"/>
-            </a:schemeClr>
-          </a:solidFill>
-        </p:spPr>
-        <p:style>
-          <a:lnRef idx="2">
-            <a:schemeClr val="accent1">
-              <a:shade val="50000"/>
-            </a:schemeClr>
-          </a:lnRef>
-          <a:fillRef idx="1">
-            <a:schemeClr val="accent1"/>
-          </a:fillRef>
-          <a:effectRef idx="0">
-            <a:schemeClr val="accent1"/>
-          </a:effectRef>
-          <a:fontRef idx="minor">
-            <a:schemeClr val="lt1"/>
-          </a:fontRef>
-        </p:style>
-        <p:txBody>
-          <a:bodyPr rtlCol="0" anchor="ctr"/>
-          <a:lstStyle/>
-          <a:p>
-            <a:pPr algn="ctr"/>
-            <a:r>
-              <a:rPr lang="en-US" sz="1200" dirty="0"/>
-              <a:t>config</a:t>
-            </a:r>
-            <a:endParaRPr lang="LID4096" sz="1200" dirty="0"/>
-          </a:p>
-        </p:txBody>
-      </p:sp>
-      <p:sp>
-        <p:nvSpPr>
-          <p:cNvPr id="75" name="Rectangle: Folded Corner 74">
-            <a:extLst>
-              <a:ext uri="{FF2B5EF4-FFF2-40B4-BE49-F238E27FC236}">
-                <a16:creationId xmlns:a16="http://schemas.microsoft.com/office/drawing/2014/main" id="{5D98C952-ECEC-4505-987E-288D52DCEDB3}"/>
-              </a:ext>
-            </a:extLst>
-          </p:cNvPr>
-          <p:cNvSpPr/>
-          <p:nvPr/>
-        </p:nvSpPr>
-        <p:spPr>
-          <a:xfrm>
-            <a:off x="7559042" y="2432304"/>
-            <a:ext cx="585216" cy="365760"/>
-          </a:xfrm>
-          <a:prstGeom prst="foldedCorner">
-            <a:avLst/>
-          </a:prstGeom>
-          <a:solidFill>
-            <a:schemeClr val="accent4">
-              <a:lumMod val="60000"/>
-              <a:lumOff val="40000"/>
-            </a:schemeClr>
-          </a:solidFill>
-        </p:spPr>
-        <p:style>
-          <a:lnRef idx="2">
-            <a:schemeClr val="accent1">
-              <a:shade val="50000"/>
-            </a:schemeClr>
-          </a:lnRef>
-          <a:fillRef idx="1">
-            <a:schemeClr val="accent1"/>
-          </a:fillRef>
-          <a:effectRef idx="0">
-            <a:schemeClr val="accent1"/>
-          </a:effectRef>
-          <a:fontRef idx="minor">
-            <a:schemeClr val="lt1"/>
-          </a:fontRef>
-        </p:style>
-        <p:txBody>
-          <a:bodyPr rtlCol="0" anchor="ctr"/>
-          <a:lstStyle/>
-          <a:p>
-            <a:pPr algn="ctr"/>
-            <a:r>
-              <a:rPr lang="en-US" sz="1200" dirty="0"/>
-              <a:t>config</a:t>
-            </a:r>
-            <a:endParaRPr lang="LID4096" sz="1200" dirty="0"/>
-          </a:p>
-        </p:txBody>
-      </p:sp>
-      <p:sp>
-        <p:nvSpPr>
-          <p:cNvPr id="76" name="Rectangle: Folded Corner 75">
-            <a:extLst>
-              <a:ext uri="{FF2B5EF4-FFF2-40B4-BE49-F238E27FC236}">
-                <a16:creationId xmlns:a16="http://schemas.microsoft.com/office/drawing/2014/main" id="{7AE2820B-EE25-4F98-82C7-455AC8D7C004}"/>
-              </a:ext>
-            </a:extLst>
-          </p:cNvPr>
-          <p:cNvSpPr/>
-          <p:nvPr/>
-        </p:nvSpPr>
-        <p:spPr>
-          <a:xfrm>
-            <a:off x="7582213" y="3883152"/>
-            <a:ext cx="585216" cy="365760"/>
-          </a:xfrm>
-          <a:prstGeom prst="foldedCorner">
-            <a:avLst/>
-          </a:prstGeom>
-          <a:solidFill>
-            <a:schemeClr val="accent4">
-              <a:lumMod val="60000"/>
-              <a:lumOff val="40000"/>
-            </a:schemeClr>
-          </a:solidFill>
-        </p:spPr>
-        <p:style>
-          <a:lnRef idx="2">
-            <a:schemeClr val="accent1">
-              <a:shade val="50000"/>
-            </a:schemeClr>
-          </a:lnRef>
-          <a:fillRef idx="1">
-            <a:schemeClr val="accent1"/>
-          </a:fillRef>
-          <a:effectRef idx="0">
-            <a:schemeClr val="accent1"/>
-          </a:effectRef>
-          <a:fontRef idx="minor">
-            <a:schemeClr val="lt1"/>
-          </a:fontRef>
-        </p:style>
-        <p:txBody>
-          <a:bodyPr rtlCol="0" anchor="ctr"/>
-          <a:lstStyle/>
-          <a:p>
-            <a:pPr algn="ctr"/>
-            <a:r>
-              <a:rPr lang="en-US" sz="1200" dirty="0"/>
-              <a:t>config</a:t>
-            </a:r>
-            <a:endParaRPr lang="LID4096" sz="1200" dirty="0"/>
-          </a:p>
-        </p:txBody>
-      </p:sp>
-      <p:sp>
-        <p:nvSpPr>
-          <p:cNvPr id="77" name="Rectangle: Folded Corner 76">
-            <a:extLst>
-              <a:ext uri="{FF2B5EF4-FFF2-40B4-BE49-F238E27FC236}">
-                <a16:creationId xmlns:a16="http://schemas.microsoft.com/office/drawing/2014/main" id="{1772F12B-6DB7-4B8F-A1C1-84AC60D4CF56}"/>
-              </a:ext>
-            </a:extLst>
-          </p:cNvPr>
-          <p:cNvSpPr/>
-          <p:nvPr/>
-        </p:nvSpPr>
-        <p:spPr>
-          <a:xfrm>
-            <a:off x="4962144" y="4724400"/>
-            <a:ext cx="585216" cy="365760"/>
-          </a:xfrm>
-          <a:prstGeom prst="foldedCorner">
-            <a:avLst/>
-          </a:prstGeom>
-          <a:solidFill>
-            <a:schemeClr val="accent4">
-              <a:lumMod val="60000"/>
-              <a:lumOff val="40000"/>
-            </a:schemeClr>
-          </a:solidFill>
-        </p:spPr>
-        <p:style>
-          <a:lnRef idx="2">
-            <a:schemeClr val="accent1">
-              <a:shade val="50000"/>
-            </a:schemeClr>
-          </a:lnRef>
-          <a:fillRef idx="1">
-            <a:schemeClr val="accent1"/>
-          </a:fillRef>
-          <a:effectRef idx="0">
-            <a:schemeClr val="accent1"/>
-          </a:effectRef>
-          <a:fontRef idx="minor">
-            <a:schemeClr val="lt1"/>
-          </a:fontRef>
-        </p:style>
-        <p:txBody>
-          <a:bodyPr rtlCol="0" anchor="ctr"/>
-          <a:lstStyle/>
-          <a:p>
-            <a:pPr algn="ctr"/>
-            <a:r>
-              <a:rPr lang="en-US" sz="1200" dirty="0"/>
-              <a:t>config</a:t>
-            </a:r>
-            <a:endParaRPr lang="LID4096" sz="1200" dirty="0"/>
-          </a:p>
-        </p:txBody>
-      </p:sp>
-      <p:sp>
-        <p:nvSpPr>
-          <p:cNvPr id="80" name="TextBox 79">
-            <a:extLst>
-              <a:ext uri="{FF2B5EF4-FFF2-40B4-BE49-F238E27FC236}">
-                <a16:creationId xmlns:a16="http://schemas.microsoft.com/office/drawing/2014/main" id="{AFD352B5-AA46-43E0-AC13-57EDFBCB4485}"/>
-              </a:ext>
-            </a:extLst>
-          </p:cNvPr>
-          <p:cNvSpPr txBox="1"/>
-          <p:nvPr/>
-        </p:nvSpPr>
-        <p:spPr>
-          <a:xfrm>
-            <a:off x="9192770" y="1529993"/>
-            <a:ext cx="891591" cy="307777"/>
-          </a:xfrm>
-          <a:prstGeom prst="rect">
-            <a:avLst/>
-          </a:prstGeom>
-          <a:noFill/>
-        </p:spPr>
-        <p:txBody>
-          <a:bodyPr wrap="none" rtlCol="0">
-            <a:spAutoFit/>
-          </a:bodyPr>
-          <a:lstStyle/>
-          <a:p>
-            <a:r>
-              <a:rPr lang="en-US" sz="1400" dirty="0"/>
-              <a:t>ARDUINO</a:t>
-            </a:r>
-            <a:endParaRPr lang="LID4096" sz="1400" dirty="0"/>
-          </a:p>
-        </p:txBody>
-      </p:sp>
-      <p:sp>
-        <p:nvSpPr>
-          <p:cNvPr id="81" name="TextBox 80">
-            <a:extLst>
-              <a:ext uri="{FF2B5EF4-FFF2-40B4-BE49-F238E27FC236}">
-                <a16:creationId xmlns:a16="http://schemas.microsoft.com/office/drawing/2014/main" id="{12281DE2-7CBA-4003-BC3D-517F66124E8A}"/>
-              </a:ext>
-            </a:extLst>
-          </p:cNvPr>
-          <p:cNvSpPr txBox="1"/>
-          <p:nvPr/>
-        </p:nvSpPr>
-        <p:spPr>
-          <a:xfrm>
-            <a:off x="9192770" y="4058447"/>
-            <a:ext cx="1549976" cy="307777"/>
-          </a:xfrm>
-          <a:prstGeom prst="rect">
-            <a:avLst/>
-          </a:prstGeom>
-          <a:noFill/>
-        </p:spPr>
-        <p:txBody>
-          <a:bodyPr wrap="none" rtlCol="0">
-            <a:spAutoFit/>
-          </a:bodyPr>
-          <a:lstStyle/>
-          <a:p>
-            <a:r>
-              <a:rPr lang="en-US" sz="1400" dirty="0"/>
-              <a:t>TILT HYDROMETER</a:t>
-            </a:r>
-            <a:endParaRPr lang="LID4096" sz="1400" dirty="0"/>
+              <a:rPr lang="en-US" sz="1600" dirty="0"/>
+              <a:t>Heating pad</a:t>
+            </a:r>
+            <a:endParaRPr lang="LID4096" sz="1600" dirty="0"/>
           </a:p>
         </p:txBody>
       </p:sp>
       <p:cxnSp>
         <p:nvCxnSpPr>
-          <p:cNvPr id="84" name="Straight Connector 83">
-            <a:extLst>
-              <a:ext uri="{FF2B5EF4-FFF2-40B4-BE49-F238E27FC236}">
-                <a16:creationId xmlns:a16="http://schemas.microsoft.com/office/drawing/2014/main" id="{40686417-7DF7-4751-966F-701FA3343536}"/>
+          <p:cNvPr id="111" name="Straight Connector 110">
+            <a:extLst>
+              <a:ext uri="{FF2B5EF4-FFF2-40B4-BE49-F238E27FC236}">
+                <a16:creationId xmlns:a16="http://schemas.microsoft.com/office/drawing/2014/main" id="{6315135E-F294-4F9F-90F9-DC3C69712E0C}"/>
               </a:ext>
             </a:extLst>
           </p:cNvPr>
           <p:cNvCxnSpPr>
             <a:cxnSpLocks/>
-            <a:stCxn id="86" idx="2"/>
+            <a:stCxn id="11" idx="2"/>
+            <a:endCxn id="109" idx="0"/>
           </p:cNvCxnSpPr>
           <p:nvPr/>
         </p:nvCxnSpPr>
         <p:spPr>
-          <a:xfrm>
-            <a:off x="8769095" y="2692539"/>
-            <a:ext cx="0" cy="355461"/>
+          <a:xfrm flipH="1">
+            <a:off x="3935696" y="5895459"/>
+            <a:ext cx="1" cy="511295"/>
           </a:xfrm>
           <a:prstGeom prst="line">
             <a:avLst/>
           </a:prstGeom>
-          <a:ln>
+          <a:ln w="28575">
             <a:solidFill>
               <a:srgbClr val="FF0000"/>
             </a:solidFill>
-            <a:prstDash val="lgDash"/>
-          </a:ln>
-        </p:spPr>
-        <p:style>
-          <a:lnRef idx="1">
-            <a:schemeClr val="accent1"/>
-          </a:lnRef>
-          <a:fillRef idx="0">
-            <a:schemeClr val="accent1"/>
-          </a:fillRef>
-          <a:effectRef idx="0">
-            <a:schemeClr val="accent1"/>
-          </a:effectRef>
-          <a:fontRef idx="minor">
-            <a:schemeClr val="tx1"/>
-          </a:fontRef>
-        </p:style>
-      </p:cxnSp>
-      <p:sp>
-        <p:nvSpPr>
-          <p:cNvPr id="86" name="TextBox 85">
-            <a:extLst>
-              <a:ext uri="{FF2B5EF4-FFF2-40B4-BE49-F238E27FC236}">
-                <a16:creationId xmlns:a16="http://schemas.microsoft.com/office/drawing/2014/main" id="{0D2AED6B-E1F5-4052-B405-B894ACD91AD0}"/>
-              </a:ext>
-            </a:extLst>
-          </p:cNvPr>
-          <p:cNvSpPr txBox="1"/>
-          <p:nvPr/>
-        </p:nvSpPr>
-        <p:spPr>
-          <a:xfrm>
-            <a:off x="8313681" y="2415540"/>
-            <a:ext cx="910827" cy="276999"/>
-          </a:xfrm>
-          <a:prstGeom prst="rect">
-            <a:avLst/>
-          </a:prstGeom>
-          <a:noFill/>
-        </p:spPr>
-        <p:txBody>
-          <a:bodyPr wrap="none" rtlCol="0">
-            <a:spAutoFit/>
-          </a:bodyPr>
-          <a:lstStyle/>
-          <a:p>
-            <a:r>
-              <a:rPr lang="en-US" sz="1200" dirty="0">
-                <a:solidFill>
-                  <a:srgbClr val="FF0000"/>
-                </a:solidFill>
-              </a:rPr>
-              <a:t>serial (USB)</a:t>
-            </a:r>
-            <a:endParaRPr lang="LID4096" sz="1200" dirty="0">
-              <a:solidFill>
-                <a:srgbClr val="FF0000"/>
-              </a:solidFill>
-            </a:endParaRPr>
-          </a:p>
-        </p:txBody>
-      </p:sp>
-      <p:sp>
-        <p:nvSpPr>
-          <p:cNvPr id="87" name="TextBox 86">
-            <a:extLst>
-              <a:ext uri="{FF2B5EF4-FFF2-40B4-BE49-F238E27FC236}">
-                <a16:creationId xmlns:a16="http://schemas.microsoft.com/office/drawing/2014/main" id="{850BC451-73F4-40FF-A2F7-7BEE12DECB3B}"/>
-              </a:ext>
-            </a:extLst>
-          </p:cNvPr>
-          <p:cNvSpPr txBox="1"/>
-          <p:nvPr/>
-        </p:nvSpPr>
-        <p:spPr>
-          <a:xfrm>
-            <a:off x="8356481" y="4718672"/>
-            <a:ext cx="804323" cy="276999"/>
-          </a:xfrm>
-          <a:prstGeom prst="rect">
-            <a:avLst/>
-          </a:prstGeom>
-          <a:noFill/>
-        </p:spPr>
-        <p:txBody>
-          <a:bodyPr wrap="none" rtlCol="0">
-            <a:spAutoFit/>
-          </a:bodyPr>
-          <a:lstStyle/>
-          <a:p>
-            <a:r>
-              <a:rPr lang="en-US" sz="1200" dirty="0">
-                <a:solidFill>
-                  <a:srgbClr val="FF0000"/>
-                </a:solidFill>
-              </a:rPr>
-              <a:t>Bluetooth</a:t>
-            </a:r>
-            <a:endParaRPr lang="LID4096" sz="1200" dirty="0">
-              <a:solidFill>
-                <a:srgbClr val="FF0000"/>
-              </a:solidFill>
-            </a:endParaRPr>
-          </a:p>
-        </p:txBody>
-      </p:sp>
-      <p:cxnSp>
-        <p:nvCxnSpPr>
-          <p:cNvPr id="88" name="Straight Connector 87">
-            <a:extLst>
-              <a:ext uri="{FF2B5EF4-FFF2-40B4-BE49-F238E27FC236}">
-                <a16:creationId xmlns:a16="http://schemas.microsoft.com/office/drawing/2014/main" id="{ACFD8FEC-7697-407D-A923-12B3B0BCE0CF}"/>
-              </a:ext>
-            </a:extLst>
-          </p:cNvPr>
-          <p:cNvCxnSpPr>
-            <a:cxnSpLocks/>
-            <a:endCxn id="87" idx="0"/>
-          </p:cNvCxnSpPr>
-          <p:nvPr/>
-        </p:nvCxnSpPr>
-        <p:spPr>
-          <a:xfrm>
-            <a:off x="8758643" y="4407408"/>
-            <a:ext cx="0" cy="311264"/>
-          </a:xfrm>
-          <a:prstGeom prst="line">
-            <a:avLst/>
-          </a:prstGeom>
-          <a:ln>
-            <a:solidFill>
-              <a:srgbClr val="FF0000"/>
-            </a:solidFill>
-            <a:prstDash val="lgDash"/>
           </a:ln>
         </p:spPr>
         <p:style>
@@ -5350,32 +4995,32 @@
       </p:cxnSp>
       <p:cxnSp>
         <p:nvCxnSpPr>
-          <p:cNvPr id="91" name="Straight Connector 90">
-            <a:extLst>
-              <a:ext uri="{FF2B5EF4-FFF2-40B4-BE49-F238E27FC236}">
-                <a16:creationId xmlns:a16="http://schemas.microsoft.com/office/drawing/2014/main" id="{1F73BAAA-1444-45C8-9FB2-A836CF175AF2}"/>
+          <p:cNvPr id="112" name="Straight Connector 111">
+            <a:extLst>
+              <a:ext uri="{FF2B5EF4-FFF2-40B4-BE49-F238E27FC236}">
+                <a16:creationId xmlns:a16="http://schemas.microsoft.com/office/drawing/2014/main" id="{C3625BB7-B013-4E77-944A-C4E911578213}"/>
               </a:ext>
             </a:extLst>
           </p:cNvPr>
           <p:cNvCxnSpPr>
             <a:cxnSpLocks/>
-            <a:endCxn id="92" idx="0"/>
+            <a:stCxn id="10" idx="2"/>
+            <a:endCxn id="108" idx="0"/>
           </p:cNvCxnSpPr>
           <p:nvPr/>
         </p:nvCxnSpPr>
         <p:spPr>
-          <a:xfrm>
-            <a:off x="8755596" y="5640598"/>
-            <a:ext cx="3046" cy="205466"/>
+          <a:xfrm flipH="1">
+            <a:off x="4959074" y="5889975"/>
+            <a:ext cx="1" cy="516779"/>
           </a:xfrm>
           <a:prstGeom prst="line">
             <a:avLst/>
           </a:prstGeom>
-          <a:ln>
+          <a:ln w="28575">
             <a:solidFill>
               <a:srgbClr val="FF0000"/>
             </a:solidFill>
-            <a:prstDash val="lgDash"/>
           </a:ln>
         </p:spPr>
         <p:style>
@@ -5395,10 +5040,10 @@
       </p:cxnSp>
       <p:sp>
         <p:nvSpPr>
-          <p:cNvPr id="92" name="TextBox 91">
-            <a:extLst>
-              <a:ext uri="{FF2B5EF4-FFF2-40B4-BE49-F238E27FC236}">
-                <a16:creationId xmlns:a16="http://schemas.microsoft.com/office/drawing/2014/main" id="{CF6677BA-8447-4D03-822E-312AB30A0C0C}"/>
+          <p:cNvPr id="115" name="TextBox 114">
+            <a:extLst>
+              <a:ext uri="{FF2B5EF4-FFF2-40B4-BE49-F238E27FC236}">
+                <a16:creationId xmlns:a16="http://schemas.microsoft.com/office/drawing/2014/main" id="{E98722CD-6ED5-4D27-9C47-0CE0F1075C99}"/>
               </a:ext>
             </a:extLst>
           </p:cNvPr>
@@ -5407,8 +5052,84 @@
         </p:nvSpPr>
         <p:spPr>
           <a:xfrm>
-            <a:off x="8505207" y="5846064"/>
-            <a:ext cx="506870" cy="276999"/>
+            <a:off x="3655010" y="5961140"/>
+            <a:ext cx="561372" cy="307777"/>
+          </a:xfrm>
+          <a:prstGeom prst="rect">
+            <a:avLst/>
+          </a:prstGeom>
+          <a:solidFill>
+            <a:schemeClr val="bg1"/>
+          </a:solidFill>
+        </p:spPr>
+        <p:txBody>
+          <a:bodyPr wrap="none" rtlCol="0">
+            <a:spAutoFit/>
+          </a:bodyPr>
+          <a:lstStyle/>
+          <a:p>
+            <a:r>
+              <a:rPr lang="en-US" sz="1400" dirty="0"/>
+              <a:t>220V</a:t>
+            </a:r>
+            <a:endParaRPr lang="LID4096" sz="1400" dirty="0"/>
+          </a:p>
+        </p:txBody>
+      </p:sp>
+      <p:sp>
+        <p:nvSpPr>
+          <p:cNvPr id="116" name="TextBox 115">
+            <a:extLst>
+              <a:ext uri="{FF2B5EF4-FFF2-40B4-BE49-F238E27FC236}">
+                <a16:creationId xmlns:a16="http://schemas.microsoft.com/office/drawing/2014/main" id="{CACDC2EE-7AF2-43EC-9670-0E295FA59674}"/>
+              </a:ext>
+            </a:extLst>
+          </p:cNvPr>
+          <p:cNvSpPr txBox="1"/>
+          <p:nvPr/>
+        </p:nvSpPr>
+        <p:spPr>
+          <a:xfrm>
+            <a:off x="4678388" y="5961139"/>
+            <a:ext cx="561372" cy="307777"/>
+          </a:xfrm>
+          <a:prstGeom prst="rect">
+            <a:avLst/>
+          </a:prstGeom>
+          <a:solidFill>
+            <a:schemeClr val="bg1"/>
+          </a:solidFill>
+        </p:spPr>
+        <p:txBody>
+          <a:bodyPr wrap="none" rtlCol="0">
+            <a:spAutoFit/>
+          </a:bodyPr>
+          <a:lstStyle/>
+          <a:p>
+            <a:r>
+              <a:rPr lang="en-US" sz="1400" dirty="0"/>
+              <a:t>220V</a:t>
+            </a:r>
+            <a:endParaRPr lang="LID4096" sz="1400" dirty="0"/>
+          </a:p>
+        </p:txBody>
+      </p:sp>
+      <p:sp>
+        <p:nvSpPr>
+          <p:cNvPr id="117" name="TextBox 116">
+            <a:extLst>
+              <a:ext uri="{FF2B5EF4-FFF2-40B4-BE49-F238E27FC236}">
+                <a16:creationId xmlns:a16="http://schemas.microsoft.com/office/drawing/2014/main" id="{C70C79F8-BDA5-45D0-B70A-5A22E965161D}"/>
+              </a:ext>
+            </a:extLst>
+          </p:cNvPr>
+          <p:cNvSpPr txBox="1"/>
+          <p:nvPr/>
+        </p:nvSpPr>
+        <p:spPr>
+          <a:xfrm>
+            <a:off x="1392314" y="6341878"/>
+            <a:ext cx="959172" cy="461665"/>
           </a:xfrm>
           <a:prstGeom prst="rect">
             <a:avLst/>
@@ -5421,28 +5142,28 @@
           </a:bodyPr>
           <a:lstStyle/>
           <a:p>
-            <a:r>
-              <a:rPr lang="en-US" sz="1200" dirty="0">
-                <a:solidFill>
-                  <a:srgbClr val="FF0000"/>
-                </a:solidFill>
-              </a:rPr>
-              <a:t>JSON</a:t>
-            </a:r>
-            <a:endParaRPr lang="LID4096" sz="1200" dirty="0">
-              <a:solidFill>
-                <a:srgbClr val="FF0000"/>
-              </a:solidFill>
-            </a:endParaRPr>
-          </a:p>
-        </p:txBody>
-      </p:sp>
-      <p:sp>
-        <p:nvSpPr>
-          <p:cNvPr id="94" name="TextBox 93">
-            <a:extLst>
-              <a:ext uri="{FF2B5EF4-FFF2-40B4-BE49-F238E27FC236}">
-                <a16:creationId xmlns:a16="http://schemas.microsoft.com/office/drawing/2014/main" id="{1A358CC2-F02A-4FC0-A40F-6884E16047A6}"/>
+            <a:pPr algn="ctr"/>
+            <a:r>
+              <a:rPr lang="en-US" sz="1200" dirty="0"/>
+              <a:t>Inside</a:t>
+            </a:r>
+            <a:br>
+              <a:rPr lang="en-US" sz="1200" dirty="0"/>
+            </a:br>
+            <a:r>
+              <a:rPr lang="en-US" sz="1200" dirty="0" err="1"/>
+              <a:t>Thermalwell</a:t>
+            </a:r>
+            <a:endParaRPr lang="LID4096" sz="1200" dirty="0"/>
+          </a:p>
+        </p:txBody>
+      </p:sp>
+      <p:sp>
+        <p:nvSpPr>
+          <p:cNvPr id="118" name="TextBox 117">
+            <a:extLst>
+              <a:ext uri="{FF2B5EF4-FFF2-40B4-BE49-F238E27FC236}">
+                <a16:creationId xmlns:a16="http://schemas.microsoft.com/office/drawing/2014/main" id="{47AC772E-446A-45F1-A08D-737DD247E82F}"/>
               </a:ext>
             </a:extLst>
           </p:cNvPr>
@@ -5451,8 +5172,8 @@
         </p:nvSpPr>
         <p:spPr>
           <a:xfrm>
-            <a:off x="1206832" y="5773689"/>
-            <a:ext cx="1656223" cy="261610"/>
+            <a:off x="547000" y="6341878"/>
+            <a:ext cx="591829" cy="461665"/>
           </a:xfrm>
           <a:prstGeom prst="rect">
             <a:avLst/>
@@ -5465,24 +5186,117 @@
           </a:bodyPr>
           <a:lstStyle/>
           <a:p>
-            <a:r>
-              <a:rPr lang="en-US" sz="1100" dirty="0"/>
-              <a:t>Python 3.x running on </a:t>
-            </a:r>
-            <a:r>
-              <a:rPr lang="en-US" sz="1100" dirty="0" err="1"/>
-              <a:t>RPi</a:t>
-            </a:r>
-            <a:endParaRPr lang="LID4096" sz="1100" dirty="0"/>
-          </a:p>
-        </p:txBody>
-      </p:sp>
-      <p:sp>
-        <p:nvSpPr>
-          <p:cNvPr id="95" name="Rectangle 94">
-            <a:extLst>
-              <a:ext uri="{FF2B5EF4-FFF2-40B4-BE49-F238E27FC236}">
-                <a16:creationId xmlns:a16="http://schemas.microsoft.com/office/drawing/2014/main" id="{2E667B51-5075-412D-97E4-C8BE3AD31A67}"/>
+            <a:pPr algn="ctr"/>
+            <a:r>
+              <a:rPr lang="en-US" sz="1200" dirty="0"/>
+              <a:t>Inside </a:t>
+            </a:r>
+            <a:br>
+              <a:rPr lang="en-US" sz="1200" dirty="0"/>
+            </a:br>
+            <a:r>
+              <a:rPr lang="en-US" sz="1200" dirty="0"/>
+              <a:t>Fridge</a:t>
+            </a:r>
+            <a:endParaRPr lang="LID4096" sz="1200" dirty="0"/>
+          </a:p>
+        </p:txBody>
+      </p:sp>
+      <p:cxnSp>
+        <p:nvCxnSpPr>
+          <p:cNvPr id="122" name="Connector: Elbow 121">
+            <a:extLst>
+              <a:ext uri="{FF2B5EF4-FFF2-40B4-BE49-F238E27FC236}">
+                <a16:creationId xmlns:a16="http://schemas.microsoft.com/office/drawing/2014/main" id="{BFA81B90-4A5F-4B05-9F78-AC4702ECB7C0}"/>
+              </a:ext>
+            </a:extLst>
+          </p:cNvPr>
+          <p:cNvCxnSpPr>
+            <a:cxnSpLocks/>
+            <a:stCxn id="5" idx="1"/>
+            <a:endCxn id="4" idx="3"/>
+          </p:cNvCxnSpPr>
+          <p:nvPr/>
+        </p:nvCxnSpPr>
+        <p:spPr>
+          <a:xfrm rot="10800000" flipV="1">
+            <a:off x="3383708" y="2604495"/>
+            <a:ext cx="2705164" cy="1737"/>
+          </a:xfrm>
+          <a:prstGeom prst="bentConnector3">
+            <a:avLst/>
+          </a:prstGeom>
+          <a:ln w="28575">
+            <a:solidFill>
+              <a:srgbClr val="FF0000"/>
+            </a:solidFill>
+          </a:ln>
+        </p:spPr>
+        <p:style>
+          <a:lnRef idx="1">
+            <a:schemeClr val="accent1"/>
+          </a:lnRef>
+          <a:fillRef idx="0">
+            <a:schemeClr val="accent1"/>
+          </a:fillRef>
+          <a:effectRef idx="0">
+            <a:schemeClr val="accent1"/>
+          </a:effectRef>
+          <a:fontRef idx="minor">
+            <a:schemeClr val="tx1"/>
+          </a:fontRef>
+        </p:style>
+      </p:cxnSp>
+      <p:sp>
+        <p:nvSpPr>
+          <p:cNvPr id="123" name="TextBox 122">
+            <a:extLst>
+              <a:ext uri="{FF2B5EF4-FFF2-40B4-BE49-F238E27FC236}">
+                <a16:creationId xmlns:a16="http://schemas.microsoft.com/office/drawing/2014/main" id="{FFC154A5-A337-4E26-8993-6E480477BB1C}"/>
+              </a:ext>
+            </a:extLst>
+          </p:cNvPr>
+          <p:cNvSpPr txBox="1"/>
+          <p:nvPr/>
+        </p:nvSpPr>
+        <p:spPr>
+          <a:xfrm>
+            <a:off x="3980231" y="2373662"/>
+            <a:ext cx="1528816" cy="461665"/>
+          </a:xfrm>
+          <a:prstGeom prst="rect">
+            <a:avLst/>
+          </a:prstGeom>
+          <a:noFill/>
+        </p:spPr>
+        <p:txBody>
+          <a:bodyPr wrap="none" rtlCol="0">
+            <a:spAutoFit/>
+          </a:bodyPr>
+          <a:lstStyle/>
+          <a:p>
+            <a:pPr algn="ctr"/>
+            <a:r>
+              <a:rPr lang="en-US" sz="1200" dirty="0"/>
+              <a:t>USB power</a:t>
+            </a:r>
+            <a:br>
+              <a:rPr lang="en-US" sz="1200" dirty="0"/>
+            </a:br>
+            <a:r>
+              <a:rPr lang="en-US" sz="1200" dirty="0"/>
+              <a:t>serial communication</a:t>
+            </a:r>
+            <a:endParaRPr lang="LID4096" sz="1200" dirty="0"/>
+          </a:p>
+        </p:txBody>
+      </p:sp>
+      <p:sp>
+        <p:nvSpPr>
+          <p:cNvPr id="135" name="Rectangle 134">
+            <a:extLst>
+              <a:ext uri="{FF2B5EF4-FFF2-40B4-BE49-F238E27FC236}">
+                <a16:creationId xmlns:a16="http://schemas.microsoft.com/office/drawing/2014/main" id="{36345AEE-42CD-4C41-AF7F-5BC5747BAE0A}"/>
               </a:ext>
             </a:extLst>
           </p:cNvPr>
@@ -5491,23 +5305,18 @@
         </p:nvSpPr>
         <p:spPr>
           <a:xfrm>
-            <a:off x="3380144" y="3048000"/>
-            <a:ext cx="384048" cy="219456"/>
+            <a:off x="6596566" y="2979718"/>
+            <a:ext cx="1279741" cy="605307"/>
           </a:xfrm>
           <a:prstGeom prst="rect">
             <a:avLst/>
           </a:prstGeom>
           <a:solidFill>
             <a:schemeClr val="accent1">
-              <a:lumMod val="60000"/>
-              <a:lumOff val="40000"/>
+              <a:lumMod val="20000"/>
+              <a:lumOff val="80000"/>
             </a:schemeClr>
           </a:solidFill>
-          <a:ln>
-            <a:solidFill>
-              <a:schemeClr val="accent1"/>
-            </a:solidFill>
-          </a:ln>
         </p:spPr>
         <p:style>
           <a:lnRef idx="2">
@@ -5526,206 +5335,91 @@
           </a:fontRef>
         </p:style>
         <p:txBody>
-          <a:bodyPr rtlCol="0" anchor="ctr"/>
+          <a:bodyPr rot="0" spcFirstLastPara="0" vertOverflow="overflow" horzOverflow="overflow" vert="horz" wrap="square" lIns="91440" tIns="45720" rIns="91440" bIns="45720" numCol="1" spcCol="0" rtlCol="0" fromWordArt="0" anchor="ctr" anchorCtr="0" forceAA="0" compatLnSpc="1">
+            <a:prstTxWarp prst="textNoShape">
+              <a:avLst/>
+            </a:prstTxWarp>
+            <a:noAutofit/>
+          </a:bodyPr>
           <a:lstStyle/>
           <a:p>
             <a:pPr algn="ctr"/>
             <a:r>
-              <a:rPr lang="en-US" sz="1100" dirty="0"/>
-              <a:t>Tilt</a:t>
-            </a:r>
-            <a:endParaRPr lang="LID4096" sz="1100" dirty="0"/>
-          </a:p>
-        </p:txBody>
-      </p:sp>
-      <p:sp>
-        <p:nvSpPr>
-          <p:cNvPr id="96" name="Oval 95">
-            <a:extLst>
-              <a:ext uri="{FF2B5EF4-FFF2-40B4-BE49-F238E27FC236}">
-                <a16:creationId xmlns:a16="http://schemas.microsoft.com/office/drawing/2014/main" id="{69C4406C-5F1E-43A5-A6CD-F2E52DF83F09}"/>
-              </a:ext>
-            </a:extLst>
-          </p:cNvPr>
-          <p:cNvSpPr/>
-          <p:nvPr/>
-        </p:nvSpPr>
-        <p:spPr>
-          <a:xfrm>
-            <a:off x="9528047" y="310896"/>
-            <a:ext cx="268224" cy="268224"/>
-          </a:xfrm>
-          <a:prstGeom prst="ellipse">
-            <a:avLst/>
-          </a:prstGeom>
-        </p:spPr>
-        <p:style>
-          <a:lnRef idx="2">
-            <a:schemeClr val="accent1">
-              <a:shade val="50000"/>
-            </a:schemeClr>
-          </a:lnRef>
-          <a:fillRef idx="1">
-            <a:schemeClr val="accent1"/>
-          </a:fillRef>
-          <a:effectRef idx="0">
-            <a:schemeClr val="accent1"/>
-          </a:effectRef>
-          <a:fontRef idx="minor">
-            <a:schemeClr val="lt1"/>
-          </a:fontRef>
-        </p:style>
-        <p:txBody>
-          <a:bodyPr rtlCol="0" anchor="ctr"/>
-          <a:lstStyle/>
-          <a:p>
-            <a:pPr algn="ctr"/>
-            <a:endParaRPr lang="LID4096"/>
-          </a:p>
-        </p:txBody>
-      </p:sp>
-      <p:sp>
-        <p:nvSpPr>
-          <p:cNvPr id="97" name="Oval 96">
-            <a:extLst>
-              <a:ext uri="{FF2B5EF4-FFF2-40B4-BE49-F238E27FC236}">
-                <a16:creationId xmlns:a16="http://schemas.microsoft.com/office/drawing/2014/main" id="{DB2267CE-7A40-44A0-8479-D417C58C9EEC}"/>
-              </a:ext>
-            </a:extLst>
-          </p:cNvPr>
-          <p:cNvSpPr/>
-          <p:nvPr/>
-        </p:nvSpPr>
-        <p:spPr>
-          <a:xfrm>
-            <a:off x="9528047" y="957072"/>
-            <a:ext cx="268224" cy="268224"/>
-          </a:xfrm>
-          <a:prstGeom prst="ellipse">
-            <a:avLst/>
-          </a:prstGeom>
-        </p:spPr>
-        <p:style>
-          <a:lnRef idx="2">
-            <a:schemeClr val="accent1">
-              <a:shade val="50000"/>
-            </a:schemeClr>
-          </a:lnRef>
-          <a:fillRef idx="1">
-            <a:schemeClr val="accent1"/>
-          </a:fillRef>
-          <a:effectRef idx="0">
-            <a:schemeClr val="accent1"/>
-          </a:effectRef>
-          <a:fontRef idx="minor">
-            <a:schemeClr val="lt1"/>
-          </a:fontRef>
-        </p:style>
-        <p:txBody>
-          <a:bodyPr rtlCol="0" anchor="ctr"/>
-          <a:lstStyle/>
-          <a:p>
-            <a:pPr algn="ctr"/>
-            <a:endParaRPr lang="LID4096"/>
-          </a:p>
-        </p:txBody>
-      </p:sp>
-      <p:sp>
-        <p:nvSpPr>
-          <p:cNvPr id="98" name="TextBox 97">
-            <a:extLst>
-              <a:ext uri="{FF2B5EF4-FFF2-40B4-BE49-F238E27FC236}">
-                <a16:creationId xmlns:a16="http://schemas.microsoft.com/office/drawing/2014/main" id="{5EFA5AD0-D0DA-484A-B489-2698DC49B0CD}"/>
-              </a:ext>
-            </a:extLst>
-          </p:cNvPr>
-          <p:cNvSpPr txBox="1"/>
-          <p:nvPr/>
-        </p:nvSpPr>
-        <p:spPr>
-          <a:xfrm>
-            <a:off x="9783233" y="287198"/>
-            <a:ext cx="423449" cy="276999"/>
-          </a:xfrm>
-          <a:prstGeom prst="rect">
-            <a:avLst/>
-          </a:prstGeom>
-          <a:noFill/>
-        </p:spPr>
-        <p:txBody>
-          <a:bodyPr wrap="none" rtlCol="0">
-            <a:spAutoFit/>
-          </a:bodyPr>
-          <a:lstStyle/>
-          <a:p>
-            <a:r>
-              <a:rPr lang="en-US" sz="1200" dirty="0"/>
-              <a:t>LCD</a:t>
-            </a:r>
-            <a:endParaRPr lang="LID4096" sz="1200" dirty="0"/>
-          </a:p>
-        </p:txBody>
-      </p:sp>
-      <p:sp>
-        <p:nvSpPr>
-          <p:cNvPr id="99" name="TextBox 98">
-            <a:extLst>
-              <a:ext uri="{FF2B5EF4-FFF2-40B4-BE49-F238E27FC236}">
-                <a16:creationId xmlns:a16="http://schemas.microsoft.com/office/drawing/2014/main" id="{F72079C1-336F-4EBE-B2AD-1DE5ADEFD1EE}"/>
-              </a:ext>
-            </a:extLst>
-          </p:cNvPr>
-          <p:cNvSpPr txBox="1"/>
-          <p:nvPr/>
-        </p:nvSpPr>
-        <p:spPr>
-          <a:xfrm>
-            <a:off x="9783233" y="941502"/>
-            <a:ext cx="1095172" cy="276999"/>
-          </a:xfrm>
-          <a:prstGeom prst="rect">
-            <a:avLst/>
-          </a:prstGeom>
-          <a:noFill/>
-        </p:spPr>
-        <p:txBody>
-          <a:bodyPr wrap="none" rtlCol="0">
-            <a:spAutoFit/>
-          </a:bodyPr>
-          <a:lstStyle/>
-          <a:p>
-            <a:r>
-              <a:rPr lang="en-US" sz="1200" dirty="0"/>
-              <a:t>Motion sensor</a:t>
-            </a:r>
-            <a:endParaRPr lang="LID4096" sz="1200" dirty="0"/>
+              <a:rPr lang="en-US" sz="1400">
+                <a:solidFill>
+                  <a:schemeClr val="tx1">
+                    <a:lumMod val="50000"/>
+                    <a:lumOff val="50000"/>
+                  </a:schemeClr>
+                </a:solidFill>
+              </a:rPr>
+              <a:t>c</a:t>
+            </a:r>
+            <a:r>
+              <a:rPr lang="en-US" sz="1400" dirty="0">
+                <a:solidFill>
+                  <a:schemeClr val="tx1">
+                    <a:lumMod val="50000"/>
+                    <a:lumOff val="50000"/>
+                  </a:schemeClr>
+                </a:solidFill>
+              </a:rPr>
+              <a:t>ontroller</a:t>
+            </a:r>
+            <a:r>
+              <a:rPr lang="en-US" sz="1400">
+                <a:solidFill>
+                  <a:schemeClr val="tx1">
+                    <a:lumMod val="50000"/>
+                    <a:lumOff val="50000"/>
+                  </a:schemeClr>
+                </a:solidFill>
+              </a:rPr>
+              <a:t>.py</a:t>
+            </a:r>
+            <a:endParaRPr lang="LID4096" sz="1400" dirty="0">
+              <a:solidFill>
+                <a:schemeClr val="tx1">
+                  <a:lumMod val="50000"/>
+                  <a:lumOff val="50000"/>
+                </a:schemeClr>
+              </a:solidFill>
+            </a:endParaRPr>
           </a:p>
         </p:txBody>
       </p:sp>
       <p:cxnSp>
         <p:nvCxnSpPr>
-          <p:cNvPr id="100" name="Straight Connector 99">
-            <a:extLst>
-              <a:ext uri="{FF2B5EF4-FFF2-40B4-BE49-F238E27FC236}">
-                <a16:creationId xmlns:a16="http://schemas.microsoft.com/office/drawing/2014/main" id="{9387BE4D-D23B-4CA6-931C-68DCA3CD30B7}"/>
+          <p:cNvPr id="137" name="Connector: Elbow 136">
+            <a:extLst>
+              <a:ext uri="{FF2B5EF4-FFF2-40B4-BE49-F238E27FC236}">
+                <a16:creationId xmlns:a16="http://schemas.microsoft.com/office/drawing/2014/main" id="{F28D51BA-AE00-4EAC-B683-88C27885163A}"/>
               </a:ext>
             </a:extLst>
           </p:cNvPr>
           <p:cNvCxnSpPr>
             <a:cxnSpLocks/>
-            <a:stCxn id="5" idx="3"/>
-            <a:endCxn id="96" idx="2"/>
+            <a:stCxn id="4" idx="3"/>
+            <a:endCxn id="7" idx="3"/>
           </p:cNvCxnSpPr>
           <p:nvPr/>
         </p:nvCxnSpPr>
         <p:spPr>
-          <a:xfrm flipV="1">
-            <a:off x="5334000" y="445008"/>
-            <a:ext cx="4194047" cy="1054608"/>
-          </a:xfrm>
-          <a:prstGeom prst="line">
-            <a:avLst/>
+          <a:xfrm flipH="1" flipV="1">
+            <a:off x="3023276" y="2605741"/>
+            <a:ext cx="360432" cy="492"/>
+          </a:xfrm>
+          <a:prstGeom prst="bentConnector3">
+            <a:avLst>
+              <a:gd name="adj1" fmla="val 52705"/>
+            </a:avLst>
           </a:prstGeom>
+          <a:ln w="12700">
+            <a:solidFill>
+              <a:schemeClr val="tx1"/>
+            </a:solidFill>
+            <a:prstDash val="dash"/>
+          </a:ln>
         </p:spPr>
         <p:style>
           <a:lnRef idx="1">
@@ -5744,28 +5438,460 @@
       </p:cxnSp>
       <p:cxnSp>
         <p:nvCxnSpPr>
-          <p:cNvPr id="103" name="Straight Connector 102">
-            <a:extLst>
-              <a:ext uri="{FF2B5EF4-FFF2-40B4-BE49-F238E27FC236}">
-                <a16:creationId xmlns:a16="http://schemas.microsoft.com/office/drawing/2014/main" id="{8CD8EC2E-A51C-4DF9-BD6F-4975840BD2B6}"/>
+          <p:cNvPr id="151" name="Connector: Elbow 150">
+            <a:extLst>
+              <a:ext uri="{FF2B5EF4-FFF2-40B4-BE49-F238E27FC236}">
+                <a16:creationId xmlns:a16="http://schemas.microsoft.com/office/drawing/2014/main" id="{508D9B31-3EF3-43CE-8C95-26EAA8AB474D}"/>
               </a:ext>
             </a:extLst>
           </p:cNvPr>
           <p:cNvCxnSpPr>
             <a:cxnSpLocks/>
-            <a:stCxn id="5" idx="3"/>
-            <a:endCxn id="97" idx="2"/>
+            <a:stCxn id="5" idx="1"/>
+            <a:endCxn id="135" idx="1"/>
           </p:cNvCxnSpPr>
           <p:nvPr/>
         </p:nvCxnSpPr>
         <p:spPr>
-          <a:xfrm flipV="1">
-            <a:off x="5334000" y="1091184"/>
-            <a:ext cx="4194047" cy="408432"/>
-          </a:xfrm>
-          <a:prstGeom prst="line">
+          <a:xfrm rot="10800000" flipH="1" flipV="1">
+            <a:off x="6088872" y="2604496"/>
+            <a:ext cx="507694" cy="677876"/>
+          </a:xfrm>
+          <a:prstGeom prst="bentConnector3">
+            <a:avLst>
+              <a:gd name="adj1" fmla="val 42491"/>
+            </a:avLst>
+          </a:prstGeom>
+          <a:ln w="12700">
+            <a:solidFill>
+              <a:schemeClr val="tx1"/>
+            </a:solidFill>
+            <a:prstDash val="dash"/>
+          </a:ln>
+        </p:spPr>
+        <p:style>
+          <a:lnRef idx="1">
+            <a:schemeClr val="accent1"/>
+          </a:lnRef>
+          <a:fillRef idx="0">
+            <a:schemeClr val="accent1"/>
+          </a:fillRef>
+          <a:effectRef idx="0">
+            <a:schemeClr val="accent1"/>
+          </a:effectRef>
+          <a:fontRef idx="minor">
+            <a:schemeClr val="tx1"/>
+          </a:fontRef>
+        </p:style>
+      </p:cxnSp>
+      <p:sp>
+        <p:nvSpPr>
+          <p:cNvPr id="159" name="Rectangle 158">
+            <a:extLst>
+              <a:ext uri="{FF2B5EF4-FFF2-40B4-BE49-F238E27FC236}">
+                <a16:creationId xmlns:a16="http://schemas.microsoft.com/office/drawing/2014/main" id="{ADFBC12F-91C4-492B-9377-E0EFFBFA7AFA}"/>
+              </a:ext>
+            </a:extLst>
+          </p:cNvPr>
+          <p:cNvSpPr/>
+          <p:nvPr/>
+        </p:nvSpPr>
+        <p:spPr>
+          <a:xfrm>
+            <a:off x="8266452" y="2979718"/>
+            <a:ext cx="1279741" cy="605307"/>
+          </a:xfrm>
+          <a:prstGeom prst="rect">
             <a:avLst/>
           </a:prstGeom>
+          <a:solidFill>
+            <a:schemeClr val="accent1">
+              <a:lumMod val="20000"/>
+              <a:lumOff val="80000"/>
+            </a:schemeClr>
+          </a:solidFill>
+        </p:spPr>
+        <p:style>
+          <a:lnRef idx="2">
+            <a:schemeClr val="accent1">
+              <a:shade val="50000"/>
+            </a:schemeClr>
+          </a:lnRef>
+          <a:fillRef idx="1">
+            <a:schemeClr val="accent1"/>
+          </a:fillRef>
+          <a:effectRef idx="0">
+            <a:schemeClr val="accent1"/>
+          </a:effectRef>
+          <a:fontRef idx="minor">
+            <a:schemeClr val="lt1"/>
+          </a:fontRef>
+        </p:style>
+        <p:txBody>
+          <a:bodyPr rot="0" spcFirstLastPara="0" vertOverflow="overflow" horzOverflow="overflow" vert="horz" wrap="square" lIns="91440" tIns="45720" rIns="91440" bIns="45720" numCol="1" spcCol="0" rtlCol="0" fromWordArt="0" anchor="ctr" anchorCtr="0" forceAA="0" compatLnSpc="1">
+            <a:prstTxWarp prst="textNoShape">
+              <a:avLst/>
+            </a:prstTxWarp>
+            <a:noAutofit/>
+          </a:bodyPr>
+          <a:lstStyle/>
+          <a:p>
+            <a:pPr algn="ctr"/>
+            <a:r>
+              <a:rPr lang="en-US" sz="1400" dirty="0">
+                <a:solidFill>
+                  <a:schemeClr val="tx1">
+                    <a:lumMod val="50000"/>
+                    <a:lumOff val="50000"/>
+                  </a:schemeClr>
+                </a:solidFill>
+              </a:rPr>
+              <a:t>chamber.py</a:t>
+            </a:r>
+            <a:endParaRPr lang="LID4096" sz="1400" dirty="0">
+              <a:solidFill>
+                <a:schemeClr val="tx1">
+                  <a:lumMod val="50000"/>
+                  <a:lumOff val="50000"/>
+                </a:schemeClr>
+              </a:solidFill>
+            </a:endParaRPr>
+          </a:p>
+        </p:txBody>
+      </p:sp>
+      <p:sp>
+        <p:nvSpPr>
+          <p:cNvPr id="160" name="Rectangle 159">
+            <a:extLst>
+              <a:ext uri="{FF2B5EF4-FFF2-40B4-BE49-F238E27FC236}">
+                <a16:creationId xmlns:a16="http://schemas.microsoft.com/office/drawing/2014/main" id="{DCF63F1A-7B3A-4FA0-BA47-1E121BE2CB0A}"/>
+              </a:ext>
+            </a:extLst>
+          </p:cNvPr>
+          <p:cNvSpPr/>
+          <p:nvPr/>
+        </p:nvSpPr>
+        <p:spPr>
+          <a:xfrm>
+            <a:off x="6596565" y="1926770"/>
+            <a:ext cx="1279741" cy="605307"/>
+          </a:xfrm>
+          <a:prstGeom prst="rect">
+            <a:avLst/>
+          </a:prstGeom>
+          <a:solidFill>
+            <a:schemeClr val="accent1">
+              <a:lumMod val="20000"/>
+              <a:lumOff val="80000"/>
+            </a:schemeClr>
+          </a:solidFill>
+        </p:spPr>
+        <p:style>
+          <a:lnRef idx="2">
+            <a:schemeClr val="accent1">
+              <a:shade val="50000"/>
+            </a:schemeClr>
+          </a:lnRef>
+          <a:fillRef idx="1">
+            <a:schemeClr val="accent1"/>
+          </a:fillRef>
+          <a:effectRef idx="0">
+            <a:schemeClr val="accent1"/>
+          </a:effectRef>
+          <a:fontRef idx="minor">
+            <a:schemeClr val="lt1"/>
+          </a:fontRef>
+        </p:style>
+        <p:txBody>
+          <a:bodyPr rot="0" spcFirstLastPara="0" vertOverflow="overflow" horzOverflow="overflow" vert="horz" wrap="square" lIns="91440" tIns="45720" rIns="91440" bIns="45720" numCol="1" spcCol="0" rtlCol="0" fromWordArt="0" anchor="ctr" anchorCtr="0" forceAA="0" compatLnSpc="1">
+            <a:prstTxWarp prst="textNoShape">
+              <a:avLst/>
+            </a:prstTxWarp>
+            <a:noAutofit/>
+          </a:bodyPr>
+          <a:lstStyle/>
+          <a:p>
+            <a:pPr algn="ctr"/>
+            <a:r>
+              <a:rPr lang="en-US" sz="1400" dirty="0">
+                <a:solidFill>
+                  <a:schemeClr val="tx1">
+                    <a:lumMod val="50000"/>
+                    <a:lumOff val="50000"/>
+                  </a:schemeClr>
+                </a:solidFill>
+              </a:rPr>
+              <a:t>tilt.py</a:t>
+            </a:r>
+            <a:endParaRPr lang="LID4096" sz="1400" dirty="0">
+              <a:solidFill>
+                <a:schemeClr val="tx1">
+                  <a:lumMod val="50000"/>
+                  <a:lumOff val="50000"/>
+                </a:schemeClr>
+              </a:solidFill>
+            </a:endParaRPr>
+          </a:p>
+        </p:txBody>
+      </p:sp>
+      <p:sp>
+        <p:nvSpPr>
+          <p:cNvPr id="166" name="Rectangle 165">
+            <a:extLst>
+              <a:ext uri="{FF2B5EF4-FFF2-40B4-BE49-F238E27FC236}">
+                <a16:creationId xmlns:a16="http://schemas.microsoft.com/office/drawing/2014/main" id="{32250086-BDEC-48EB-91E8-463F167DE1B0}"/>
+              </a:ext>
+            </a:extLst>
+          </p:cNvPr>
+          <p:cNvSpPr/>
+          <p:nvPr/>
+        </p:nvSpPr>
+        <p:spPr>
+          <a:xfrm>
+            <a:off x="8266451" y="1925795"/>
+            <a:ext cx="1279741" cy="605307"/>
+          </a:xfrm>
+          <a:prstGeom prst="rect">
+            <a:avLst/>
+          </a:prstGeom>
+          <a:solidFill>
+            <a:schemeClr val="accent1">
+              <a:lumMod val="20000"/>
+              <a:lumOff val="80000"/>
+            </a:schemeClr>
+          </a:solidFill>
+        </p:spPr>
+        <p:style>
+          <a:lnRef idx="2">
+            <a:schemeClr val="accent1">
+              <a:shade val="50000"/>
+            </a:schemeClr>
+          </a:lnRef>
+          <a:fillRef idx="1">
+            <a:schemeClr val="accent1"/>
+          </a:fillRef>
+          <a:effectRef idx="0">
+            <a:schemeClr val="accent1"/>
+          </a:effectRef>
+          <a:fontRef idx="minor">
+            <a:schemeClr val="lt1"/>
+          </a:fontRef>
+        </p:style>
+        <p:txBody>
+          <a:bodyPr rot="0" spcFirstLastPara="0" vertOverflow="overflow" horzOverflow="overflow" vert="horz" wrap="square" lIns="91440" tIns="45720" rIns="91440" bIns="45720" numCol="1" spcCol="0" rtlCol="0" fromWordArt="0" anchor="ctr" anchorCtr="0" forceAA="0" compatLnSpc="1">
+            <a:prstTxWarp prst="textNoShape">
+              <a:avLst/>
+            </a:prstTxWarp>
+            <a:noAutofit/>
+          </a:bodyPr>
+          <a:lstStyle/>
+          <a:p>
+            <a:pPr algn="ctr"/>
+            <a:r>
+              <a:rPr lang="en-US" sz="1400" dirty="0">
+                <a:solidFill>
+                  <a:schemeClr val="tx1">
+                    <a:lumMod val="50000"/>
+                    <a:lumOff val="50000"/>
+                  </a:schemeClr>
+                </a:solidFill>
+              </a:rPr>
+              <a:t>interface.py</a:t>
+            </a:r>
+            <a:endParaRPr lang="LID4096" sz="1400" dirty="0">
+              <a:solidFill>
+                <a:schemeClr val="tx1">
+                  <a:lumMod val="50000"/>
+                  <a:lumOff val="50000"/>
+                </a:schemeClr>
+              </a:solidFill>
+            </a:endParaRPr>
+          </a:p>
+        </p:txBody>
+      </p:sp>
+      <p:sp>
+        <p:nvSpPr>
+          <p:cNvPr id="168" name="Rectangle 167">
+            <a:extLst>
+              <a:ext uri="{FF2B5EF4-FFF2-40B4-BE49-F238E27FC236}">
+                <a16:creationId xmlns:a16="http://schemas.microsoft.com/office/drawing/2014/main" id="{C7C53D94-9529-4330-981D-12E0AFC6ECB1}"/>
+              </a:ext>
+            </a:extLst>
+          </p:cNvPr>
+          <p:cNvSpPr/>
+          <p:nvPr/>
+        </p:nvSpPr>
+        <p:spPr>
+          <a:xfrm>
+            <a:off x="9936337" y="2979718"/>
+            <a:ext cx="1279741" cy="605307"/>
+          </a:xfrm>
+          <a:prstGeom prst="rect">
+            <a:avLst/>
+          </a:prstGeom>
+          <a:solidFill>
+            <a:schemeClr val="accent1">
+              <a:lumMod val="20000"/>
+              <a:lumOff val="80000"/>
+            </a:schemeClr>
+          </a:solidFill>
+        </p:spPr>
+        <p:style>
+          <a:lnRef idx="2">
+            <a:schemeClr val="accent1">
+              <a:shade val="50000"/>
+            </a:schemeClr>
+          </a:lnRef>
+          <a:fillRef idx="1">
+            <a:schemeClr val="accent1"/>
+          </a:fillRef>
+          <a:effectRef idx="0">
+            <a:schemeClr val="accent1"/>
+          </a:effectRef>
+          <a:fontRef idx="minor">
+            <a:schemeClr val="lt1"/>
+          </a:fontRef>
+        </p:style>
+        <p:txBody>
+          <a:bodyPr rot="0" spcFirstLastPara="0" vertOverflow="overflow" horzOverflow="overflow" vert="horz" wrap="square" lIns="91440" tIns="45720" rIns="91440" bIns="45720" numCol="1" spcCol="0" rtlCol="0" fromWordArt="0" anchor="ctr" anchorCtr="0" forceAA="0" compatLnSpc="1">
+            <a:prstTxWarp prst="textNoShape">
+              <a:avLst/>
+            </a:prstTxWarp>
+            <a:noAutofit/>
+          </a:bodyPr>
+          <a:lstStyle/>
+          <a:p>
+            <a:pPr algn="ctr"/>
+            <a:r>
+              <a:rPr lang="en-US" sz="1400" dirty="0">
+                <a:solidFill>
+                  <a:schemeClr val="tx1">
+                    <a:lumMod val="50000"/>
+                    <a:lumOff val="50000"/>
+                  </a:schemeClr>
+                </a:solidFill>
+              </a:rPr>
+              <a:t>brewfather.py</a:t>
+            </a:r>
+            <a:endParaRPr lang="LID4096" sz="1400" dirty="0">
+              <a:solidFill>
+                <a:schemeClr val="tx1">
+                  <a:lumMod val="50000"/>
+                  <a:lumOff val="50000"/>
+                </a:schemeClr>
+              </a:solidFill>
+            </a:endParaRPr>
+          </a:p>
+        </p:txBody>
+      </p:sp>
+      <p:sp>
+        <p:nvSpPr>
+          <p:cNvPr id="169" name="Rectangle 168">
+            <a:extLst>
+              <a:ext uri="{FF2B5EF4-FFF2-40B4-BE49-F238E27FC236}">
+                <a16:creationId xmlns:a16="http://schemas.microsoft.com/office/drawing/2014/main" id="{A07D47E8-DCA1-4EEB-9897-627C340B5C26}"/>
+              </a:ext>
+            </a:extLst>
+          </p:cNvPr>
+          <p:cNvSpPr/>
+          <p:nvPr/>
+        </p:nvSpPr>
+        <p:spPr>
+          <a:xfrm>
+            <a:off x="9930081" y="1925795"/>
+            <a:ext cx="1279741" cy="605307"/>
+          </a:xfrm>
+          <a:prstGeom prst="rect">
+            <a:avLst/>
+          </a:prstGeom>
+          <a:solidFill>
+            <a:schemeClr val="accent1">
+              <a:lumMod val="20000"/>
+              <a:lumOff val="80000"/>
+            </a:schemeClr>
+          </a:solidFill>
+          <a:ln w="38100"/>
+        </p:spPr>
+        <p:style>
+          <a:lnRef idx="2">
+            <a:schemeClr val="accent1">
+              <a:shade val="50000"/>
+            </a:schemeClr>
+          </a:lnRef>
+          <a:fillRef idx="1">
+            <a:schemeClr val="accent1"/>
+          </a:fillRef>
+          <a:effectRef idx="0">
+            <a:schemeClr val="accent1"/>
+          </a:effectRef>
+          <a:fontRef idx="minor">
+            <a:schemeClr val="lt1"/>
+          </a:fontRef>
+        </p:style>
+        <p:txBody>
+          <a:bodyPr rot="0" spcFirstLastPara="0" vertOverflow="overflow" horzOverflow="overflow" vert="horz" wrap="square" lIns="91440" tIns="45720" rIns="91440" bIns="45720" numCol="1" spcCol="0" rtlCol="0" fromWordArt="0" anchor="ctr" anchorCtr="0" forceAA="0" compatLnSpc="1">
+            <a:prstTxWarp prst="textNoShape">
+              <a:avLst/>
+            </a:prstTxWarp>
+            <a:noAutofit/>
+          </a:bodyPr>
+          <a:lstStyle/>
+          <a:p>
+            <a:pPr algn="ctr"/>
+            <a:r>
+              <a:rPr lang="en-US" sz="1400" dirty="0">
+                <a:solidFill>
+                  <a:schemeClr val="tx1">
+                    <a:lumMod val="50000"/>
+                    <a:lumOff val="50000"/>
+                  </a:schemeClr>
+                </a:solidFill>
+              </a:rPr>
+              <a:t>fermonitor.py</a:t>
+            </a:r>
+            <a:endParaRPr lang="LID4096" sz="1400" dirty="0">
+              <a:solidFill>
+                <a:schemeClr val="tx1">
+                  <a:lumMod val="50000"/>
+                  <a:lumOff val="50000"/>
+                </a:schemeClr>
+              </a:solidFill>
+            </a:endParaRPr>
+          </a:p>
+        </p:txBody>
+      </p:sp>
+      <p:cxnSp>
+        <p:nvCxnSpPr>
+          <p:cNvPr id="170" name="Connector: Elbow 169">
+            <a:extLst>
+              <a:ext uri="{FF2B5EF4-FFF2-40B4-BE49-F238E27FC236}">
+                <a16:creationId xmlns:a16="http://schemas.microsoft.com/office/drawing/2014/main" id="{00BE382D-27EF-4DE7-A14D-55B78398785E}"/>
+              </a:ext>
+            </a:extLst>
+          </p:cNvPr>
+          <p:cNvCxnSpPr>
+            <a:cxnSpLocks/>
+            <a:stCxn id="4" idx="2"/>
+            <a:endCxn id="7" idx="2"/>
+          </p:cNvCxnSpPr>
+          <p:nvPr/>
+        </p:nvCxnSpPr>
+        <p:spPr>
+          <a:xfrm rot="5400000" flipH="1">
+            <a:off x="1918593" y="3075391"/>
+            <a:ext cx="388212" cy="1229"/>
+          </a:xfrm>
+          <a:prstGeom prst="bentConnector3">
+            <a:avLst>
+              <a:gd name="adj1" fmla="val -58885"/>
+            </a:avLst>
+          </a:prstGeom>
+          <a:ln w="12700">
+            <a:solidFill>
+              <a:schemeClr val="tx1"/>
+            </a:solidFill>
+            <a:prstDash val="dash"/>
+          </a:ln>
         </p:spPr>
         <p:style>
           <a:lnRef idx="1">
@@ -5784,32 +5910,32 @@
       </p:cxnSp>
       <p:cxnSp>
         <p:nvCxnSpPr>
-          <p:cNvPr id="108" name="Straight Connector 107">
-            <a:extLst>
-              <a:ext uri="{FF2B5EF4-FFF2-40B4-BE49-F238E27FC236}">
-                <a16:creationId xmlns:a16="http://schemas.microsoft.com/office/drawing/2014/main" id="{63A98194-0068-41E1-BE3B-5EFC6BF0256D}"/>
+          <p:cNvPr id="177" name="Connector: Elbow 176">
+            <a:extLst>
+              <a:ext uri="{FF2B5EF4-FFF2-40B4-BE49-F238E27FC236}">
+                <a16:creationId xmlns:a16="http://schemas.microsoft.com/office/drawing/2014/main" id="{17643E78-A17D-4491-93C1-BEB4F2B9AA0E}"/>
               </a:ext>
             </a:extLst>
           </p:cNvPr>
           <p:cNvCxnSpPr>
             <a:cxnSpLocks/>
-            <a:endCxn id="109" idx="0"/>
+            <a:stCxn id="169" idx="2"/>
+            <a:endCxn id="159" idx="0"/>
           </p:cNvCxnSpPr>
           <p:nvPr/>
         </p:nvCxnSpPr>
         <p:spPr>
-          <a:xfrm flipH="1">
-            <a:off x="8758642" y="1021755"/>
-            <a:ext cx="3046" cy="216050"/>
-          </a:xfrm>
-          <a:prstGeom prst="line">
-            <a:avLst/>
+          <a:xfrm rot="5400000">
+            <a:off x="9513830" y="1923596"/>
+            <a:ext cx="448616" cy="1663629"/>
+          </a:xfrm>
+          <a:prstGeom prst="bentConnector3">
+            <a:avLst>
+              <a:gd name="adj1" fmla="val 67225"/>
+            </a:avLst>
           </a:prstGeom>
           <a:ln>
-            <a:solidFill>
-              <a:srgbClr val="FF0000"/>
-            </a:solidFill>
-            <a:prstDash val="lgDash"/>
+            <a:tailEnd type="triangle"/>
           </a:ln>
         </p:spPr>
         <p:style>
@@ -5827,78 +5953,34 @@
           </a:fontRef>
         </p:style>
       </p:cxnSp>
-      <p:sp>
-        <p:nvSpPr>
-          <p:cNvPr id="109" name="TextBox 108">
-            <a:extLst>
-              <a:ext uri="{FF2B5EF4-FFF2-40B4-BE49-F238E27FC236}">
-                <a16:creationId xmlns:a16="http://schemas.microsoft.com/office/drawing/2014/main" id="{D3529C6F-95E4-48A2-89D5-130A5ADA9990}"/>
-              </a:ext>
-            </a:extLst>
-          </p:cNvPr>
-          <p:cNvSpPr txBox="1"/>
-          <p:nvPr/>
-        </p:nvSpPr>
-        <p:spPr>
-          <a:xfrm>
-            <a:off x="8506810" y="1237805"/>
-            <a:ext cx="503664" cy="276999"/>
-          </a:xfrm>
-          <a:prstGeom prst="rect">
-            <a:avLst/>
-          </a:prstGeom>
-          <a:noFill/>
-        </p:spPr>
-        <p:txBody>
-          <a:bodyPr wrap="none" rtlCol="0">
-            <a:spAutoFit/>
-          </a:bodyPr>
-          <a:lstStyle/>
-          <a:p>
-            <a:r>
-              <a:rPr lang="en-US" sz="1200" dirty="0">
-                <a:solidFill>
-                  <a:srgbClr val="FF0000"/>
-                </a:solidFill>
-              </a:rPr>
-              <a:t>GPIO</a:t>
-            </a:r>
-            <a:endParaRPr lang="LID4096" sz="1200" dirty="0">
-              <a:solidFill>
-                <a:srgbClr val="FF0000"/>
-              </a:solidFill>
-            </a:endParaRPr>
-          </a:p>
-        </p:txBody>
-      </p:sp>
       <p:cxnSp>
         <p:nvCxnSpPr>
-          <p:cNvPr id="110" name="Straight Connector 109">
-            <a:extLst>
-              <a:ext uri="{FF2B5EF4-FFF2-40B4-BE49-F238E27FC236}">
-                <a16:creationId xmlns:a16="http://schemas.microsoft.com/office/drawing/2014/main" id="{21E8E606-F54D-4D7D-8110-6C4F7CC0EFD5}"/>
+          <p:cNvPr id="180" name="Connector: Elbow 179">
+            <a:extLst>
+              <a:ext uri="{FF2B5EF4-FFF2-40B4-BE49-F238E27FC236}">
+                <a16:creationId xmlns:a16="http://schemas.microsoft.com/office/drawing/2014/main" id="{4CF0D744-5212-48E6-8B44-FBB6EB48E8F4}"/>
               </a:ext>
             </a:extLst>
           </p:cNvPr>
           <p:cNvCxnSpPr>
             <a:cxnSpLocks/>
-            <a:stCxn id="111" idx="2"/>
+            <a:stCxn id="169" idx="2"/>
+            <a:endCxn id="168" idx="0"/>
           </p:cNvCxnSpPr>
           <p:nvPr/>
         </p:nvCxnSpPr>
         <p:spPr>
-          <a:xfrm flipH="1">
-            <a:off x="8755596" y="496054"/>
-            <a:ext cx="3046" cy="251381"/>
-          </a:xfrm>
-          <a:prstGeom prst="line">
-            <a:avLst/>
+          <a:xfrm rot="16200000" flipH="1">
+            <a:off x="10348772" y="2752282"/>
+            <a:ext cx="448616" cy="6256"/>
+          </a:xfrm>
+          <a:prstGeom prst="bentConnector3">
+            <a:avLst>
+              <a:gd name="adj1" fmla="val 50000"/>
+            </a:avLst>
           </a:prstGeom>
           <a:ln>
-            <a:solidFill>
-              <a:srgbClr val="FF0000"/>
-            </a:solidFill>
-            <a:prstDash val="lgDash"/>
+            <a:tailEnd type="triangle"/>
           </a:ln>
         </p:spPr>
         <p:style>
@@ -5916,12 +5998,247 @@
           </a:fontRef>
         </p:style>
       </p:cxnSp>
-      <p:sp>
-        <p:nvSpPr>
-          <p:cNvPr id="111" name="TextBox 110">
-            <a:extLst>
-              <a:ext uri="{FF2B5EF4-FFF2-40B4-BE49-F238E27FC236}">
-                <a16:creationId xmlns:a16="http://schemas.microsoft.com/office/drawing/2014/main" id="{7FCC9ABA-6924-415C-A0D7-1884586B8083}"/>
+      <p:cxnSp>
+        <p:nvCxnSpPr>
+          <p:cNvPr id="184" name="Connector: Elbow 183">
+            <a:extLst>
+              <a:ext uri="{FF2B5EF4-FFF2-40B4-BE49-F238E27FC236}">
+                <a16:creationId xmlns:a16="http://schemas.microsoft.com/office/drawing/2014/main" id="{F0CAB0F0-5448-404B-92E1-BBF50E8E4D63}"/>
+              </a:ext>
+            </a:extLst>
+          </p:cNvPr>
+          <p:cNvCxnSpPr>
+            <a:cxnSpLocks/>
+            <a:stCxn id="169" idx="2"/>
+            <a:endCxn id="166" idx="2"/>
+          </p:cNvCxnSpPr>
+          <p:nvPr/>
+        </p:nvCxnSpPr>
+        <p:spPr>
+          <a:xfrm rot="5400000">
+            <a:off x="9738137" y="1699287"/>
+            <a:ext cx="12700" cy="1663630"/>
+          </a:xfrm>
+          <a:prstGeom prst="bentConnector3">
+            <a:avLst>
+              <a:gd name="adj1" fmla="val 1191543"/>
+            </a:avLst>
+          </a:prstGeom>
+          <a:ln>
+            <a:tailEnd type="triangle"/>
+          </a:ln>
+        </p:spPr>
+        <p:style>
+          <a:lnRef idx="1">
+            <a:schemeClr val="accent1"/>
+          </a:lnRef>
+          <a:fillRef idx="0">
+            <a:schemeClr val="accent1"/>
+          </a:fillRef>
+          <a:effectRef idx="0">
+            <a:schemeClr val="accent1"/>
+          </a:effectRef>
+          <a:fontRef idx="minor">
+            <a:schemeClr val="tx1"/>
+          </a:fontRef>
+        </p:style>
+      </p:cxnSp>
+      <p:cxnSp>
+        <p:nvCxnSpPr>
+          <p:cNvPr id="187" name="Connector: Elbow 186">
+            <a:extLst>
+              <a:ext uri="{FF2B5EF4-FFF2-40B4-BE49-F238E27FC236}">
+                <a16:creationId xmlns:a16="http://schemas.microsoft.com/office/drawing/2014/main" id="{90750EF3-58C4-43AE-84C8-7A119673A462}"/>
+              </a:ext>
+            </a:extLst>
+          </p:cNvPr>
+          <p:cNvCxnSpPr>
+            <a:cxnSpLocks/>
+            <a:stCxn id="169" idx="2"/>
+            <a:endCxn id="160" idx="3"/>
+          </p:cNvCxnSpPr>
+          <p:nvPr/>
+        </p:nvCxnSpPr>
+        <p:spPr>
+          <a:xfrm rot="5400000" flipH="1">
+            <a:off x="9072290" y="1033440"/>
+            <a:ext cx="301678" cy="2693646"/>
+          </a:xfrm>
+          <a:prstGeom prst="bentConnector4">
+            <a:avLst>
+              <a:gd name="adj1" fmla="val -73641"/>
+              <a:gd name="adj2" fmla="val 88891"/>
+            </a:avLst>
+          </a:prstGeom>
+          <a:ln>
+            <a:tailEnd type="triangle"/>
+          </a:ln>
+        </p:spPr>
+        <p:style>
+          <a:lnRef idx="1">
+            <a:schemeClr val="accent1"/>
+          </a:lnRef>
+          <a:fillRef idx="0">
+            <a:schemeClr val="accent1"/>
+          </a:fillRef>
+          <a:effectRef idx="0">
+            <a:schemeClr val="accent1"/>
+          </a:effectRef>
+          <a:fontRef idx="minor">
+            <a:schemeClr val="tx1"/>
+          </a:fontRef>
+        </p:style>
+      </p:cxnSp>
+      <p:cxnSp>
+        <p:nvCxnSpPr>
+          <p:cNvPr id="193" name="Straight Arrow Connector 192">
+            <a:extLst>
+              <a:ext uri="{FF2B5EF4-FFF2-40B4-BE49-F238E27FC236}">
+                <a16:creationId xmlns:a16="http://schemas.microsoft.com/office/drawing/2014/main" id="{BEF022BD-7390-4020-A33B-310EBA0B8DD2}"/>
+              </a:ext>
+            </a:extLst>
+          </p:cNvPr>
+          <p:cNvCxnSpPr>
+            <a:cxnSpLocks/>
+            <a:stCxn id="159" idx="1"/>
+            <a:endCxn id="135" idx="3"/>
+          </p:cNvCxnSpPr>
+          <p:nvPr/>
+        </p:nvCxnSpPr>
+        <p:spPr>
+          <a:xfrm flipH="1">
+            <a:off x="7876307" y="3282372"/>
+            <a:ext cx="390145" cy="0"/>
+          </a:xfrm>
+          <a:prstGeom prst="straightConnector1">
+            <a:avLst/>
+          </a:prstGeom>
+          <a:ln>
+            <a:tailEnd type="triangle"/>
+          </a:ln>
+        </p:spPr>
+        <p:style>
+          <a:lnRef idx="1">
+            <a:schemeClr val="accent1"/>
+          </a:lnRef>
+          <a:fillRef idx="0">
+            <a:schemeClr val="accent1"/>
+          </a:fillRef>
+          <a:effectRef idx="0">
+            <a:schemeClr val="accent1"/>
+          </a:effectRef>
+          <a:fontRef idx="minor">
+            <a:schemeClr val="tx1"/>
+          </a:fontRef>
+        </p:style>
+      </p:cxnSp>
+      <p:sp>
+        <p:nvSpPr>
+          <p:cNvPr id="199" name="Rectangle: Rounded Corners 198">
+            <a:extLst>
+              <a:ext uri="{FF2B5EF4-FFF2-40B4-BE49-F238E27FC236}">
+                <a16:creationId xmlns:a16="http://schemas.microsoft.com/office/drawing/2014/main" id="{CC2E42DD-81AF-4D34-9063-22D9CE3E86B5}"/>
+              </a:ext>
+            </a:extLst>
+          </p:cNvPr>
+          <p:cNvSpPr/>
+          <p:nvPr/>
+        </p:nvSpPr>
+        <p:spPr>
+          <a:xfrm>
+            <a:off x="1478114" y="574559"/>
+            <a:ext cx="1270395" cy="569423"/>
+          </a:xfrm>
+          <a:prstGeom prst="roundRect">
+            <a:avLst/>
+          </a:prstGeom>
+          <a:solidFill>
+            <a:schemeClr val="accent1">
+              <a:lumMod val="40000"/>
+              <a:lumOff val="60000"/>
+            </a:schemeClr>
+          </a:solidFill>
+        </p:spPr>
+        <p:style>
+          <a:lnRef idx="2">
+            <a:schemeClr val="accent1">
+              <a:shade val="50000"/>
+            </a:schemeClr>
+          </a:lnRef>
+          <a:fillRef idx="1">
+            <a:schemeClr val="accent1"/>
+          </a:fillRef>
+          <a:effectRef idx="0">
+            <a:schemeClr val="accent1"/>
+          </a:effectRef>
+          <a:fontRef idx="minor">
+            <a:schemeClr val="lt1"/>
+          </a:fontRef>
+        </p:style>
+        <p:txBody>
+          <a:bodyPr rtlCol="0" anchor="ctr"/>
+          <a:lstStyle/>
+          <a:p>
+            <a:pPr algn="ctr"/>
+            <a:r>
+              <a:rPr lang="en-US" dirty="0"/>
+              <a:t>Tilt</a:t>
+            </a:r>
+            <a:endParaRPr lang="LID4096" dirty="0"/>
+          </a:p>
+        </p:txBody>
+      </p:sp>
+      <p:cxnSp>
+        <p:nvCxnSpPr>
+          <p:cNvPr id="202" name="Connector: Elbow 201">
+            <a:extLst>
+              <a:ext uri="{FF2B5EF4-FFF2-40B4-BE49-F238E27FC236}">
+                <a16:creationId xmlns:a16="http://schemas.microsoft.com/office/drawing/2014/main" id="{81ABFC1A-A0B6-4DBC-B231-BCC985407698}"/>
+              </a:ext>
+            </a:extLst>
+          </p:cNvPr>
+          <p:cNvCxnSpPr>
+            <a:cxnSpLocks/>
+            <a:stCxn id="199" idx="3"/>
+            <a:endCxn id="160" idx="1"/>
+          </p:cNvCxnSpPr>
+          <p:nvPr/>
+        </p:nvCxnSpPr>
+        <p:spPr>
+          <a:xfrm>
+            <a:off x="2748509" y="859271"/>
+            <a:ext cx="3848056" cy="1370153"/>
+          </a:xfrm>
+          <a:prstGeom prst="bentConnector3">
+            <a:avLst>
+              <a:gd name="adj1" fmla="val 50000"/>
+            </a:avLst>
+          </a:prstGeom>
+          <a:ln>
+            <a:prstDash val="lgDash"/>
+          </a:ln>
+        </p:spPr>
+        <p:style>
+          <a:lnRef idx="1">
+            <a:schemeClr val="accent1"/>
+          </a:lnRef>
+          <a:fillRef idx="0">
+            <a:schemeClr val="accent1"/>
+          </a:fillRef>
+          <a:effectRef idx="0">
+            <a:schemeClr val="accent1"/>
+          </a:effectRef>
+          <a:fontRef idx="minor">
+            <a:schemeClr val="tx1"/>
+          </a:fontRef>
+        </p:style>
+      </p:cxnSp>
+      <p:sp>
+        <p:nvSpPr>
+          <p:cNvPr id="205" name="TextBox 204">
+            <a:extLst>
+              <a:ext uri="{FF2B5EF4-FFF2-40B4-BE49-F238E27FC236}">
+                <a16:creationId xmlns:a16="http://schemas.microsoft.com/office/drawing/2014/main" id="{F88E24DD-CB85-4EE2-BF2E-4999185CDC12}"/>
               </a:ext>
             </a:extLst>
           </p:cNvPr>
@@ -5930,8 +6247,522 @@
         </p:nvSpPr>
         <p:spPr>
           <a:xfrm>
-            <a:off x="8566923" y="219055"/>
-            <a:ext cx="383438" cy="276999"/>
+            <a:off x="3972532" y="669120"/>
+            <a:ext cx="1115755" cy="369332"/>
+          </a:xfrm>
+          <a:prstGeom prst="rect">
+            <a:avLst/>
+          </a:prstGeom>
+          <a:solidFill>
+            <a:schemeClr val="bg1"/>
+          </a:solidFill>
+        </p:spPr>
+        <p:txBody>
+          <a:bodyPr wrap="none" rtlCol="0">
+            <a:spAutoFit/>
+          </a:bodyPr>
+          <a:lstStyle/>
+          <a:p>
+            <a:r>
+              <a:rPr lang="en-US" dirty="0">
+                <a:solidFill>
+                  <a:schemeClr val="accent1"/>
+                </a:solidFill>
+              </a:rPr>
+              <a:t>Bluetooth</a:t>
+            </a:r>
+            <a:endParaRPr lang="LID4096" dirty="0">
+              <a:solidFill>
+                <a:schemeClr val="accent1"/>
+              </a:solidFill>
+            </a:endParaRPr>
+          </a:p>
+        </p:txBody>
+      </p:sp>
+      <p:grpSp>
+        <p:nvGrpSpPr>
+          <p:cNvPr id="208" name="Group 207">
+            <a:extLst>
+              <a:ext uri="{FF2B5EF4-FFF2-40B4-BE49-F238E27FC236}">
+                <a16:creationId xmlns:a16="http://schemas.microsoft.com/office/drawing/2014/main" id="{66CA29CA-6173-464D-8A88-1B5360AB73EF}"/>
+              </a:ext>
+            </a:extLst>
+          </p:cNvPr>
+          <p:cNvGrpSpPr/>
+          <p:nvPr/>
+        </p:nvGrpSpPr>
+        <p:grpSpPr>
+          <a:xfrm>
+            <a:off x="9474548" y="5151549"/>
+            <a:ext cx="2215414" cy="1313428"/>
+            <a:chOff x="9318048" y="5132231"/>
+            <a:chExt cx="2215414" cy="1313428"/>
+          </a:xfrm>
+        </p:grpSpPr>
+        <p:pic>
+          <p:nvPicPr>
+            <p:cNvPr id="206" name="Picture 205">
+              <a:extLst>
+                <a:ext uri="{FF2B5EF4-FFF2-40B4-BE49-F238E27FC236}">
+                  <a16:creationId xmlns:a16="http://schemas.microsoft.com/office/drawing/2014/main" id="{6AC09FE6-401B-40D4-B6B3-9391E0C9F837}"/>
+                </a:ext>
+              </a:extLst>
+            </p:cNvPr>
+            <p:cNvPicPr>
+              <a:picLocks noChangeAspect="1"/>
+            </p:cNvPicPr>
+            <p:nvPr/>
+          </p:nvPicPr>
+          <p:blipFill>
+            <a:blip r:embed="rId2"/>
+            <a:stretch>
+              <a:fillRect/>
+            </a:stretch>
+          </p:blipFill>
+          <p:spPr>
+            <a:xfrm>
+              <a:off x="9318048" y="5132231"/>
+              <a:ext cx="2215414" cy="1313428"/>
+            </a:xfrm>
+            <a:prstGeom prst="rect">
+              <a:avLst/>
+            </a:prstGeom>
+          </p:spPr>
+        </p:pic>
+        <p:sp>
+          <p:nvSpPr>
+            <p:cNvPr id="207" name="TextBox 206">
+              <a:extLst>
+                <a:ext uri="{FF2B5EF4-FFF2-40B4-BE49-F238E27FC236}">
+                  <a16:creationId xmlns:a16="http://schemas.microsoft.com/office/drawing/2014/main" id="{DCE5A9F8-5F2C-4302-A102-52CAE2181FB8}"/>
+                </a:ext>
+              </a:extLst>
+            </p:cNvPr>
+            <p:cNvSpPr txBox="1"/>
+            <p:nvPr/>
+          </p:nvSpPr>
+          <p:spPr>
+            <a:xfrm>
+              <a:off x="9891447" y="5604279"/>
+              <a:ext cx="1235788" cy="369332"/>
+            </a:xfrm>
+            <a:prstGeom prst="rect">
+              <a:avLst/>
+            </a:prstGeom>
+            <a:noFill/>
+          </p:spPr>
+          <p:txBody>
+            <a:bodyPr wrap="none" rtlCol="0">
+              <a:spAutoFit/>
+            </a:bodyPr>
+            <a:lstStyle/>
+            <a:p>
+              <a:r>
+                <a:rPr lang="en-US" dirty="0" err="1"/>
+                <a:t>Brewfather</a:t>
+              </a:r>
+              <a:endParaRPr lang="LID4096" dirty="0"/>
+            </a:p>
+          </p:txBody>
+        </p:sp>
+      </p:grpSp>
+      <p:cxnSp>
+        <p:nvCxnSpPr>
+          <p:cNvPr id="213" name="Straight Arrow Connector 212">
+            <a:extLst>
+              <a:ext uri="{FF2B5EF4-FFF2-40B4-BE49-F238E27FC236}">
+                <a16:creationId xmlns:a16="http://schemas.microsoft.com/office/drawing/2014/main" id="{3A4CCEE8-F70B-43EB-943C-4B423FF3ACAF}"/>
+              </a:ext>
+            </a:extLst>
+          </p:cNvPr>
+          <p:cNvCxnSpPr>
+            <a:endCxn id="206" idx="0"/>
+          </p:cNvCxnSpPr>
+          <p:nvPr/>
+        </p:nvCxnSpPr>
+        <p:spPr>
+          <a:xfrm>
+            <a:off x="10576302" y="3585025"/>
+            <a:ext cx="5953" cy="1566524"/>
+          </a:xfrm>
+          <a:prstGeom prst="straightConnector1">
+            <a:avLst/>
+          </a:prstGeom>
+          <a:ln>
+            <a:prstDash val="lgDash"/>
+            <a:tailEnd type="triangle"/>
+          </a:ln>
+        </p:spPr>
+        <p:style>
+          <a:lnRef idx="1">
+            <a:schemeClr val="accent1"/>
+          </a:lnRef>
+          <a:fillRef idx="0">
+            <a:schemeClr val="accent1"/>
+          </a:fillRef>
+          <a:effectRef idx="0">
+            <a:schemeClr val="accent1"/>
+          </a:effectRef>
+          <a:fontRef idx="minor">
+            <a:schemeClr val="tx1"/>
+          </a:fontRef>
+        </p:style>
+      </p:cxnSp>
+      <p:sp>
+        <p:nvSpPr>
+          <p:cNvPr id="214" name="TextBox 213">
+            <a:extLst>
+              <a:ext uri="{FF2B5EF4-FFF2-40B4-BE49-F238E27FC236}">
+                <a16:creationId xmlns:a16="http://schemas.microsoft.com/office/drawing/2014/main" id="{3BFEA7FD-7109-41E8-988E-228A7FDF358E}"/>
+              </a:ext>
+            </a:extLst>
+          </p:cNvPr>
+          <p:cNvSpPr txBox="1"/>
+          <p:nvPr/>
+        </p:nvSpPr>
+        <p:spPr>
+          <a:xfrm>
+            <a:off x="9674064" y="4155894"/>
+            <a:ext cx="1791773" cy="646331"/>
+          </a:xfrm>
+          <a:prstGeom prst="rect">
+            <a:avLst/>
+          </a:prstGeom>
+          <a:solidFill>
+            <a:schemeClr val="bg1"/>
+          </a:solidFill>
+        </p:spPr>
+        <p:txBody>
+          <a:bodyPr wrap="none" rtlCol="0">
+            <a:spAutoFit/>
+          </a:bodyPr>
+          <a:lstStyle/>
+          <a:p>
+            <a:pPr algn="ctr"/>
+            <a:r>
+              <a:rPr lang="en-US" dirty="0">
+                <a:solidFill>
+                  <a:schemeClr val="accent1"/>
+                </a:solidFill>
+              </a:rPr>
+              <a:t>JSON over IP</a:t>
+            </a:r>
+          </a:p>
+          <a:p>
+            <a:pPr algn="ctr"/>
+            <a:r>
+              <a:rPr lang="en-US" dirty="0">
+                <a:solidFill>
+                  <a:schemeClr val="accent1"/>
+                </a:solidFill>
+              </a:rPr>
+              <a:t>(</a:t>
+            </a:r>
+            <a:r>
+              <a:rPr lang="en-US" dirty="0" err="1">
+                <a:solidFill>
+                  <a:schemeClr val="accent1"/>
+                </a:solidFill>
+              </a:rPr>
+              <a:t>wifi</a:t>
+            </a:r>
+            <a:r>
+              <a:rPr lang="en-US" dirty="0">
+                <a:solidFill>
+                  <a:schemeClr val="accent1"/>
+                </a:solidFill>
+              </a:rPr>
+              <a:t> or Ethernet)</a:t>
+            </a:r>
+            <a:endParaRPr lang="LID4096" dirty="0">
+              <a:solidFill>
+                <a:schemeClr val="accent1"/>
+              </a:solidFill>
+            </a:endParaRPr>
+          </a:p>
+        </p:txBody>
+      </p:sp>
+      <p:cxnSp>
+        <p:nvCxnSpPr>
+          <p:cNvPr id="215" name="Connector: Elbow 214">
+            <a:extLst>
+              <a:ext uri="{FF2B5EF4-FFF2-40B4-BE49-F238E27FC236}">
+                <a16:creationId xmlns:a16="http://schemas.microsoft.com/office/drawing/2014/main" id="{E557668F-A5A1-426E-A412-C24F6049E47E}"/>
+              </a:ext>
+            </a:extLst>
+          </p:cNvPr>
+          <p:cNvCxnSpPr>
+            <a:cxnSpLocks/>
+            <a:stCxn id="95" idx="2"/>
+            <a:endCxn id="5" idx="0"/>
+          </p:cNvCxnSpPr>
+          <p:nvPr/>
+        </p:nvCxnSpPr>
+        <p:spPr>
+          <a:xfrm rot="5400000">
+            <a:off x="9096263" y="669784"/>
+            <a:ext cx="501751" cy="881232"/>
+          </a:xfrm>
+          <a:prstGeom prst="bentConnector3">
+            <a:avLst>
+              <a:gd name="adj1" fmla="val 50000"/>
+            </a:avLst>
+          </a:prstGeom>
+          <a:ln w="12700">
+            <a:solidFill>
+              <a:schemeClr val="tx1"/>
+            </a:solidFill>
+          </a:ln>
+        </p:spPr>
+        <p:style>
+          <a:lnRef idx="1">
+            <a:schemeClr val="accent1"/>
+          </a:lnRef>
+          <a:fillRef idx="0">
+            <a:schemeClr val="accent1"/>
+          </a:fillRef>
+          <a:effectRef idx="0">
+            <a:schemeClr val="accent1"/>
+          </a:effectRef>
+          <a:fontRef idx="minor">
+            <a:schemeClr val="tx1"/>
+          </a:fontRef>
+        </p:style>
+      </p:cxnSp>
+      <p:cxnSp>
+        <p:nvCxnSpPr>
+          <p:cNvPr id="218" name="Connector: Elbow 217">
+            <a:extLst>
+              <a:ext uri="{FF2B5EF4-FFF2-40B4-BE49-F238E27FC236}">
+                <a16:creationId xmlns:a16="http://schemas.microsoft.com/office/drawing/2014/main" id="{A2D2F8DD-5D21-4AEB-B2C3-40FD797313EC}"/>
+              </a:ext>
+            </a:extLst>
+          </p:cNvPr>
+          <p:cNvCxnSpPr>
+            <a:cxnSpLocks/>
+            <a:stCxn id="96" idx="2"/>
+            <a:endCxn id="5" idx="0"/>
+          </p:cNvCxnSpPr>
+          <p:nvPr/>
+        </p:nvCxnSpPr>
+        <p:spPr>
+          <a:xfrm rot="16200000" flipH="1">
+            <a:off x="8226656" y="681409"/>
+            <a:ext cx="503087" cy="856646"/>
+          </a:xfrm>
+          <a:prstGeom prst="bentConnector3">
+            <a:avLst>
+              <a:gd name="adj1" fmla="val 50000"/>
+            </a:avLst>
+          </a:prstGeom>
+          <a:ln w="12700">
+            <a:solidFill>
+              <a:schemeClr val="tx1"/>
+            </a:solidFill>
+          </a:ln>
+        </p:spPr>
+        <p:style>
+          <a:lnRef idx="1">
+            <a:schemeClr val="accent1"/>
+          </a:lnRef>
+          <a:fillRef idx="0">
+            <a:schemeClr val="accent1"/>
+          </a:fillRef>
+          <a:effectRef idx="0">
+            <a:schemeClr val="accent1"/>
+          </a:effectRef>
+          <a:fontRef idx="minor">
+            <a:schemeClr val="tx1"/>
+          </a:fontRef>
+        </p:style>
+      </p:cxnSp>
+      <p:cxnSp>
+        <p:nvCxnSpPr>
+          <p:cNvPr id="221" name="Connector: Elbow 220">
+            <a:extLst>
+              <a:ext uri="{FF2B5EF4-FFF2-40B4-BE49-F238E27FC236}">
+                <a16:creationId xmlns:a16="http://schemas.microsoft.com/office/drawing/2014/main" id="{DB782DF5-A9DA-4561-99AF-7E6AEE79834D}"/>
+              </a:ext>
+            </a:extLst>
+          </p:cNvPr>
+          <p:cNvCxnSpPr>
+            <a:cxnSpLocks/>
+            <a:stCxn id="166" idx="0"/>
+            <a:endCxn id="5" idx="0"/>
+          </p:cNvCxnSpPr>
+          <p:nvPr/>
+        </p:nvCxnSpPr>
+        <p:spPr>
+          <a:xfrm rot="5400000" flipH="1" flipV="1">
+            <a:off x="8624163" y="1643436"/>
+            <a:ext cx="564519" cy="200"/>
+          </a:xfrm>
+          <a:prstGeom prst="bentConnector3">
+            <a:avLst>
+              <a:gd name="adj1" fmla="val 140495"/>
+            </a:avLst>
+          </a:prstGeom>
+          <a:ln w="12700">
+            <a:solidFill>
+              <a:schemeClr val="tx1"/>
+            </a:solidFill>
+            <a:prstDash val="dash"/>
+          </a:ln>
+        </p:spPr>
+        <p:style>
+          <a:lnRef idx="1">
+            <a:schemeClr val="accent1"/>
+          </a:lnRef>
+          <a:fillRef idx="0">
+            <a:schemeClr val="accent1"/>
+          </a:fillRef>
+          <a:effectRef idx="0">
+            <a:schemeClr val="accent1"/>
+          </a:effectRef>
+          <a:fontRef idx="minor">
+            <a:schemeClr val="tx1"/>
+          </a:fontRef>
+        </p:style>
+      </p:cxnSp>
+      <p:cxnSp>
+        <p:nvCxnSpPr>
+          <p:cNvPr id="233" name="Connector: Elbow 232">
+            <a:extLst>
+              <a:ext uri="{FF2B5EF4-FFF2-40B4-BE49-F238E27FC236}">
+                <a16:creationId xmlns:a16="http://schemas.microsoft.com/office/drawing/2014/main" id="{C814B9E0-45B7-4401-B0DB-9D27BDDFBCF5}"/>
+              </a:ext>
+            </a:extLst>
+          </p:cNvPr>
+          <p:cNvCxnSpPr>
+            <a:cxnSpLocks/>
+            <a:stCxn id="159" idx="1"/>
+            <a:endCxn id="160" idx="3"/>
+          </p:cNvCxnSpPr>
+          <p:nvPr/>
+        </p:nvCxnSpPr>
+        <p:spPr>
+          <a:xfrm rot="10800000">
+            <a:off x="7876306" y="2229424"/>
+            <a:ext cx="390146" cy="1052948"/>
+          </a:xfrm>
+          <a:prstGeom prst="bentConnector3">
+            <a:avLst>
+              <a:gd name="adj1" fmla="val 50000"/>
+            </a:avLst>
+          </a:prstGeom>
+          <a:ln>
+            <a:tailEnd type="triangle"/>
+          </a:ln>
+        </p:spPr>
+        <p:style>
+          <a:lnRef idx="1">
+            <a:schemeClr val="accent1"/>
+          </a:lnRef>
+          <a:fillRef idx="0">
+            <a:schemeClr val="accent1"/>
+          </a:fillRef>
+          <a:effectRef idx="0">
+            <a:schemeClr val="accent1"/>
+          </a:effectRef>
+          <a:fontRef idx="minor">
+            <a:schemeClr val="tx1"/>
+          </a:fontRef>
+        </p:style>
+      </p:cxnSp>
+      <p:sp>
+        <p:nvSpPr>
+          <p:cNvPr id="248" name="TextBox 247">
+            <a:extLst>
+              <a:ext uri="{FF2B5EF4-FFF2-40B4-BE49-F238E27FC236}">
+                <a16:creationId xmlns:a16="http://schemas.microsoft.com/office/drawing/2014/main" id="{BB921C97-3A39-4CAE-ACAE-5ACA36DC6AF8}"/>
+              </a:ext>
+            </a:extLst>
+          </p:cNvPr>
+          <p:cNvSpPr txBox="1"/>
+          <p:nvPr/>
+        </p:nvSpPr>
+        <p:spPr>
+          <a:xfrm>
+            <a:off x="7750753" y="925066"/>
+            <a:ext cx="598241" cy="307777"/>
+          </a:xfrm>
+          <a:prstGeom prst="rect">
+            <a:avLst/>
+          </a:prstGeom>
+          <a:solidFill>
+            <a:schemeClr val="bg1"/>
+          </a:solidFill>
+        </p:spPr>
+        <p:txBody>
+          <a:bodyPr wrap="none" rtlCol="0">
+            <a:spAutoFit/>
+          </a:bodyPr>
+          <a:lstStyle/>
+          <a:p>
+            <a:pPr algn="ctr"/>
+            <a:r>
+              <a:rPr lang="en-US" sz="1400" dirty="0"/>
+              <a:t>pin17</a:t>
+            </a:r>
+            <a:endParaRPr lang="LID4096" sz="1400" dirty="0"/>
+          </a:p>
+        </p:txBody>
+      </p:sp>
+      <p:sp>
+        <p:nvSpPr>
+          <p:cNvPr id="249" name="TextBox 248">
+            <a:extLst>
+              <a:ext uri="{FF2B5EF4-FFF2-40B4-BE49-F238E27FC236}">
+                <a16:creationId xmlns:a16="http://schemas.microsoft.com/office/drawing/2014/main" id="{4CE2224F-4C19-41F2-9F80-25C7E6CC3757}"/>
+              </a:ext>
+            </a:extLst>
+          </p:cNvPr>
+          <p:cNvSpPr txBox="1"/>
+          <p:nvPr/>
+        </p:nvSpPr>
+        <p:spPr>
+          <a:xfrm>
+            <a:off x="9529588" y="940586"/>
+            <a:ext cx="417101" cy="307777"/>
+          </a:xfrm>
+          <a:prstGeom prst="rect">
+            <a:avLst/>
+          </a:prstGeom>
+          <a:solidFill>
+            <a:schemeClr val="bg1"/>
+          </a:solidFill>
+        </p:spPr>
+        <p:txBody>
+          <a:bodyPr wrap="none" rtlCol="0">
+            <a:spAutoFit/>
+          </a:bodyPr>
+          <a:lstStyle/>
+          <a:p>
+            <a:pPr algn="ctr"/>
+            <a:r>
+              <a:rPr lang="en-US" sz="1400" dirty="0"/>
+              <a:t>I2C</a:t>
+            </a:r>
+            <a:endParaRPr lang="LID4096" sz="1400" dirty="0"/>
+          </a:p>
+        </p:txBody>
+      </p:sp>
+      <p:sp>
+        <p:nvSpPr>
+          <p:cNvPr id="250" name="TextBox 249">
+            <a:extLst>
+              <a:ext uri="{FF2B5EF4-FFF2-40B4-BE49-F238E27FC236}">
+                <a16:creationId xmlns:a16="http://schemas.microsoft.com/office/drawing/2014/main" id="{21553ADB-C9C3-4DA3-872B-3D54FE06A9F8}"/>
+              </a:ext>
+            </a:extLst>
+          </p:cNvPr>
+          <p:cNvSpPr txBox="1"/>
+          <p:nvPr/>
+        </p:nvSpPr>
+        <p:spPr>
+          <a:xfrm>
+            <a:off x="6492675" y="1419254"/>
+            <a:ext cx="598242" cy="369332"/>
           </a:xfrm>
           <a:prstGeom prst="rect">
             <a:avLst/>
@@ -5944,26 +6775,507 @@
           </a:bodyPr>
           <a:lstStyle/>
           <a:p>
-            <a:r>
-              <a:rPr lang="en-US" sz="1200" dirty="0">
+            <a:pPr algn="ctr"/>
+            <a:r>
+              <a:rPr lang="en-US" dirty="0">
                 <a:solidFill>
-                  <a:srgbClr val="FF0000"/>
+                  <a:schemeClr val="bg1"/>
                 </a:solidFill>
               </a:rPr>
-              <a:t>I2C</a:t>
-            </a:r>
-            <a:endParaRPr lang="LID4096" sz="1200" dirty="0">
+              <a:t>RPi4</a:t>
+            </a:r>
+            <a:endParaRPr lang="LID4096" dirty="0">
+              <a:solidFill>
+                <a:schemeClr val="bg1"/>
+              </a:solidFill>
+            </a:endParaRPr>
+          </a:p>
+        </p:txBody>
+      </p:sp>
+    </p:spTree>
+    <p:extLst>
+      <p:ext uri="{BB962C8B-B14F-4D97-AF65-F5344CB8AC3E}">
+        <p14:creationId xmlns:p14="http://schemas.microsoft.com/office/powerpoint/2010/main" val="2258853100"/>
+      </p:ext>
+    </p:extLst>
+  </p:cSld>
+  <p:clrMapOvr>
+    <a:masterClrMapping/>
+  </p:clrMapOvr>
+</p:sld>
+</file>
+
+<file path=ppt/slides/slide2.xml><?xml version="1.0" encoding="utf-8"?>
+<p:sld xmlns:a="http://schemas.openxmlformats.org/drawingml/2006/main" xmlns:r="http://schemas.openxmlformats.org/officeDocument/2006/relationships" xmlns:p="http://schemas.openxmlformats.org/presentationml/2006/main">
+  <p:cSld>
+    <p:spTree>
+      <p:nvGrpSpPr>
+        <p:cNvPr id="1" name=""/>
+        <p:cNvGrpSpPr/>
+        <p:nvPr/>
+      </p:nvGrpSpPr>
+      <p:grpSpPr>
+        <a:xfrm>
+          <a:off x="0" y="0"/>
+          <a:ext cx="0" cy="0"/>
+          <a:chOff x="0" y="0"/>
+          <a:chExt cx="0" cy="0"/>
+        </a:xfrm>
+      </p:grpSpPr>
+      <p:sp>
+        <p:nvSpPr>
+          <p:cNvPr id="4" name="Rectangle: Folded Corner 3">
+            <a:extLst>
+              <a:ext uri="{FF2B5EF4-FFF2-40B4-BE49-F238E27FC236}">
+                <a16:creationId xmlns:a16="http://schemas.microsoft.com/office/drawing/2014/main" id="{8AB468BC-DABA-4363-86ED-08D000A35CEA}"/>
+              </a:ext>
+            </a:extLst>
+          </p:cNvPr>
+          <p:cNvSpPr/>
+          <p:nvPr/>
+        </p:nvSpPr>
+        <p:spPr>
+          <a:xfrm>
+            <a:off x="1308817" y="501849"/>
+            <a:ext cx="3958642" cy="4359926"/>
+          </a:xfrm>
+          <a:prstGeom prst="foldedCorner">
+            <a:avLst/>
+          </a:prstGeom>
+          <a:noFill/>
+        </p:spPr>
+        <p:style>
+          <a:lnRef idx="2">
+            <a:schemeClr val="accent1">
+              <a:shade val="50000"/>
+            </a:schemeClr>
+          </a:lnRef>
+          <a:fillRef idx="1">
+            <a:schemeClr val="accent1"/>
+          </a:fillRef>
+          <a:effectRef idx="0">
+            <a:schemeClr val="accent1"/>
+          </a:effectRef>
+          <a:fontRef idx="minor">
+            <a:schemeClr val="lt1"/>
+          </a:fontRef>
+        </p:style>
+        <p:txBody>
+          <a:bodyPr rtlCol="0" anchor="ctr"/>
+          <a:lstStyle/>
+          <a:p>
+            <a:pPr marL="285750" indent="-285750">
+              <a:buFont typeface="Arial" panose="020B0604020202020204" pitchFamily="34" charset="0"/>
+              <a:buChar char="•"/>
+            </a:pPr>
+            <a:endParaRPr lang="LID4096" sz="1600" dirty="0">
+              <a:solidFill>
+                <a:schemeClr val="bg1">
+                  <a:lumMod val="50000"/>
+                </a:schemeClr>
+              </a:solidFill>
+            </a:endParaRPr>
+          </a:p>
+        </p:txBody>
+      </p:sp>
+      <p:sp>
+        <p:nvSpPr>
+          <p:cNvPr id="6" name="Rectangle 5">
+            <a:extLst>
+              <a:ext uri="{FF2B5EF4-FFF2-40B4-BE49-F238E27FC236}">
+                <a16:creationId xmlns:a16="http://schemas.microsoft.com/office/drawing/2014/main" id="{4292E592-17F5-40AC-965E-4BDE529042DE}"/>
+              </a:ext>
+            </a:extLst>
+          </p:cNvPr>
+          <p:cNvSpPr/>
+          <p:nvPr/>
+        </p:nvSpPr>
+        <p:spPr>
+          <a:xfrm>
+            <a:off x="1473157" y="1109471"/>
+            <a:ext cx="3629963" cy="1908215"/>
+          </a:xfrm>
+          <a:prstGeom prst="rect">
+            <a:avLst/>
+          </a:prstGeom>
+          <a:ln>
+            <a:solidFill>
+              <a:srgbClr val="0070C0"/>
+            </a:solidFill>
+          </a:ln>
+        </p:spPr>
+        <p:txBody>
+          <a:bodyPr wrap="square">
+            <a:spAutoFit/>
+          </a:bodyPr>
+          <a:lstStyle/>
+          <a:p>
+            <a:r>
+              <a:rPr lang="en-US" dirty="0">
+                <a:solidFill>
+                  <a:schemeClr val="bg1">
+                    <a:lumMod val="50000"/>
+                  </a:schemeClr>
+                </a:solidFill>
+              </a:rPr>
+              <a:t>Target Beer Temp		</a:t>
+            </a:r>
+            <a:r>
+              <a:rPr lang="en-US" dirty="0" err="1">
+                <a:solidFill>
+                  <a:schemeClr val="bg1">
+                    <a:lumMod val="50000"/>
+                  </a:schemeClr>
+                </a:solidFill>
+              </a:rPr>
+              <a:t>xx.x</a:t>
+            </a:r>
+            <a:r>
+              <a:rPr lang="en-US" dirty="0">
+                <a:solidFill>
+                  <a:schemeClr val="bg1">
+                    <a:lumMod val="50000"/>
+                  </a:schemeClr>
+                </a:solidFill>
+              </a:rPr>
+              <a:t> C</a:t>
+            </a:r>
+            <a:r>
+              <a:rPr lang="en-US" dirty="0">
+                <a:solidFill>
+                  <a:srgbClr val="0070C0"/>
+                </a:solidFill>
+              </a:rPr>
+              <a:t>*</a:t>
+            </a:r>
+          </a:p>
+          <a:p>
+            <a:r>
+              <a:rPr lang="en-US" dirty="0">
+                <a:solidFill>
+                  <a:schemeClr val="bg1">
+                    <a:lumMod val="50000"/>
+                  </a:schemeClr>
+                </a:solidFill>
+              </a:rPr>
+              <a:t>Beer Temp (Wired)		</a:t>
+            </a:r>
+            <a:r>
+              <a:rPr lang="en-US" dirty="0" err="1">
+                <a:solidFill>
+                  <a:schemeClr val="bg1">
+                    <a:lumMod val="50000"/>
+                  </a:schemeClr>
+                </a:solidFill>
+              </a:rPr>
+              <a:t>xx.x</a:t>
+            </a:r>
+            <a:r>
+              <a:rPr lang="en-US" dirty="0">
+                <a:solidFill>
+                  <a:schemeClr val="bg1">
+                    <a:lumMod val="50000"/>
+                  </a:schemeClr>
+                </a:solidFill>
+              </a:rPr>
+              <a:t> C</a:t>
+            </a:r>
+          </a:p>
+          <a:p>
+            <a:r>
+              <a:rPr lang="en-US" dirty="0">
+                <a:solidFill>
+                  <a:schemeClr val="bg1">
+                    <a:lumMod val="50000"/>
+                  </a:schemeClr>
+                </a:solidFill>
+              </a:rPr>
+              <a:t>Beer Temp (Tilt)		</a:t>
+            </a:r>
+            <a:r>
+              <a:rPr lang="en-US" dirty="0" err="1">
+                <a:solidFill>
+                  <a:schemeClr val="bg1">
+                    <a:lumMod val="50000"/>
+                  </a:schemeClr>
+                </a:solidFill>
+              </a:rPr>
+              <a:t>xx.x</a:t>
+            </a:r>
+            <a:r>
+              <a:rPr lang="en-US" dirty="0">
+                <a:solidFill>
+                  <a:schemeClr val="bg1">
+                    <a:lumMod val="50000"/>
+                  </a:schemeClr>
+                </a:solidFill>
+              </a:rPr>
+              <a:t> C</a:t>
+            </a:r>
+            <a:r>
+              <a:rPr lang="en-US" dirty="0">
+                <a:solidFill>
+                  <a:srgbClr val="0070C0"/>
+                </a:solidFill>
+              </a:rPr>
+              <a:t>*</a:t>
+            </a:r>
+          </a:p>
+          <a:p>
+            <a:r>
+              <a:rPr lang="en-US" dirty="0">
+                <a:solidFill>
+                  <a:schemeClr val="bg1">
+                    <a:lumMod val="50000"/>
+                  </a:schemeClr>
+                </a:solidFill>
+              </a:rPr>
+              <a:t>Chamber Temp (Wired)	</a:t>
+            </a:r>
+            <a:r>
+              <a:rPr lang="en-US" dirty="0" err="1">
+                <a:solidFill>
+                  <a:schemeClr val="bg1">
+                    <a:lumMod val="50000"/>
+                  </a:schemeClr>
+                </a:solidFill>
+              </a:rPr>
+              <a:t>xx.x</a:t>
+            </a:r>
+            <a:r>
+              <a:rPr lang="en-US" dirty="0">
+                <a:solidFill>
+                  <a:schemeClr val="bg1">
+                    <a:lumMod val="50000"/>
+                  </a:schemeClr>
+                </a:solidFill>
+              </a:rPr>
+              <a:t> C</a:t>
+            </a:r>
+            <a:r>
+              <a:rPr lang="en-US" dirty="0">
+                <a:solidFill>
+                  <a:srgbClr val="0070C0"/>
+                </a:solidFill>
+              </a:rPr>
+              <a:t>*</a:t>
+            </a:r>
+          </a:p>
+          <a:p>
+            <a:r>
+              <a:rPr lang="en-US" dirty="0">
+                <a:solidFill>
+                  <a:schemeClr val="bg1">
+                    <a:lumMod val="50000"/>
+                  </a:schemeClr>
+                </a:solidFill>
+              </a:rPr>
+              <a:t>Specific Gravity (Tilt)	</a:t>
+            </a:r>
+            <a:r>
+              <a:rPr lang="en-US" dirty="0" err="1">
+                <a:solidFill>
+                  <a:schemeClr val="bg1">
+                    <a:lumMod val="50000"/>
+                  </a:schemeClr>
+                </a:solidFill>
+              </a:rPr>
+              <a:t>x.xxx</a:t>
+            </a:r>
+            <a:endParaRPr lang="en-US" dirty="0">
+              <a:solidFill>
+                <a:schemeClr val="bg1">
+                  <a:lumMod val="50000"/>
+                </a:schemeClr>
+              </a:solidFill>
+            </a:endParaRPr>
+          </a:p>
+          <a:p>
+            <a:endParaRPr lang="en-US" sz="1400" dirty="0">
               <a:solidFill>
                 <a:srgbClr val="FF0000"/>
               </a:solidFill>
             </a:endParaRPr>
           </a:p>
+          <a:p>
+            <a:pPr algn="ctr"/>
+            <a:r>
+              <a:rPr lang="en-US" sz="1400" i="1" dirty="0">
+                <a:solidFill>
+                  <a:srgbClr val="0070C0"/>
+                </a:solidFill>
+              </a:rPr>
+              <a:t>* Temperatures controlling system</a:t>
+            </a:r>
+            <a:endParaRPr lang="LID4096" sz="1400" i="1" dirty="0">
+              <a:solidFill>
+                <a:srgbClr val="0070C0"/>
+              </a:solidFill>
+            </a:endParaRPr>
+          </a:p>
+        </p:txBody>
+      </p:sp>
+      <p:sp>
+        <p:nvSpPr>
+          <p:cNvPr id="7" name="TextBox 6">
+            <a:extLst>
+              <a:ext uri="{FF2B5EF4-FFF2-40B4-BE49-F238E27FC236}">
+                <a16:creationId xmlns:a16="http://schemas.microsoft.com/office/drawing/2014/main" id="{E5EDD518-36F1-42FA-AE99-27CF8F0163CB}"/>
+              </a:ext>
+            </a:extLst>
+          </p:cNvPr>
+          <p:cNvSpPr txBox="1"/>
+          <p:nvPr/>
+        </p:nvSpPr>
+        <p:spPr>
+          <a:xfrm>
+            <a:off x="2161035" y="3198772"/>
+            <a:ext cx="2254207" cy="923330"/>
+          </a:xfrm>
+          <a:prstGeom prst="rect">
+            <a:avLst/>
+          </a:prstGeom>
+          <a:noFill/>
+        </p:spPr>
+        <p:txBody>
+          <a:bodyPr wrap="none" rtlCol="0">
+            <a:spAutoFit/>
+          </a:bodyPr>
+          <a:lstStyle/>
+          <a:p>
+            <a:r>
+              <a:rPr lang="en-US" dirty="0">
+                <a:solidFill>
+                  <a:srgbClr val="0070C0"/>
+                </a:solidFill>
+              </a:rPr>
+              <a:t>Date	Temp Target</a:t>
+            </a:r>
+          </a:p>
+          <a:p>
+            <a:r>
+              <a:rPr lang="en-US" dirty="0">
+                <a:solidFill>
+                  <a:srgbClr val="0070C0"/>
+                </a:solidFill>
+              </a:rPr>
+              <a:t>Date	Temp Target</a:t>
+            </a:r>
+          </a:p>
+          <a:p>
+            <a:r>
+              <a:rPr lang="en-US" dirty="0">
+                <a:solidFill>
+                  <a:srgbClr val="0070C0"/>
+                </a:solidFill>
+              </a:rPr>
+              <a:t>Date	End</a:t>
+            </a:r>
+            <a:endParaRPr lang="LID4096" dirty="0">
+              <a:solidFill>
+                <a:srgbClr val="0070C0"/>
+              </a:solidFill>
+            </a:endParaRPr>
+          </a:p>
+        </p:txBody>
+      </p:sp>
+      <p:sp>
+        <p:nvSpPr>
+          <p:cNvPr id="8" name="Rectangle: Rounded Corners 7">
+            <a:extLst>
+              <a:ext uri="{FF2B5EF4-FFF2-40B4-BE49-F238E27FC236}">
+                <a16:creationId xmlns:a16="http://schemas.microsoft.com/office/drawing/2014/main" id="{39DCE124-563F-49DC-8EBE-AEDDB8A4EE97}"/>
+              </a:ext>
+            </a:extLst>
+          </p:cNvPr>
+          <p:cNvSpPr/>
+          <p:nvPr/>
+        </p:nvSpPr>
+        <p:spPr>
+          <a:xfrm>
+            <a:off x="2753665" y="4223763"/>
+            <a:ext cx="1068946" cy="553791"/>
+          </a:xfrm>
+          <a:prstGeom prst="roundRect">
+            <a:avLst/>
+          </a:prstGeom>
+          <a:scene3d>
+            <a:camera prst="orthographicFront"/>
+            <a:lightRig rig="threePt" dir="t"/>
+          </a:scene3d>
+          <a:sp3d>
+            <a:bevelT/>
+          </a:sp3d>
+        </p:spPr>
+        <p:style>
+          <a:lnRef idx="2">
+            <a:schemeClr val="accent1">
+              <a:shade val="50000"/>
+            </a:schemeClr>
+          </a:lnRef>
+          <a:fillRef idx="1">
+            <a:schemeClr val="accent1"/>
+          </a:fillRef>
+          <a:effectRef idx="0">
+            <a:schemeClr val="accent1"/>
+          </a:effectRef>
+          <a:fontRef idx="minor">
+            <a:schemeClr val="lt1"/>
+          </a:fontRef>
+        </p:style>
+        <p:txBody>
+          <a:bodyPr rtlCol="0" anchor="ctr"/>
+          <a:lstStyle/>
+          <a:p>
+            <a:pPr algn="ctr"/>
+            <a:r>
+              <a:rPr lang="en-US" dirty="0"/>
+              <a:t>Submit</a:t>
+            </a:r>
+            <a:endParaRPr lang="LID4096" dirty="0"/>
+          </a:p>
+        </p:txBody>
+      </p:sp>
+      <p:sp>
+        <p:nvSpPr>
+          <p:cNvPr id="9" name="TextBox 8">
+            <a:extLst>
+              <a:ext uri="{FF2B5EF4-FFF2-40B4-BE49-F238E27FC236}">
+                <a16:creationId xmlns:a16="http://schemas.microsoft.com/office/drawing/2014/main" id="{35A9228F-BB55-4905-95A5-FDB2A3CC6D76}"/>
+              </a:ext>
+            </a:extLst>
+          </p:cNvPr>
+          <p:cNvSpPr txBox="1"/>
+          <p:nvPr/>
+        </p:nvSpPr>
+        <p:spPr>
+          <a:xfrm>
+            <a:off x="2466663" y="567686"/>
+            <a:ext cx="1642950" cy="400110"/>
+          </a:xfrm>
+          <a:prstGeom prst="rect">
+            <a:avLst/>
+          </a:prstGeom>
+          <a:noFill/>
+        </p:spPr>
+        <p:txBody>
+          <a:bodyPr wrap="none" rtlCol="0">
+            <a:spAutoFit/>
+          </a:bodyPr>
+          <a:lstStyle/>
+          <a:p>
+            <a:r>
+              <a:rPr lang="en-US" sz="2000" b="1" dirty="0"/>
+              <a:t>FERMONITOR</a:t>
+            </a:r>
+            <a:endParaRPr lang="LID4096" sz="2000" b="1" dirty="0"/>
+          </a:p>
         </p:txBody>
       </p:sp>
     </p:spTree>
     <p:extLst>
       <p:ext uri="{BB962C8B-B14F-4D97-AF65-F5344CB8AC3E}">
-        <p14:creationId xmlns:p14="http://schemas.microsoft.com/office/powerpoint/2010/main" val="2832243256"/>
+        <p14:creationId xmlns:p14="http://schemas.microsoft.com/office/powerpoint/2010/main" val="1805238453"/>
       </p:ext>
     </p:extLst>
   </p:cSld>

--- a/architecture.pptx
+++ b/architecture.pptx
@@ -6836,7 +6836,7 @@
         </p:nvSpPr>
         <p:spPr>
           <a:xfrm>
-            <a:off x="1308817" y="501849"/>
+            <a:off x="1122074" y="1152232"/>
             <a:ext cx="3958642" cy="4359926"/>
           </a:xfrm>
           <a:prstGeom prst="foldedCorner">
@@ -6892,8 +6892,8 @@
         </p:nvSpPr>
         <p:spPr>
           <a:xfrm>
-            <a:off x="1473157" y="1109471"/>
-            <a:ext cx="3629963" cy="1908215"/>
+            <a:off x="1286414" y="1759854"/>
+            <a:ext cx="3629963" cy="1477328"/>
           </a:xfrm>
           <a:prstGeom prst="rect">
             <a:avLst/>
@@ -6940,14 +6940,48 @@
               </a:rPr>
               <a:t> C</a:t>
             </a:r>
+            <a:endParaRPr lang="en-US" dirty="0">
+              <a:solidFill>
+                <a:srgbClr val="0070C0"/>
+              </a:solidFill>
+            </a:endParaRPr>
+          </a:p>
+          <a:p>
             <a:r>
               <a:rPr lang="en-US" dirty="0">
                 <a:solidFill>
-                  <a:srgbClr val="0070C0"/>
+                  <a:schemeClr val="bg1">
+                    <a:lumMod val="50000"/>
+                  </a:schemeClr>
                 </a:solidFill>
               </a:rPr>
-              <a:t>*</a:t>
-            </a:r>
+              <a:t>Beer Temp		</a:t>
+            </a:r>
+            <a:r>
+              <a:rPr lang="en-US" dirty="0" err="1">
+                <a:solidFill>
+                  <a:schemeClr val="bg1">
+                    <a:lumMod val="50000"/>
+                  </a:schemeClr>
+                </a:solidFill>
+              </a:rPr>
+              <a:t>xx.x</a:t>
+            </a:r>
+            <a:r>
+              <a:rPr lang="en-US" dirty="0">
+                <a:solidFill>
+                  <a:schemeClr val="bg1">
+                    <a:lumMod val="50000"/>
+                  </a:schemeClr>
+                </a:solidFill>
+              </a:rPr>
+              <a:t> C</a:t>
+            </a:r>
+            <a:endParaRPr lang="en-US" dirty="0">
+              <a:solidFill>
+                <a:srgbClr val="0070C0"/>
+              </a:solidFill>
+            </a:endParaRPr>
           </a:p>
           <a:p>
             <a:r>
@@ -6990,7 +7024,7 @@
                   </a:schemeClr>
                 </a:solidFill>
               </a:rPr>
-              <a:t>Beer Temp (Tilt)		</a:t>
+              <a:t>Chamber Temp (Wired)	</a:t>
             </a:r>
             <a:r>
               <a:rPr lang="en-US" dirty="0" err="1">
@@ -7012,54 +7046,11 @@
               </a:rPr>
               <a:t> C</a:t>
             </a:r>
-            <a:r>
-              <a:rPr lang="en-US" dirty="0">
-                <a:solidFill>
-                  <a:srgbClr val="0070C0"/>
-                </a:solidFill>
-              </a:rPr>
-              <a:t>*</a:t>
-            </a:r>
-          </a:p>
-          <a:p>
-            <a:r>
-              <a:rPr lang="en-US" dirty="0">
-                <a:solidFill>
-                  <a:schemeClr val="bg1">
-                    <a:lumMod val="50000"/>
-                  </a:schemeClr>
-                </a:solidFill>
-              </a:rPr>
-              <a:t>Chamber Temp (Wired)	</a:t>
-            </a:r>
-            <a:r>
-              <a:rPr lang="en-US" dirty="0" err="1">
-                <a:solidFill>
-                  <a:schemeClr val="bg1">
-                    <a:lumMod val="50000"/>
-                  </a:schemeClr>
-                </a:solidFill>
-              </a:rPr>
-              <a:t>xx.x</a:t>
-            </a:r>
-            <a:r>
-              <a:rPr lang="en-US" dirty="0">
-                <a:solidFill>
-                  <a:schemeClr val="bg1">
-                    <a:lumMod val="50000"/>
-                  </a:schemeClr>
-                </a:solidFill>
-              </a:rPr>
-              <a:t> C</a:t>
-            </a:r>
-            <a:r>
-              <a:rPr lang="en-US" dirty="0">
-                <a:solidFill>
-                  <a:srgbClr val="0070C0"/>
-                </a:solidFill>
-              </a:rPr>
-              <a:t>*</a:t>
-            </a:r>
+            <a:endParaRPr lang="en-US" dirty="0">
+              <a:solidFill>
+                <a:srgbClr val="0070C0"/>
+              </a:solidFill>
+            </a:endParaRPr>
           </a:p>
           <a:p>
             <a:r>
@@ -7090,29 +7081,6 @@
               </a:solidFill>
             </a:endParaRPr>
           </a:p>
-          <a:p>
-            <a:endParaRPr lang="en-US" sz="1400" dirty="0">
-              <a:solidFill>
-                <a:srgbClr val="FF0000"/>
-              </a:solidFill>
-            </a:endParaRPr>
-          </a:p>
-          <a:p>
-            <a:pPr algn="ctr"/>
-            <a:r>
-              <a:rPr lang="en-US" sz="1400" i="1" dirty="0">
-                <a:solidFill>
-                  <a:srgbClr val="0070C0"/>
-                </a:solidFill>
-              </a:rPr>
-              <a:t>* Temperatures controlling system</a:t>
-            </a:r>
-            <a:endParaRPr lang="LID4096" sz="1400" i="1" dirty="0">
-              <a:solidFill>
-                <a:srgbClr val="0070C0"/>
-              </a:solidFill>
-            </a:endParaRPr>
-          </a:p>
         </p:txBody>
       </p:sp>
       <p:sp>
@@ -7129,8 +7097,8 @@
         </p:nvSpPr>
         <p:spPr>
           <a:xfrm>
-            <a:off x="2161035" y="3198772"/>
-            <a:ext cx="2254207" cy="923330"/>
+            <a:off x="1974292" y="3578717"/>
+            <a:ext cx="1593706" cy="923330"/>
           </a:xfrm>
           <a:prstGeom prst="rect">
             <a:avLst/>
@@ -7149,7 +7117,7 @@
                   <a:srgbClr val="0070C0"/>
                 </a:solidFill>
               </a:rPr>
-              <a:t>Date	Temp Target</a:t>
+              <a:t>Dates	……..</a:t>
             </a:r>
           </a:p>
           <a:p>
@@ -7159,7 +7127,7 @@
                   <a:srgbClr val="0070C0"/>
                 </a:solidFill>
               </a:rPr>
-              <a:t>Date	Temp Target</a:t>
+              <a:t>Temps	……..</a:t>
             </a:r>
           </a:p>
           <a:p>
@@ -7169,7 +7137,7 @@
                   <a:srgbClr val="0070C0"/>
                 </a:solidFill>
               </a:rPr>
-              <a:t>Date	End</a:t>
+              <a:t>End Date	……..</a:t>
             </a:r>
             <a:endParaRPr lang="LID4096" dirty="0">
               <a:solidFill>
@@ -7193,7 +7161,7 @@
         </p:nvSpPr>
         <p:spPr>
           <a:xfrm>
-            <a:off x="2753665" y="4223763"/>
+            <a:off x="2566922" y="4874146"/>
             <a:ext cx="1068946" cy="553791"/>
           </a:xfrm>
           <a:prstGeom prst="roundRect">
@@ -7250,7 +7218,7 @@
         </p:nvSpPr>
         <p:spPr>
           <a:xfrm>
-            <a:off x="2466663" y="567686"/>
+            <a:off x="2279920" y="1218069"/>
             <a:ext cx="1642950" cy="400110"/>
           </a:xfrm>
           <a:prstGeom prst="rect">

--- a/architecture.pptx
+++ b/architecture.pptx
@@ -6,7 +6,6 @@
   </p:sldMasterIdLst>
   <p:sldIdLst>
     <p:sldId id="256" r:id="rId2"/>
-    <p:sldId id="257" r:id="rId3"/>
   </p:sldIdLst>
   <p:sldSz cx="12192000" cy="6858000"/>
   <p:notesSz cx="6858000" cy="9144000"/>
@@ -262,7 +261,7 @@
           <a:p>
             <a:fld id="{A240B9EE-CE20-479F-91C5-799A9E0E68A8}" type="datetimeFigureOut">
               <a:rPr lang="LID4096" smtClean="0"/>
-              <a:t>05/26/2020</a:t>
+              <a:t>02/11/2021</a:t>
             </a:fld>
             <a:endParaRPr lang="LID4096"/>
           </a:p>
@@ -462,7 +461,7 @@
           <a:p>
             <a:fld id="{A240B9EE-CE20-479F-91C5-799A9E0E68A8}" type="datetimeFigureOut">
               <a:rPr lang="LID4096" smtClean="0"/>
-              <a:t>05/26/2020</a:t>
+              <a:t>02/11/2021</a:t>
             </a:fld>
             <a:endParaRPr lang="LID4096"/>
           </a:p>
@@ -672,7 +671,7 @@
           <a:p>
             <a:fld id="{A240B9EE-CE20-479F-91C5-799A9E0E68A8}" type="datetimeFigureOut">
               <a:rPr lang="LID4096" smtClean="0"/>
-              <a:t>05/26/2020</a:t>
+              <a:t>02/11/2021</a:t>
             </a:fld>
             <a:endParaRPr lang="LID4096"/>
           </a:p>
@@ -872,7 +871,7 @@
           <a:p>
             <a:fld id="{A240B9EE-CE20-479F-91C5-799A9E0E68A8}" type="datetimeFigureOut">
               <a:rPr lang="LID4096" smtClean="0"/>
-              <a:t>05/26/2020</a:t>
+              <a:t>02/11/2021</a:t>
             </a:fld>
             <a:endParaRPr lang="LID4096"/>
           </a:p>
@@ -1148,7 +1147,7 @@
           <a:p>
             <a:fld id="{A240B9EE-CE20-479F-91C5-799A9E0E68A8}" type="datetimeFigureOut">
               <a:rPr lang="LID4096" smtClean="0"/>
-              <a:t>05/26/2020</a:t>
+              <a:t>02/11/2021</a:t>
             </a:fld>
             <a:endParaRPr lang="LID4096"/>
           </a:p>
@@ -1416,7 +1415,7 @@
           <a:p>
             <a:fld id="{A240B9EE-CE20-479F-91C5-799A9E0E68A8}" type="datetimeFigureOut">
               <a:rPr lang="LID4096" smtClean="0"/>
-              <a:t>05/26/2020</a:t>
+              <a:t>02/11/2021</a:t>
             </a:fld>
             <a:endParaRPr lang="LID4096"/>
           </a:p>
@@ -1831,7 +1830,7 @@
           <a:p>
             <a:fld id="{A240B9EE-CE20-479F-91C5-799A9E0E68A8}" type="datetimeFigureOut">
               <a:rPr lang="LID4096" smtClean="0"/>
-              <a:t>05/26/2020</a:t>
+              <a:t>02/11/2021</a:t>
             </a:fld>
             <a:endParaRPr lang="LID4096"/>
           </a:p>
@@ -1973,7 +1972,7 @@
           <a:p>
             <a:fld id="{A240B9EE-CE20-479F-91C5-799A9E0E68A8}" type="datetimeFigureOut">
               <a:rPr lang="LID4096" smtClean="0"/>
-              <a:t>05/26/2020</a:t>
+              <a:t>02/11/2021</a:t>
             </a:fld>
             <a:endParaRPr lang="LID4096"/>
           </a:p>
@@ -2086,7 +2085,7 @@
           <a:p>
             <a:fld id="{A240B9EE-CE20-479F-91C5-799A9E0E68A8}" type="datetimeFigureOut">
               <a:rPr lang="LID4096" smtClean="0"/>
-              <a:t>05/26/2020</a:t>
+              <a:t>02/11/2021</a:t>
             </a:fld>
             <a:endParaRPr lang="LID4096"/>
           </a:p>
@@ -2399,7 +2398,7 @@
           <a:p>
             <a:fld id="{A240B9EE-CE20-479F-91C5-799A9E0E68A8}" type="datetimeFigureOut">
               <a:rPr lang="LID4096" smtClean="0"/>
-              <a:t>05/26/2020</a:t>
+              <a:t>02/11/2021</a:t>
             </a:fld>
             <a:endParaRPr lang="LID4096"/>
           </a:p>
@@ -2688,7 +2687,7 @@
           <a:p>
             <a:fld id="{A240B9EE-CE20-479F-91C5-799A9E0E68A8}" type="datetimeFigureOut">
               <a:rPr lang="LID4096" smtClean="0"/>
-              <a:t>05/26/2020</a:t>
+              <a:t>02/11/2021</a:t>
             </a:fld>
             <a:endParaRPr lang="LID4096"/>
           </a:p>
@@ -2931,7 +2930,7 @@
           <a:p>
             <a:fld id="{A240B9EE-CE20-479F-91C5-799A9E0E68A8}" type="datetimeFigureOut">
               <a:rPr lang="LID4096" smtClean="0"/>
-              <a:t>05/26/2020</a:t>
+              <a:t>02/11/2021</a:t>
             </a:fld>
             <a:endParaRPr lang="LID4096"/>
           </a:p>
@@ -3350,10 +3349,10 @@
       </p:grpSpPr>
       <p:sp>
         <p:nvSpPr>
-          <p:cNvPr id="4" name="Rectangle: Rounded Corners 3">
-            <a:extLst>
-              <a:ext uri="{FF2B5EF4-FFF2-40B4-BE49-F238E27FC236}">
-                <a16:creationId xmlns:a16="http://schemas.microsoft.com/office/drawing/2014/main" id="{7B2442C7-12A0-4C94-92C4-54ACFA3C2FA6}"/>
+          <p:cNvPr id="5" name="Rectangle: Rounded Corners 4">
+            <a:extLst>
+              <a:ext uri="{FF2B5EF4-FFF2-40B4-BE49-F238E27FC236}">
+                <a16:creationId xmlns:a16="http://schemas.microsoft.com/office/drawing/2014/main" id="{2778DD4B-7A59-432F-918E-2DB8A6D67DAB}"/>
               </a:ext>
             </a:extLst>
           </p:cNvPr>
@@ -3362,8 +3361,8 @@
         </p:nvSpPr>
         <p:spPr>
           <a:xfrm>
-            <a:off x="842917" y="1942355"/>
-            <a:ext cx="2540791" cy="1327756"/>
+            <a:off x="6088872" y="1361276"/>
+            <a:ext cx="5635300" cy="2486439"/>
           </a:xfrm>
           <a:prstGeom prst="roundRect">
             <a:avLst/>
@@ -3392,7 +3391,12 @@
           </a:fontRef>
         </p:style>
         <p:txBody>
-          <a:bodyPr rtlCol="0" anchor="ctr"/>
+          <a:bodyPr rot="0" spcFirstLastPara="0" vertOverflow="overflow" horzOverflow="overflow" vert="horz" wrap="square" lIns="91440" tIns="45720" rIns="91440" bIns="45720" numCol="1" spcCol="0" rtlCol="0" fromWordArt="0" anchor="ctr" anchorCtr="0" forceAA="0" compatLnSpc="1">
+            <a:prstTxWarp prst="textNoShape">
+              <a:avLst/>
+            </a:prstTxWarp>
+            <a:noAutofit/>
+          </a:bodyPr>
           <a:lstStyle/>
           <a:p>
             <a:pPr algn="ctr"/>
@@ -3402,10 +3406,10 @@
       </p:sp>
       <p:sp>
         <p:nvSpPr>
-          <p:cNvPr id="5" name="Rectangle: Rounded Corners 4">
-            <a:extLst>
-              <a:ext uri="{FF2B5EF4-FFF2-40B4-BE49-F238E27FC236}">
-                <a16:creationId xmlns:a16="http://schemas.microsoft.com/office/drawing/2014/main" id="{2778DD4B-7A59-432F-918E-2DB8A6D67DAB}"/>
+          <p:cNvPr id="8" name="Rectangle 7">
+            <a:extLst>
+              <a:ext uri="{FF2B5EF4-FFF2-40B4-BE49-F238E27FC236}">
+                <a16:creationId xmlns:a16="http://schemas.microsoft.com/office/drawing/2014/main" id="{B34E4689-3DD5-4327-A66B-7FF90A1098B1}"/>
               </a:ext>
             </a:extLst>
           </p:cNvPr>
@@ -3414,18 +3418,12 @@
         </p:nvSpPr>
         <p:spPr>
           <a:xfrm>
-            <a:off x="6088872" y="1361276"/>
-            <a:ext cx="5635300" cy="2486439"/>
-          </a:xfrm>
-          <a:prstGeom prst="roundRect">
+            <a:off x="6524074" y="4739647"/>
+            <a:ext cx="963509" cy="1155591"/>
+          </a:xfrm>
+          <a:prstGeom prst="rect">
             <a:avLst/>
           </a:prstGeom>
-          <a:solidFill>
-            <a:schemeClr val="accent1">
-              <a:lumMod val="40000"/>
-              <a:lumOff val="60000"/>
-            </a:schemeClr>
-          </a:solidFill>
         </p:spPr>
         <p:style>
           <a:lnRef idx="2">
@@ -3444,90 +3442,38 @@
           </a:fontRef>
         </p:style>
         <p:txBody>
-          <a:bodyPr rot="0" spcFirstLastPara="0" vertOverflow="overflow" horzOverflow="overflow" vert="horz" wrap="square" lIns="91440" tIns="45720" rIns="91440" bIns="45720" numCol="1" spcCol="0" rtlCol="0" fromWordArt="0" anchor="ctr" anchorCtr="0" forceAA="0" compatLnSpc="1">
-            <a:prstTxWarp prst="textNoShape">
-              <a:avLst/>
-            </a:prstTxWarp>
-            <a:noAutofit/>
-          </a:bodyPr>
+          <a:bodyPr rtlCol="0" anchor="ctr"/>
           <a:lstStyle/>
           <a:p>
             <a:pPr algn="ctr"/>
-            <a:endParaRPr lang="LID4096"/>
-          </a:p>
-        </p:txBody>
-      </p:sp>
-      <p:sp>
-        <p:nvSpPr>
-          <p:cNvPr id="6" name="TextBox 5">
-            <a:extLst>
-              <a:ext uri="{FF2B5EF4-FFF2-40B4-BE49-F238E27FC236}">
-                <a16:creationId xmlns:a16="http://schemas.microsoft.com/office/drawing/2014/main" id="{DA134272-E2D7-4D71-B7C5-E0F714C7205E}"/>
-              </a:ext>
-            </a:extLst>
-          </p:cNvPr>
-          <p:cNvSpPr txBox="1"/>
+            <a:r>
+              <a:rPr lang="en-US" sz="1200" dirty="0"/>
+              <a:t>Blue LED -&gt; indicate cooling is on</a:t>
+            </a:r>
+            <a:endParaRPr lang="LID4096" sz="1200" dirty="0"/>
+          </a:p>
+        </p:txBody>
+      </p:sp>
+      <p:sp>
+        <p:nvSpPr>
+          <p:cNvPr id="9" name="Rectangle 8">
+            <a:extLst>
+              <a:ext uri="{FF2B5EF4-FFF2-40B4-BE49-F238E27FC236}">
+                <a16:creationId xmlns:a16="http://schemas.microsoft.com/office/drawing/2014/main" id="{5E370936-32D0-4351-8F3C-D2150890B089}"/>
+              </a:ext>
+            </a:extLst>
+          </p:cNvPr>
+          <p:cNvSpPr/>
           <p:nvPr/>
         </p:nvSpPr>
         <p:spPr>
           <a:xfrm>
-            <a:off x="1645844" y="1960067"/>
-            <a:ext cx="934936" cy="369332"/>
+            <a:off x="5500698" y="4745132"/>
+            <a:ext cx="963509" cy="1145064"/>
           </a:xfrm>
           <a:prstGeom prst="rect">
             <a:avLst/>
           </a:prstGeom>
-          <a:noFill/>
-        </p:spPr>
-        <p:txBody>
-          <a:bodyPr wrap="none" rtlCol="0">
-            <a:spAutoFit/>
-          </a:bodyPr>
-          <a:lstStyle/>
-          <a:p>
-            <a:pPr algn="ctr"/>
-            <a:r>
-              <a:rPr lang="en-US" dirty="0">
-                <a:solidFill>
-                  <a:schemeClr val="bg1"/>
-                </a:solidFill>
-              </a:rPr>
-              <a:t>Arduino</a:t>
-            </a:r>
-            <a:endParaRPr lang="LID4096" dirty="0">
-              <a:solidFill>
-                <a:schemeClr val="bg1"/>
-              </a:solidFill>
-            </a:endParaRPr>
-          </a:p>
-        </p:txBody>
-      </p:sp>
-      <p:sp>
-        <p:nvSpPr>
-          <p:cNvPr id="7" name="Rectangle 6">
-            <a:extLst>
-              <a:ext uri="{FF2B5EF4-FFF2-40B4-BE49-F238E27FC236}">
-                <a16:creationId xmlns:a16="http://schemas.microsoft.com/office/drawing/2014/main" id="{A8F5A97E-0982-44BE-BF18-4801237FFFF7}"/>
-              </a:ext>
-            </a:extLst>
-          </p:cNvPr>
-          <p:cNvSpPr/>
-          <p:nvPr/>
-        </p:nvSpPr>
-        <p:spPr>
-          <a:xfrm>
-            <a:off x="1200892" y="2329583"/>
-            <a:ext cx="1822384" cy="552316"/>
-          </a:xfrm>
-          <a:prstGeom prst="rect">
-            <a:avLst/>
-          </a:prstGeom>
-          <a:solidFill>
-            <a:schemeClr val="accent1">
-              <a:lumMod val="20000"/>
-              <a:lumOff val="80000"/>
-            </a:schemeClr>
-          </a:solidFill>
         </p:spPr>
         <p:style>
           <a:lnRef idx="2">
@@ -3551,33 +3497,19 @@
           <a:p>
             <a:pPr algn="ctr"/>
             <a:r>
-              <a:rPr lang="fi-FI" sz="1400" dirty="0" err="1">
-                <a:solidFill>
-                  <a:schemeClr val="tx1">
-                    <a:lumMod val="50000"/>
-                    <a:lumOff val="50000"/>
-                  </a:schemeClr>
-                </a:solidFill>
-              </a:rPr>
-              <a:t>sketch_temp_relay.ino</a:t>
-            </a:r>
-            <a:endParaRPr lang="LID4096" sz="1400" dirty="0">
-              <a:solidFill>
-                <a:schemeClr val="tx1">
-                  <a:lumMod val="50000"/>
-                  <a:lumOff val="50000"/>
-                </a:schemeClr>
-              </a:solidFill>
-            </a:endParaRPr>
-          </a:p>
-        </p:txBody>
-      </p:sp>
-      <p:sp>
-        <p:nvSpPr>
-          <p:cNvPr id="8" name="Rectangle 7">
-            <a:extLst>
-              <a:ext uri="{FF2B5EF4-FFF2-40B4-BE49-F238E27FC236}">
-                <a16:creationId xmlns:a16="http://schemas.microsoft.com/office/drawing/2014/main" id="{B34E4689-3DD5-4327-A66B-7FF90A1098B1}"/>
+              <a:rPr lang="en-US" sz="1200" dirty="0"/>
+              <a:t>Red LED  -&gt; indicate heat is on</a:t>
+            </a:r>
+            <a:endParaRPr lang="LID4096" sz="1200" dirty="0"/>
+          </a:p>
+        </p:txBody>
+      </p:sp>
+      <p:sp>
+        <p:nvSpPr>
+          <p:cNvPr id="10" name="Rectangle 9">
+            <a:extLst>
+              <a:ext uri="{FF2B5EF4-FFF2-40B4-BE49-F238E27FC236}">
+                <a16:creationId xmlns:a16="http://schemas.microsoft.com/office/drawing/2014/main" id="{F5799364-C1C5-4D1E-8D26-18A86A1FC2C8}"/>
               </a:ext>
             </a:extLst>
           </p:cNvPr>
@@ -3586,8 +3518,8 @@
         </p:nvSpPr>
         <p:spPr>
           <a:xfrm>
-            <a:off x="6524074" y="4739647"/>
-            <a:ext cx="963509" cy="1155591"/>
+            <a:off x="4477320" y="4739649"/>
+            <a:ext cx="963509" cy="1150326"/>
           </a:xfrm>
           <a:prstGeom prst="rect">
             <a:avLst/>
@@ -3616,7 +3548,7 @@
             <a:pPr algn="ctr"/>
             <a:r>
               <a:rPr lang="en-US" sz="1200" dirty="0"/>
-              <a:t>Blue LED -&gt; indicate cooling is on</a:t>
+              <a:t>Relay -&gt; control fridge power</a:t>
             </a:r>
             <a:endParaRPr lang="LID4096" sz="1200" dirty="0"/>
           </a:p>
@@ -3624,10 +3556,10 @@
       </p:sp>
       <p:sp>
         <p:nvSpPr>
-          <p:cNvPr id="9" name="Rectangle 8">
-            <a:extLst>
-              <a:ext uri="{FF2B5EF4-FFF2-40B4-BE49-F238E27FC236}">
-                <a16:creationId xmlns:a16="http://schemas.microsoft.com/office/drawing/2014/main" id="{5E370936-32D0-4351-8F3C-D2150890B089}"/>
+          <p:cNvPr id="11" name="Rectangle 10">
+            <a:extLst>
+              <a:ext uri="{FF2B5EF4-FFF2-40B4-BE49-F238E27FC236}">
+                <a16:creationId xmlns:a16="http://schemas.microsoft.com/office/drawing/2014/main" id="{1EA37D1F-2C12-4B6E-935C-27196AA5B799}"/>
               </a:ext>
             </a:extLst>
           </p:cNvPr>
@@ -3636,8 +3568,8 @@
         </p:nvSpPr>
         <p:spPr>
           <a:xfrm>
-            <a:off x="5500698" y="4745132"/>
-            <a:ext cx="963509" cy="1145064"/>
+            <a:off x="3453942" y="4745132"/>
+            <a:ext cx="963509" cy="1150327"/>
           </a:xfrm>
           <a:prstGeom prst="rect">
             <a:avLst/>
@@ -3666,18 +3598,22 @@
             <a:pPr algn="ctr"/>
             <a:r>
               <a:rPr lang="en-US" sz="1200" dirty="0"/>
-              <a:t>Red LED  -&gt; indicate heat is on</a:t>
+              <a:t>Relay -&gt; control heating pad</a:t>
             </a:r>
             <a:endParaRPr lang="LID4096" sz="1200" dirty="0"/>
           </a:p>
-        </p:txBody>
-      </p:sp>
-      <p:sp>
-        <p:nvSpPr>
-          <p:cNvPr id="10" name="Rectangle 9">
-            <a:extLst>
-              <a:ext uri="{FF2B5EF4-FFF2-40B4-BE49-F238E27FC236}">
-                <a16:creationId xmlns:a16="http://schemas.microsoft.com/office/drawing/2014/main" id="{F5799364-C1C5-4D1E-8D26-18A86A1FC2C8}"/>
+          <a:p>
+            <a:pPr algn="ctr"/>
+            <a:endParaRPr lang="LID4096" sz="1200" dirty="0"/>
+          </a:p>
+        </p:txBody>
+      </p:sp>
+      <p:sp>
+        <p:nvSpPr>
+          <p:cNvPr id="12" name="Rectangle 11">
+            <a:extLst>
+              <a:ext uri="{FF2B5EF4-FFF2-40B4-BE49-F238E27FC236}">
+                <a16:creationId xmlns:a16="http://schemas.microsoft.com/office/drawing/2014/main" id="{39024E21-DCFE-4C1A-B1DB-20CD73F52B3B}"/>
               </a:ext>
             </a:extLst>
           </p:cNvPr>
@@ -3686,8 +3622,8 @@
         </p:nvSpPr>
         <p:spPr>
           <a:xfrm>
-            <a:off x="4477320" y="4739649"/>
-            <a:ext cx="963509" cy="1150326"/>
+            <a:off x="361161" y="4745131"/>
+            <a:ext cx="963509" cy="1150330"/>
           </a:xfrm>
           <a:prstGeom prst="rect">
             <a:avLst/>
@@ -3713,21 +3649,67 @@
           <a:bodyPr rtlCol="0" anchor="ctr"/>
           <a:lstStyle/>
           <a:p>
-            <a:pPr algn="ctr"/>
-            <a:r>
-              <a:rPr lang="en-US" sz="1200" dirty="0"/>
-              <a:t>Relay -&gt; control fridge power</a:t>
-            </a:r>
-            <a:endParaRPr lang="LID4096" sz="1200" dirty="0"/>
-          </a:p>
-        </p:txBody>
-      </p:sp>
-      <p:sp>
-        <p:nvSpPr>
-          <p:cNvPr id="11" name="Rectangle 10">
-            <a:extLst>
-              <a:ext uri="{FF2B5EF4-FFF2-40B4-BE49-F238E27FC236}">
-                <a16:creationId xmlns:a16="http://schemas.microsoft.com/office/drawing/2014/main" id="{1EA37D1F-2C12-4B6E-935C-27196AA5B799}"/>
+            <a:r>
+              <a:rPr lang="fi-FI" sz="1200" dirty="0"/>
+              <a:t>DS18B20 </a:t>
+            </a:r>
+            <a:r>
+              <a:rPr lang="fi-FI" sz="1200" dirty="0" err="1"/>
+              <a:t>one-wire</a:t>
+            </a:r>
+            <a:r>
+              <a:rPr lang="fi-FI" sz="1200" dirty="0"/>
+              <a:t> </a:t>
+            </a:r>
+            <a:r>
+              <a:rPr lang="fi-FI" sz="1200" dirty="0" err="1"/>
+              <a:t>digital</a:t>
+            </a:r>
+            <a:r>
+              <a:rPr lang="fi-FI" sz="1200" dirty="0"/>
+              <a:t> </a:t>
+            </a:r>
+            <a:r>
+              <a:rPr lang="fi-FI" sz="1200" dirty="0" err="1"/>
+              <a:t>temp</a:t>
+            </a:r>
+            <a:r>
+              <a:rPr lang="fi-FI" sz="1200" dirty="0"/>
+              <a:t> </a:t>
+            </a:r>
+            <a:r>
+              <a:rPr lang="fi-FI" sz="1200" dirty="0" err="1"/>
+              <a:t>sensor</a:t>
+            </a:r>
+            <a:r>
+              <a:rPr lang="fi-FI" sz="1200" dirty="0"/>
+              <a:t> -&gt; </a:t>
+            </a:r>
+            <a:br>
+              <a:rPr lang="fi-FI" sz="1200" dirty="0"/>
+            </a:br>
+            <a:r>
+              <a:rPr lang="fi-FI" sz="1200" dirty="0" err="1"/>
+              <a:t>fridge</a:t>
+            </a:r>
+            <a:r>
+              <a:rPr lang="fi-FI" sz="1200" dirty="0"/>
+              <a:t> air </a:t>
+            </a:r>
+            <a:r>
+              <a:rPr lang="fi-FI" sz="1200" dirty="0" err="1"/>
+              <a:t>temp</a:t>
+            </a:r>
+            <a:endParaRPr lang="fi-FI" sz="1200" dirty="0"/>
+          </a:p>
+        </p:txBody>
+      </p:sp>
+      <p:sp>
+        <p:nvSpPr>
+          <p:cNvPr id="13" name="Rectangle 12">
+            <a:extLst>
+              <a:ext uri="{FF2B5EF4-FFF2-40B4-BE49-F238E27FC236}">
+                <a16:creationId xmlns:a16="http://schemas.microsoft.com/office/drawing/2014/main" id="{E9D9B571-FD2A-4941-86B1-E5AE99893793}"/>
               </a:ext>
             </a:extLst>
           </p:cNvPr>
@@ -3736,8 +3718,8 @@
         </p:nvSpPr>
         <p:spPr>
           <a:xfrm>
-            <a:off x="3453942" y="4745132"/>
-            <a:ext cx="963509" cy="1150327"/>
+            <a:off x="1384539" y="4745131"/>
+            <a:ext cx="963509" cy="1150329"/>
           </a:xfrm>
           <a:prstGeom prst="rect">
             <a:avLst/>
@@ -3763,60 +3745,6 @@
           <a:bodyPr rtlCol="0" anchor="ctr"/>
           <a:lstStyle/>
           <a:p>
-            <a:pPr algn="ctr"/>
-            <a:r>
-              <a:rPr lang="en-US" sz="1200" dirty="0"/>
-              <a:t>Relay -&gt; control heating pad</a:t>
-            </a:r>
-            <a:endParaRPr lang="LID4096" sz="1200" dirty="0"/>
-          </a:p>
-          <a:p>
-            <a:pPr algn="ctr"/>
-            <a:endParaRPr lang="LID4096" sz="1200" dirty="0"/>
-          </a:p>
-        </p:txBody>
-      </p:sp>
-      <p:sp>
-        <p:nvSpPr>
-          <p:cNvPr id="12" name="Rectangle 11">
-            <a:extLst>
-              <a:ext uri="{FF2B5EF4-FFF2-40B4-BE49-F238E27FC236}">
-                <a16:creationId xmlns:a16="http://schemas.microsoft.com/office/drawing/2014/main" id="{39024E21-DCFE-4C1A-B1DB-20CD73F52B3B}"/>
-              </a:ext>
-            </a:extLst>
-          </p:cNvPr>
-          <p:cNvSpPr/>
-          <p:nvPr/>
-        </p:nvSpPr>
-        <p:spPr>
-          <a:xfrm>
-            <a:off x="361161" y="4745131"/>
-            <a:ext cx="963509" cy="1150330"/>
-          </a:xfrm>
-          <a:prstGeom prst="rect">
-            <a:avLst/>
-          </a:prstGeom>
-        </p:spPr>
-        <p:style>
-          <a:lnRef idx="2">
-            <a:schemeClr val="accent1">
-              <a:shade val="50000"/>
-            </a:schemeClr>
-          </a:lnRef>
-          <a:fillRef idx="1">
-            <a:schemeClr val="accent1"/>
-          </a:fillRef>
-          <a:effectRef idx="0">
-            <a:schemeClr val="accent1"/>
-          </a:effectRef>
-          <a:fontRef idx="minor">
-            <a:schemeClr val="lt1"/>
-          </a:fontRef>
-        </p:style>
-        <p:txBody>
-          <a:bodyPr rtlCol="0" anchor="ctr"/>
-          <a:lstStyle/>
-          <a:p>
             <a:r>
               <a:rPr lang="fi-FI" sz="1200" dirty="0"/>
               <a:t>DS18B20 </a:t>
@@ -3853,102 +3781,6 @@
               <a:rPr lang="fi-FI" sz="1200" dirty="0"/>
               <a:t> -&gt; </a:t>
             </a:r>
-            <a:br>
-              <a:rPr lang="fi-FI" sz="1200" dirty="0"/>
-            </a:br>
-            <a:r>
-              <a:rPr lang="fi-FI" sz="1200" dirty="0" err="1"/>
-              <a:t>fridge</a:t>
-            </a:r>
-            <a:r>
-              <a:rPr lang="fi-FI" sz="1200" dirty="0"/>
-              <a:t> air </a:t>
-            </a:r>
-            <a:r>
-              <a:rPr lang="fi-FI" sz="1200" dirty="0" err="1"/>
-              <a:t>temp</a:t>
-            </a:r>
-            <a:endParaRPr lang="fi-FI" sz="1200" dirty="0"/>
-          </a:p>
-        </p:txBody>
-      </p:sp>
-      <p:sp>
-        <p:nvSpPr>
-          <p:cNvPr id="13" name="Rectangle 12">
-            <a:extLst>
-              <a:ext uri="{FF2B5EF4-FFF2-40B4-BE49-F238E27FC236}">
-                <a16:creationId xmlns:a16="http://schemas.microsoft.com/office/drawing/2014/main" id="{E9D9B571-FD2A-4941-86B1-E5AE99893793}"/>
-              </a:ext>
-            </a:extLst>
-          </p:cNvPr>
-          <p:cNvSpPr/>
-          <p:nvPr/>
-        </p:nvSpPr>
-        <p:spPr>
-          <a:xfrm>
-            <a:off x="1384539" y="4745131"/>
-            <a:ext cx="963509" cy="1150329"/>
-          </a:xfrm>
-          <a:prstGeom prst="rect">
-            <a:avLst/>
-          </a:prstGeom>
-        </p:spPr>
-        <p:style>
-          <a:lnRef idx="2">
-            <a:schemeClr val="accent1">
-              <a:shade val="50000"/>
-            </a:schemeClr>
-          </a:lnRef>
-          <a:fillRef idx="1">
-            <a:schemeClr val="accent1"/>
-          </a:fillRef>
-          <a:effectRef idx="0">
-            <a:schemeClr val="accent1"/>
-          </a:effectRef>
-          <a:fontRef idx="minor">
-            <a:schemeClr val="lt1"/>
-          </a:fontRef>
-        </p:style>
-        <p:txBody>
-          <a:bodyPr rtlCol="0" anchor="ctr"/>
-          <a:lstStyle/>
-          <a:p>
-            <a:r>
-              <a:rPr lang="fi-FI" sz="1200" dirty="0"/>
-              <a:t>DS18B20 </a:t>
-            </a:r>
-            <a:r>
-              <a:rPr lang="fi-FI" sz="1200" dirty="0" err="1"/>
-              <a:t>one-wire</a:t>
-            </a:r>
-            <a:r>
-              <a:rPr lang="fi-FI" sz="1200" dirty="0"/>
-              <a:t> </a:t>
-            </a:r>
-            <a:r>
-              <a:rPr lang="fi-FI" sz="1200" dirty="0" err="1"/>
-              <a:t>digital</a:t>
-            </a:r>
-            <a:r>
-              <a:rPr lang="fi-FI" sz="1200" dirty="0"/>
-              <a:t> </a:t>
-            </a:r>
-            <a:r>
-              <a:rPr lang="fi-FI" sz="1200" dirty="0" err="1"/>
-              <a:t>temp</a:t>
-            </a:r>
-            <a:r>
-              <a:rPr lang="fi-FI" sz="1200" dirty="0"/>
-              <a:t> </a:t>
-            </a:r>
-            <a:r>
-              <a:rPr lang="fi-FI" sz="1200" dirty="0" err="1"/>
-              <a:t>sensor</a:t>
-            </a:r>
-            <a:r>
-              <a:rPr lang="fi-FI" sz="1200" dirty="0"/>
-              <a:t> -&gt; </a:t>
-            </a:r>
             <a:r>
               <a:rPr lang="fi-FI" sz="1200" dirty="0" err="1"/>
               <a:t>thermalwell</a:t>
@@ -3957,113 +3789,28 @@
           </a:p>
         </p:txBody>
       </p:sp>
-      <p:sp>
-        <p:nvSpPr>
-          <p:cNvPr id="14" name="Rectangle 13">
-            <a:extLst>
-              <a:ext uri="{FF2B5EF4-FFF2-40B4-BE49-F238E27FC236}">
-                <a16:creationId xmlns:a16="http://schemas.microsoft.com/office/drawing/2014/main" id="{639F341F-C494-447F-AAD5-F1742ED1D091}"/>
-              </a:ext>
-            </a:extLst>
-          </p:cNvPr>
-          <p:cNvSpPr/>
-          <p:nvPr/>
-        </p:nvSpPr>
-        <p:spPr>
-          <a:xfrm>
-            <a:off x="2420199" y="4742390"/>
-            <a:ext cx="963509" cy="1155592"/>
-          </a:xfrm>
-          <a:prstGeom prst="rect">
-            <a:avLst/>
-          </a:prstGeom>
-        </p:spPr>
-        <p:style>
-          <a:lnRef idx="2">
-            <a:schemeClr val="accent1">
-              <a:shade val="50000"/>
-            </a:schemeClr>
-          </a:lnRef>
-          <a:fillRef idx="1">
-            <a:schemeClr val="accent1"/>
-          </a:fillRef>
-          <a:effectRef idx="0">
-            <a:schemeClr val="accent1"/>
-          </a:effectRef>
-          <a:fontRef idx="minor">
-            <a:schemeClr val="lt1"/>
-          </a:fontRef>
-        </p:style>
-        <p:txBody>
-          <a:bodyPr rtlCol="0" anchor="ctr"/>
-          <a:lstStyle/>
-          <a:p>
-            <a:r>
-              <a:rPr lang="fi-FI" sz="1200" dirty="0"/>
-              <a:t>LM35 </a:t>
-            </a:r>
-            <a:r>
-              <a:rPr lang="fi-FI" sz="1200" dirty="0" err="1"/>
-              <a:t>analog</a:t>
-            </a:r>
-            <a:r>
-              <a:rPr lang="fi-FI" sz="1200" dirty="0"/>
-              <a:t> </a:t>
-            </a:r>
-            <a:r>
-              <a:rPr lang="fi-FI" sz="1200" dirty="0" err="1"/>
-              <a:t>temp</a:t>
-            </a:r>
-            <a:r>
-              <a:rPr lang="fi-FI" sz="1200" dirty="0"/>
-              <a:t> </a:t>
-            </a:r>
-            <a:r>
-              <a:rPr lang="fi-FI" sz="1200" dirty="0" err="1"/>
-              <a:t>Sensor</a:t>
-            </a:r>
-            <a:r>
-              <a:rPr lang="fi-FI" sz="1200" dirty="0"/>
-              <a:t> -&gt; </a:t>
-            </a:r>
-            <a:r>
-              <a:rPr lang="fi-FI" sz="1200" dirty="0" err="1"/>
-              <a:t>internal</a:t>
-            </a:r>
-            <a:r>
-              <a:rPr lang="fi-FI" sz="1200" dirty="0"/>
-              <a:t> </a:t>
-            </a:r>
-            <a:r>
-              <a:rPr lang="fi-FI" sz="1200" dirty="0" err="1"/>
-              <a:t>temp</a:t>
-            </a:r>
-            <a:endParaRPr lang="fi-FI" sz="1200" dirty="0"/>
-          </a:p>
-        </p:txBody>
-      </p:sp>
       <p:cxnSp>
         <p:nvCxnSpPr>
-          <p:cNvPr id="17" name="Connector: Elbow 16">
-            <a:extLst>
-              <a:ext uri="{FF2B5EF4-FFF2-40B4-BE49-F238E27FC236}">
-                <a16:creationId xmlns:a16="http://schemas.microsoft.com/office/drawing/2014/main" id="{1836FFDA-E5EC-4812-9FE0-89AC6A5CD4D6}"/>
+          <p:cNvPr id="19" name="Connector: Elbow 18">
+            <a:extLst>
+              <a:ext uri="{FF2B5EF4-FFF2-40B4-BE49-F238E27FC236}">
+                <a16:creationId xmlns:a16="http://schemas.microsoft.com/office/drawing/2014/main" id="{714506D7-CBA5-454D-8081-15B1B649314A}"/>
               </a:ext>
             </a:extLst>
           </p:cNvPr>
           <p:cNvCxnSpPr>
             <a:cxnSpLocks/>
-            <a:stCxn id="4" idx="2"/>
-            <a:endCxn id="14" idx="0"/>
+            <a:stCxn id="5" idx="1"/>
+            <a:endCxn id="38" idx="4"/>
           </p:cNvCxnSpPr>
           <p:nvPr/>
         </p:nvCxnSpPr>
         <p:spPr>
-          <a:xfrm rot="16200000" flipH="1">
-            <a:off x="1771494" y="3611929"/>
-            <a:ext cx="1472279" cy="788641"/>
-          </a:xfrm>
-          <a:prstGeom prst="bentConnector3">
+          <a:xfrm rot="10800000" flipV="1">
+            <a:off x="1341652" y="2604496"/>
+            <a:ext cx="4747221" cy="1672934"/>
+          </a:xfrm>
+          <a:prstGeom prst="bentConnector2">
             <a:avLst/>
           </a:prstGeom>
           <a:ln w="12700">
@@ -4089,24 +3836,69 @@
       </p:cxnSp>
       <p:cxnSp>
         <p:nvCxnSpPr>
-          <p:cNvPr id="19" name="Connector: Elbow 18">
-            <a:extLst>
-              <a:ext uri="{FF2B5EF4-FFF2-40B4-BE49-F238E27FC236}">
-                <a16:creationId xmlns:a16="http://schemas.microsoft.com/office/drawing/2014/main" id="{714506D7-CBA5-454D-8081-15B1B649314A}"/>
+          <p:cNvPr id="21" name="Connector: Elbow 20">
+            <a:extLst>
+              <a:ext uri="{FF2B5EF4-FFF2-40B4-BE49-F238E27FC236}">
+                <a16:creationId xmlns:a16="http://schemas.microsoft.com/office/drawing/2014/main" id="{BC9AF60B-221F-4B7A-89A7-40F55C4BD4BB}"/>
               </a:ext>
             </a:extLst>
           </p:cNvPr>
           <p:cNvCxnSpPr>
             <a:cxnSpLocks/>
-            <a:stCxn id="4" idx="2"/>
-            <a:endCxn id="38" idx="4"/>
+            <a:stCxn id="38" idx="2"/>
+            <a:endCxn id="12" idx="0"/>
           </p:cNvCxnSpPr>
           <p:nvPr/>
         </p:nvCxnSpPr>
         <p:spPr>
+          <a:xfrm rot="10800000" flipV="1">
+            <a:off x="842917" y="4328859"/>
+            <a:ext cx="451981" cy="416272"/>
+          </a:xfrm>
+          <a:prstGeom prst="bentConnector2">
+            <a:avLst/>
+          </a:prstGeom>
+          <a:ln w="12700">
+            <a:solidFill>
+              <a:schemeClr val="tx1"/>
+            </a:solidFill>
+          </a:ln>
+        </p:spPr>
+        <p:style>
+          <a:lnRef idx="1">
+            <a:schemeClr val="accent1"/>
+          </a:lnRef>
+          <a:fillRef idx="0">
+            <a:schemeClr val="accent1"/>
+          </a:fillRef>
+          <a:effectRef idx="0">
+            <a:schemeClr val="accent1"/>
+          </a:effectRef>
+          <a:fontRef idx="minor">
+            <a:schemeClr val="tx1"/>
+          </a:fontRef>
+        </p:style>
+      </p:cxnSp>
+      <p:cxnSp>
+        <p:nvCxnSpPr>
+          <p:cNvPr id="23" name="Connector: Elbow 22">
+            <a:extLst>
+              <a:ext uri="{FF2B5EF4-FFF2-40B4-BE49-F238E27FC236}">
+                <a16:creationId xmlns:a16="http://schemas.microsoft.com/office/drawing/2014/main" id="{D23EC554-7128-4EDF-AEC5-95067341F758}"/>
+              </a:ext>
+            </a:extLst>
+          </p:cNvPr>
+          <p:cNvCxnSpPr>
+            <a:cxnSpLocks/>
+            <a:stCxn id="159" idx="2"/>
+            <a:endCxn id="11" idx="0"/>
+          </p:cNvCxnSpPr>
+          <p:nvPr/>
+        </p:nvCxnSpPr>
+        <p:spPr>
           <a:xfrm rot="5400000">
-            <a:off x="1223823" y="3387939"/>
-            <a:ext cx="1007319" cy="771662"/>
+            <a:off x="5840957" y="1679765"/>
+            <a:ext cx="1160107" cy="4970626"/>
           </a:xfrm>
           <a:prstGeom prst="bentConnector3">
             <a:avLst>
@@ -4136,26 +3928,26 @@
       </p:cxnSp>
       <p:cxnSp>
         <p:nvCxnSpPr>
-          <p:cNvPr id="21" name="Connector: Elbow 20">
-            <a:extLst>
-              <a:ext uri="{FF2B5EF4-FFF2-40B4-BE49-F238E27FC236}">
-                <a16:creationId xmlns:a16="http://schemas.microsoft.com/office/drawing/2014/main" id="{BC9AF60B-221F-4B7A-89A7-40F55C4BD4BB}"/>
+          <p:cNvPr id="26" name="Connector: Elbow 25">
+            <a:extLst>
+              <a:ext uri="{FF2B5EF4-FFF2-40B4-BE49-F238E27FC236}">
+                <a16:creationId xmlns:a16="http://schemas.microsoft.com/office/drawing/2014/main" id="{85C17885-666E-49A6-A833-EF8F93CFC346}"/>
               </a:ext>
             </a:extLst>
           </p:cNvPr>
           <p:cNvCxnSpPr>
             <a:cxnSpLocks/>
-            <a:stCxn id="38" idx="2"/>
-            <a:endCxn id="12" idx="0"/>
+            <a:stCxn id="159" idx="2"/>
+            <a:endCxn id="10" idx="0"/>
           </p:cNvCxnSpPr>
           <p:nvPr/>
         </p:nvCxnSpPr>
         <p:spPr>
-          <a:xfrm rot="10800000" flipV="1">
-            <a:off x="842917" y="4328859"/>
-            <a:ext cx="451981" cy="416272"/>
-          </a:xfrm>
-          <a:prstGeom prst="bentConnector2">
+          <a:xfrm rot="5400000">
+            <a:off x="6355387" y="2188713"/>
+            <a:ext cx="1154624" cy="3947248"/>
+          </a:xfrm>
+          <a:prstGeom prst="bentConnector3">
             <a:avLst/>
           </a:prstGeom>
           <a:ln w="12700">
@@ -4181,24 +3973,69 @@
       </p:cxnSp>
       <p:cxnSp>
         <p:nvCxnSpPr>
-          <p:cNvPr id="23" name="Connector: Elbow 22">
-            <a:extLst>
-              <a:ext uri="{FF2B5EF4-FFF2-40B4-BE49-F238E27FC236}">
-                <a16:creationId xmlns:a16="http://schemas.microsoft.com/office/drawing/2014/main" id="{D23EC554-7128-4EDF-AEC5-95067341F758}"/>
+          <p:cNvPr id="28" name="Connector: Elbow 27">
+            <a:extLst>
+              <a:ext uri="{FF2B5EF4-FFF2-40B4-BE49-F238E27FC236}">
+                <a16:creationId xmlns:a16="http://schemas.microsoft.com/office/drawing/2014/main" id="{9209B8F2-F4F8-4BF0-AD37-3CF2C86F9105}"/>
               </a:ext>
             </a:extLst>
           </p:cNvPr>
           <p:cNvCxnSpPr>
             <a:cxnSpLocks/>
-            <a:stCxn id="4" idx="2"/>
-            <a:endCxn id="11" idx="0"/>
+            <a:stCxn id="159" idx="2"/>
+            <a:endCxn id="9" idx="0"/>
           </p:cNvCxnSpPr>
           <p:nvPr/>
         </p:nvCxnSpPr>
         <p:spPr>
-          <a:xfrm rot="16200000" flipH="1">
-            <a:off x="2286995" y="3096429"/>
-            <a:ext cx="1475021" cy="1822384"/>
+          <a:xfrm rot="5400000">
+            <a:off x="6864335" y="2703143"/>
+            <a:ext cx="1160107" cy="2923870"/>
+          </a:xfrm>
+          <a:prstGeom prst="bentConnector3">
+            <a:avLst/>
+          </a:prstGeom>
+          <a:ln w="12700">
+            <a:solidFill>
+              <a:schemeClr val="tx1"/>
+            </a:solidFill>
+          </a:ln>
+        </p:spPr>
+        <p:style>
+          <a:lnRef idx="1">
+            <a:schemeClr val="accent1"/>
+          </a:lnRef>
+          <a:fillRef idx="0">
+            <a:schemeClr val="accent1"/>
+          </a:fillRef>
+          <a:effectRef idx="0">
+            <a:schemeClr val="accent1"/>
+          </a:effectRef>
+          <a:fontRef idx="minor">
+            <a:schemeClr val="tx1"/>
+          </a:fontRef>
+        </p:style>
+      </p:cxnSp>
+      <p:cxnSp>
+        <p:nvCxnSpPr>
+          <p:cNvPr id="30" name="Connector: Elbow 29">
+            <a:extLst>
+              <a:ext uri="{FF2B5EF4-FFF2-40B4-BE49-F238E27FC236}">
+                <a16:creationId xmlns:a16="http://schemas.microsoft.com/office/drawing/2014/main" id="{5A05D713-4BB3-4140-ACE5-56688D8DB8FB}"/>
+              </a:ext>
+            </a:extLst>
+          </p:cNvPr>
+          <p:cNvCxnSpPr>
+            <a:cxnSpLocks/>
+            <a:stCxn id="159" idx="2"/>
+            <a:endCxn id="8" idx="0"/>
+          </p:cNvCxnSpPr>
+          <p:nvPr/>
+        </p:nvCxnSpPr>
+        <p:spPr>
+          <a:xfrm rot="5400000">
+            <a:off x="7378765" y="3212089"/>
+            <a:ext cx="1154622" cy="1900494"/>
           </a:xfrm>
           <a:prstGeom prst="bentConnector3">
             <a:avLst>
@@ -4226,143 +4063,6 @@
           </a:fontRef>
         </p:style>
       </p:cxnSp>
-      <p:cxnSp>
-        <p:nvCxnSpPr>
-          <p:cNvPr id="26" name="Connector: Elbow 25">
-            <a:extLst>
-              <a:ext uri="{FF2B5EF4-FFF2-40B4-BE49-F238E27FC236}">
-                <a16:creationId xmlns:a16="http://schemas.microsoft.com/office/drawing/2014/main" id="{85C17885-666E-49A6-A833-EF8F93CFC346}"/>
-              </a:ext>
-            </a:extLst>
-          </p:cNvPr>
-          <p:cNvCxnSpPr>
-            <a:cxnSpLocks/>
-            <a:stCxn id="4" idx="2"/>
-            <a:endCxn id="10" idx="0"/>
-          </p:cNvCxnSpPr>
-          <p:nvPr/>
-        </p:nvCxnSpPr>
-        <p:spPr>
-          <a:xfrm rot="16200000" flipH="1">
-            <a:off x="2801425" y="2581999"/>
-            <a:ext cx="1469538" cy="2845762"/>
-          </a:xfrm>
-          <a:prstGeom prst="bentConnector3">
-            <a:avLst/>
-          </a:prstGeom>
-          <a:ln w="12700">
-            <a:solidFill>
-              <a:schemeClr val="tx1"/>
-            </a:solidFill>
-          </a:ln>
-        </p:spPr>
-        <p:style>
-          <a:lnRef idx="1">
-            <a:schemeClr val="accent1"/>
-          </a:lnRef>
-          <a:fillRef idx="0">
-            <a:schemeClr val="accent1"/>
-          </a:fillRef>
-          <a:effectRef idx="0">
-            <a:schemeClr val="accent1"/>
-          </a:effectRef>
-          <a:fontRef idx="minor">
-            <a:schemeClr val="tx1"/>
-          </a:fontRef>
-        </p:style>
-      </p:cxnSp>
-      <p:cxnSp>
-        <p:nvCxnSpPr>
-          <p:cNvPr id="28" name="Connector: Elbow 27">
-            <a:extLst>
-              <a:ext uri="{FF2B5EF4-FFF2-40B4-BE49-F238E27FC236}">
-                <a16:creationId xmlns:a16="http://schemas.microsoft.com/office/drawing/2014/main" id="{9209B8F2-F4F8-4BF0-AD37-3CF2C86F9105}"/>
-              </a:ext>
-            </a:extLst>
-          </p:cNvPr>
-          <p:cNvCxnSpPr>
-            <a:cxnSpLocks/>
-            <a:stCxn id="4" idx="2"/>
-            <a:endCxn id="9" idx="0"/>
-          </p:cNvCxnSpPr>
-          <p:nvPr/>
-        </p:nvCxnSpPr>
-        <p:spPr>
-          <a:xfrm rot="16200000" flipH="1">
-            <a:off x="3310373" y="2073051"/>
-            <a:ext cx="1475021" cy="3869140"/>
-          </a:xfrm>
-          <a:prstGeom prst="bentConnector3">
-            <a:avLst/>
-          </a:prstGeom>
-          <a:ln w="12700">
-            <a:solidFill>
-              <a:schemeClr val="tx1"/>
-            </a:solidFill>
-          </a:ln>
-        </p:spPr>
-        <p:style>
-          <a:lnRef idx="1">
-            <a:schemeClr val="accent1"/>
-          </a:lnRef>
-          <a:fillRef idx="0">
-            <a:schemeClr val="accent1"/>
-          </a:fillRef>
-          <a:effectRef idx="0">
-            <a:schemeClr val="accent1"/>
-          </a:effectRef>
-          <a:fontRef idx="minor">
-            <a:schemeClr val="tx1"/>
-          </a:fontRef>
-        </p:style>
-      </p:cxnSp>
-      <p:cxnSp>
-        <p:nvCxnSpPr>
-          <p:cNvPr id="30" name="Connector: Elbow 29">
-            <a:extLst>
-              <a:ext uri="{FF2B5EF4-FFF2-40B4-BE49-F238E27FC236}">
-                <a16:creationId xmlns:a16="http://schemas.microsoft.com/office/drawing/2014/main" id="{5A05D713-4BB3-4140-ACE5-56688D8DB8FB}"/>
-              </a:ext>
-            </a:extLst>
-          </p:cNvPr>
-          <p:cNvCxnSpPr>
-            <a:cxnSpLocks/>
-            <a:stCxn id="4" idx="2"/>
-            <a:endCxn id="8" idx="0"/>
-          </p:cNvCxnSpPr>
-          <p:nvPr/>
-        </p:nvCxnSpPr>
-        <p:spPr>
-          <a:xfrm rot="16200000" flipH="1">
-            <a:off x="3824803" y="1558621"/>
-            <a:ext cx="1469536" cy="4892516"/>
-          </a:xfrm>
-          <a:prstGeom prst="bentConnector3">
-            <a:avLst>
-              <a:gd name="adj1" fmla="val 50000"/>
-            </a:avLst>
-          </a:prstGeom>
-          <a:ln w="12700">
-            <a:solidFill>
-              <a:schemeClr val="tx1"/>
-            </a:solidFill>
-          </a:ln>
-        </p:spPr>
-        <p:style>
-          <a:lnRef idx="1">
-            <a:schemeClr val="accent1"/>
-          </a:lnRef>
-          <a:fillRef idx="0">
-            <a:schemeClr val="accent1"/>
-          </a:fillRef>
-          <a:effectRef idx="0">
-            <a:schemeClr val="accent1"/>
-          </a:effectRef>
-          <a:fontRef idx="minor">
-            <a:schemeClr val="tx1"/>
-          </a:fontRef>
-        </p:style>
-      </p:cxnSp>
       <p:sp>
         <p:nvSpPr>
           <p:cNvPr id="33" name="TextBox 32">
@@ -4377,8 +4077,8 @@
         </p:nvSpPr>
         <p:spPr>
           <a:xfrm>
-            <a:off x="6752394" y="4303008"/>
-            <a:ext cx="506870" cy="307777"/>
+            <a:off x="6706708" y="4303008"/>
+            <a:ext cx="598242" cy="307777"/>
           </a:xfrm>
           <a:prstGeom prst="rect">
             <a:avLst/>
@@ -4396,7 +4096,7 @@
             <a:pPr algn="ctr"/>
             <a:r>
               <a:rPr lang="en-US" sz="1400" dirty="0"/>
-              <a:t>pin7</a:t>
+              <a:t>pin24</a:t>
             </a:r>
             <a:endParaRPr lang="LID4096" sz="1400" dirty="0"/>
           </a:p>
@@ -4416,8 +4116,8 @@
         </p:nvSpPr>
         <p:spPr>
           <a:xfrm>
-            <a:off x="5731371" y="4303008"/>
-            <a:ext cx="506870" cy="307777"/>
+            <a:off x="5685685" y="4303008"/>
+            <a:ext cx="598242" cy="307777"/>
           </a:xfrm>
           <a:prstGeom prst="rect">
             <a:avLst/>
@@ -4435,7 +4135,7 @@
             <a:pPr algn="ctr"/>
             <a:r>
               <a:rPr lang="en-US" sz="1400" dirty="0"/>
-              <a:t>pin8</a:t>
+              <a:t>pin23</a:t>
             </a:r>
             <a:endParaRPr lang="LID4096" sz="1400" dirty="0"/>
           </a:p>
@@ -4474,7 +4174,7 @@
             <a:pPr algn="ctr"/>
             <a:r>
               <a:rPr lang="en-US" sz="1400" dirty="0"/>
-              <a:t>pin9</a:t>
+              <a:t>pin6</a:t>
             </a:r>
             <a:endParaRPr lang="LID4096" sz="1400" dirty="0"/>
           </a:p>
@@ -4494,8 +4194,8 @@
         </p:nvSpPr>
         <p:spPr>
           <a:xfrm>
-            <a:off x="1095171" y="3798317"/>
-            <a:ext cx="506870" cy="307777"/>
+            <a:off x="1071126" y="3798317"/>
+            <a:ext cx="554960" cy="307777"/>
           </a:xfrm>
           <a:prstGeom prst="rect">
             <a:avLst/>
@@ -4513,46 +4213,7 @@
             <a:pPr algn="ctr"/>
             <a:r>
               <a:rPr lang="en-US" sz="1400" dirty="0"/>
-              <a:t>pin2</a:t>
-            </a:r>
-            <a:endParaRPr lang="LID4096" sz="1400" dirty="0"/>
-          </a:p>
-        </p:txBody>
-      </p:sp>
-      <p:sp>
-        <p:nvSpPr>
-          <p:cNvPr id="37" name="TextBox 36">
-            <a:extLst>
-              <a:ext uri="{FF2B5EF4-FFF2-40B4-BE49-F238E27FC236}">
-                <a16:creationId xmlns:a16="http://schemas.microsoft.com/office/drawing/2014/main" id="{0F2BF014-0D82-407B-9184-AA334B19391C}"/>
-              </a:ext>
-            </a:extLst>
-          </p:cNvPr>
-          <p:cNvSpPr txBox="1"/>
-          <p:nvPr/>
-        </p:nvSpPr>
-        <p:spPr>
-          <a:xfrm>
-            <a:off x="2696357" y="4303008"/>
-            <a:ext cx="380232" cy="307777"/>
-          </a:xfrm>
-          <a:prstGeom prst="rect">
-            <a:avLst/>
-          </a:prstGeom>
-          <a:solidFill>
-            <a:schemeClr val="bg1"/>
-          </a:solidFill>
-        </p:spPr>
-        <p:txBody>
-          <a:bodyPr wrap="none" rtlCol="0">
-            <a:spAutoFit/>
-          </a:bodyPr>
-          <a:lstStyle/>
-          <a:p>
-            <a:pPr algn="ctr"/>
-            <a:r>
-              <a:rPr lang="en-US" sz="1400" dirty="0"/>
-              <a:t>A6</a:t>
+              <a:t>GPIO</a:t>
             </a:r>
             <a:endParaRPr lang="LID4096" sz="1400" dirty="0"/>
           </a:p>
@@ -4663,8 +4324,8 @@
         </p:nvSpPr>
         <p:spPr>
           <a:xfrm>
-            <a:off x="3585131" y="4303008"/>
-            <a:ext cx="598241" cy="307777"/>
+            <a:off x="3630816" y="4303008"/>
+            <a:ext cx="506870" cy="307777"/>
           </a:xfrm>
           <a:prstGeom prst="rect">
             <a:avLst/>
@@ -4682,7 +4343,7 @@
             <a:pPr algn="ctr"/>
             <a:r>
               <a:rPr lang="en-US" sz="1400" dirty="0"/>
-              <a:t>pin10</a:t>
+              <a:t>pin5</a:t>
             </a:r>
             <a:endParaRPr lang="LID4096" sz="1400" dirty="0"/>
           </a:p>
@@ -5202,101 +4863,12 @@
           </a:p>
         </p:txBody>
       </p:sp>
-      <p:cxnSp>
-        <p:nvCxnSpPr>
-          <p:cNvPr id="122" name="Connector: Elbow 121">
-            <a:extLst>
-              <a:ext uri="{FF2B5EF4-FFF2-40B4-BE49-F238E27FC236}">
-                <a16:creationId xmlns:a16="http://schemas.microsoft.com/office/drawing/2014/main" id="{BFA81B90-4A5F-4B05-9F78-AC4702ECB7C0}"/>
-              </a:ext>
-            </a:extLst>
-          </p:cNvPr>
-          <p:cNvCxnSpPr>
-            <a:cxnSpLocks/>
-            <a:stCxn id="5" idx="1"/>
-            <a:endCxn id="4" idx="3"/>
-          </p:cNvCxnSpPr>
-          <p:nvPr/>
-        </p:nvCxnSpPr>
-        <p:spPr>
-          <a:xfrm rot="10800000" flipV="1">
-            <a:off x="3383708" y="2604495"/>
-            <a:ext cx="2705164" cy="1737"/>
-          </a:xfrm>
-          <a:prstGeom prst="bentConnector3">
-            <a:avLst/>
-          </a:prstGeom>
-          <a:ln w="28575">
-            <a:solidFill>
-              <a:srgbClr val="FF0000"/>
-            </a:solidFill>
-          </a:ln>
-        </p:spPr>
-        <p:style>
-          <a:lnRef idx="1">
-            <a:schemeClr val="accent1"/>
-          </a:lnRef>
-          <a:fillRef idx="0">
-            <a:schemeClr val="accent1"/>
-          </a:fillRef>
-          <a:effectRef idx="0">
-            <a:schemeClr val="accent1"/>
-          </a:effectRef>
-          <a:fontRef idx="minor">
-            <a:schemeClr val="tx1"/>
-          </a:fontRef>
-        </p:style>
-      </p:cxnSp>
-      <p:sp>
-        <p:nvSpPr>
-          <p:cNvPr id="123" name="TextBox 122">
-            <a:extLst>
-              <a:ext uri="{FF2B5EF4-FFF2-40B4-BE49-F238E27FC236}">
-                <a16:creationId xmlns:a16="http://schemas.microsoft.com/office/drawing/2014/main" id="{FFC154A5-A337-4E26-8993-6E480477BB1C}"/>
-              </a:ext>
-            </a:extLst>
-          </p:cNvPr>
-          <p:cNvSpPr txBox="1"/>
-          <p:nvPr/>
-        </p:nvSpPr>
-        <p:spPr>
-          <a:xfrm>
-            <a:off x="3980231" y="2373662"/>
-            <a:ext cx="1528816" cy="461665"/>
-          </a:xfrm>
-          <a:prstGeom prst="rect">
-            <a:avLst/>
-          </a:prstGeom>
-          <a:noFill/>
-        </p:spPr>
-        <p:txBody>
-          <a:bodyPr wrap="none" rtlCol="0">
-            <a:spAutoFit/>
-          </a:bodyPr>
-          <a:lstStyle/>
-          <a:p>
-            <a:pPr algn="ctr"/>
-            <a:r>
-              <a:rPr lang="en-US" sz="1200" dirty="0"/>
-              <a:t>USB power</a:t>
-            </a:r>
-            <a:br>
-              <a:rPr lang="en-US" sz="1200" dirty="0"/>
-            </a:br>
-            <a:r>
-              <a:rPr lang="en-US" sz="1200" dirty="0"/>
-              <a:t>serial communication</a:t>
-            </a:r>
-            <a:endParaRPr lang="LID4096" sz="1200" dirty="0"/>
-          </a:p>
-        </p:txBody>
-      </p:sp>
-      <p:sp>
-        <p:nvSpPr>
-          <p:cNvPr id="135" name="Rectangle 134">
-            <a:extLst>
-              <a:ext uri="{FF2B5EF4-FFF2-40B4-BE49-F238E27FC236}">
-                <a16:creationId xmlns:a16="http://schemas.microsoft.com/office/drawing/2014/main" id="{36345AEE-42CD-4C41-AF7F-5BC5747BAE0A}"/>
+      <p:sp>
+        <p:nvSpPr>
+          <p:cNvPr id="160" name="Rectangle 159">
+            <a:extLst>
+              <a:ext uri="{FF2B5EF4-FFF2-40B4-BE49-F238E27FC236}">
+                <a16:creationId xmlns:a16="http://schemas.microsoft.com/office/drawing/2014/main" id="{DCF63F1A-7B3A-4FA0-BA47-1E121BE2CB0A}"/>
               </a:ext>
             </a:extLst>
           </p:cNvPr>
@@ -5305,7 +4877,7 @@
         </p:nvSpPr>
         <p:spPr>
           <a:xfrm>
-            <a:off x="6596566" y="2979718"/>
+            <a:off x="6596565" y="1926770"/>
             <a:ext cx="1279741" cy="605307"/>
           </a:xfrm>
           <a:prstGeom prst="rect">
@@ -5345,17 +4917,6 @@
           <a:p>
             <a:pPr algn="ctr"/>
             <a:r>
-              <a:rPr lang="en-US" sz="1400">
-                <a:solidFill>
-                  <a:schemeClr val="tx1">
-                    <a:lumMod val="50000"/>
-                    <a:lumOff val="50000"/>
-                  </a:schemeClr>
-                </a:solidFill>
-              </a:rPr>
-              <a:t>c</a:t>
-            </a:r>
-            <a:r>
               <a:rPr lang="en-US" sz="1400" dirty="0">
                 <a:solidFill>
                   <a:schemeClr val="tx1">
@@ -5364,18 +4925,7 @@
                   </a:schemeClr>
                 </a:solidFill>
               </a:rPr>
-              <a:t>ontroller</a:t>
-            </a:r>
-            <a:r>
-              <a:rPr lang="en-US" sz="1400">
-                <a:solidFill>
-                  <a:schemeClr val="tx1">
-                    <a:lumMod val="50000"/>
-                    <a:lumOff val="50000"/>
-                  </a:schemeClr>
-                </a:solidFill>
-              </a:rPr>
-              <a:t>.py</a:t>
+              <a:t>tilt.py</a:t>
             </a:r>
             <a:endParaRPr lang="LID4096" sz="1400" dirty="0">
               <a:solidFill>
@@ -5388,108 +4938,12 @@
           </a:p>
         </p:txBody>
       </p:sp>
-      <p:cxnSp>
-        <p:nvCxnSpPr>
-          <p:cNvPr id="137" name="Connector: Elbow 136">
-            <a:extLst>
-              <a:ext uri="{FF2B5EF4-FFF2-40B4-BE49-F238E27FC236}">
-                <a16:creationId xmlns:a16="http://schemas.microsoft.com/office/drawing/2014/main" id="{F28D51BA-AE00-4EAC-B683-88C27885163A}"/>
-              </a:ext>
-            </a:extLst>
-          </p:cNvPr>
-          <p:cNvCxnSpPr>
-            <a:cxnSpLocks/>
-            <a:stCxn id="4" idx="3"/>
-            <a:endCxn id="7" idx="3"/>
-          </p:cNvCxnSpPr>
-          <p:nvPr/>
-        </p:nvCxnSpPr>
-        <p:spPr>
-          <a:xfrm flipH="1" flipV="1">
-            <a:off x="3023276" y="2605741"/>
-            <a:ext cx="360432" cy="492"/>
-          </a:xfrm>
-          <a:prstGeom prst="bentConnector3">
-            <a:avLst>
-              <a:gd name="adj1" fmla="val 52705"/>
-            </a:avLst>
-          </a:prstGeom>
-          <a:ln w="12700">
-            <a:solidFill>
-              <a:schemeClr val="tx1"/>
-            </a:solidFill>
-            <a:prstDash val="dash"/>
-          </a:ln>
-        </p:spPr>
-        <p:style>
-          <a:lnRef idx="1">
-            <a:schemeClr val="accent1"/>
-          </a:lnRef>
-          <a:fillRef idx="0">
-            <a:schemeClr val="accent1"/>
-          </a:fillRef>
-          <a:effectRef idx="0">
-            <a:schemeClr val="accent1"/>
-          </a:effectRef>
-          <a:fontRef idx="minor">
-            <a:schemeClr val="tx1"/>
-          </a:fontRef>
-        </p:style>
-      </p:cxnSp>
-      <p:cxnSp>
-        <p:nvCxnSpPr>
-          <p:cNvPr id="151" name="Connector: Elbow 150">
-            <a:extLst>
-              <a:ext uri="{FF2B5EF4-FFF2-40B4-BE49-F238E27FC236}">
-                <a16:creationId xmlns:a16="http://schemas.microsoft.com/office/drawing/2014/main" id="{508D9B31-3EF3-43CE-8C95-26EAA8AB474D}"/>
-              </a:ext>
-            </a:extLst>
-          </p:cNvPr>
-          <p:cNvCxnSpPr>
-            <a:cxnSpLocks/>
-            <a:stCxn id="5" idx="1"/>
-            <a:endCxn id="135" idx="1"/>
-          </p:cNvCxnSpPr>
-          <p:nvPr/>
-        </p:nvCxnSpPr>
-        <p:spPr>
-          <a:xfrm rot="10800000" flipH="1" flipV="1">
-            <a:off x="6088872" y="2604496"/>
-            <a:ext cx="507694" cy="677876"/>
-          </a:xfrm>
-          <a:prstGeom prst="bentConnector3">
-            <a:avLst>
-              <a:gd name="adj1" fmla="val 42491"/>
-            </a:avLst>
-          </a:prstGeom>
-          <a:ln w="12700">
-            <a:solidFill>
-              <a:schemeClr val="tx1"/>
-            </a:solidFill>
-            <a:prstDash val="dash"/>
-          </a:ln>
-        </p:spPr>
-        <p:style>
-          <a:lnRef idx="1">
-            <a:schemeClr val="accent1"/>
-          </a:lnRef>
-          <a:fillRef idx="0">
-            <a:schemeClr val="accent1"/>
-          </a:fillRef>
-          <a:effectRef idx="0">
-            <a:schemeClr val="accent1"/>
-          </a:effectRef>
-          <a:fontRef idx="minor">
-            <a:schemeClr val="tx1"/>
-          </a:fontRef>
-        </p:style>
-      </p:cxnSp>
-      <p:sp>
-        <p:nvSpPr>
-          <p:cNvPr id="159" name="Rectangle 158">
-            <a:extLst>
-              <a:ext uri="{FF2B5EF4-FFF2-40B4-BE49-F238E27FC236}">
-                <a16:creationId xmlns:a16="http://schemas.microsoft.com/office/drawing/2014/main" id="{ADFBC12F-91C4-492B-9377-E0EFFBFA7AFA}"/>
+      <p:sp>
+        <p:nvSpPr>
+          <p:cNvPr id="166" name="Rectangle 165">
+            <a:extLst>
+              <a:ext uri="{FF2B5EF4-FFF2-40B4-BE49-F238E27FC236}">
+                <a16:creationId xmlns:a16="http://schemas.microsoft.com/office/drawing/2014/main" id="{32250086-BDEC-48EB-91E8-463F167DE1B0}"/>
               </a:ext>
             </a:extLst>
           </p:cNvPr>
@@ -5498,7 +4952,7 @@
         </p:nvSpPr>
         <p:spPr>
           <a:xfrm>
-            <a:off x="8266452" y="2979718"/>
+            <a:off x="8266451" y="1925795"/>
             <a:ext cx="1279741" cy="605307"/>
           </a:xfrm>
           <a:prstGeom prst="rect">
@@ -5546,7 +5000,7 @@
                   </a:schemeClr>
                 </a:solidFill>
               </a:rPr>
-              <a:t>chamber.py</a:t>
+              <a:t>interface.py</a:t>
             </a:r>
             <a:endParaRPr lang="LID4096" sz="1400" dirty="0">
               <a:solidFill>
@@ -5561,10 +5015,10 @@
       </p:sp>
       <p:sp>
         <p:nvSpPr>
-          <p:cNvPr id="160" name="Rectangle 159">
-            <a:extLst>
-              <a:ext uri="{FF2B5EF4-FFF2-40B4-BE49-F238E27FC236}">
-                <a16:creationId xmlns:a16="http://schemas.microsoft.com/office/drawing/2014/main" id="{DCF63F1A-7B3A-4FA0-BA47-1E121BE2CB0A}"/>
+          <p:cNvPr id="168" name="Rectangle 167">
+            <a:extLst>
+              <a:ext uri="{FF2B5EF4-FFF2-40B4-BE49-F238E27FC236}">
+                <a16:creationId xmlns:a16="http://schemas.microsoft.com/office/drawing/2014/main" id="{C7C53D94-9529-4330-981D-12E0AFC6ECB1}"/>
               </a:ext>
             </a:extLst>
           </p:cNvPr>
@@ -5573,7 +5027,7 @@
         </p:nvSpPr>
         <p:spPr>
           <a:xfrm>
-            <a:off x="6596565" y="1926770"/>
+            <a:off x="9933209" y="2979718"/>
             <a:ext cx="1279741" cy="605307"/>
           </a:xfrm>
           <a:prstGeom prst="rect">
@@ -5621,7 +5075,7 @@
                   </a:schemeClr>
                 </a:solidFill>
               </a:rPr>
-              <a:t>tilt.py</a:t>
+              <a:t>brewfather.py</a:t>
             </a:r>
             <a:endParaRPr lang="LID4096" sz="1400" dirty="0">
               <a:solidFill>
@@ -5636,10 +5090,10 @@
       </p:sp>
       <p:sp>
         <p:nvSpPr>
-          <p:cNvPr id="166" name="Rectangle 165">
-            <a:extLst>
-              <a:ext uri="{FF2B5EF4-FFF2-40B4-BE49-F238E27FC236}">
-                <a16:creationId xmlns:a16="http://schemas.microsoft.com/office/drawing/2014/main" id="{32250086-BDEC-48EB-91E8-463F167DE1B0}"/>
+          <p:cNvPr id="169" name="Rectangle 168">
+            <a:extLst>
+              <a:ext uri="{FF2B5EF4-FFF2-40B4-BE49-F238E27FC236}">
+                <a16:creationId xmlns:a16="http://schemas.microsoft.com/office/drawing/2014/main" id="{A07D47E8-DCA1-4EEB-9897-627C340B5C26}"/>
               </a:ext>
             </a:extLst>
           </p:cNvPr>
@@ -5648,157 +5102,7 @@
         </p:nvSpPr>
         <p:spPr>
           <a:xfrm>
-            <a:off x="8266451" y="1925795"/>
-            <a:ext cx="1279741" cy="605307"/>
-          </a:xfrm>
-          <a:prstGeom prst="rect">
-            <a:avLst/>
-          </a:prstGeom>
-          <a:solidFill>
-            <a:schemeClr val="accent1">
-              <a:lumMod val="20000"/>
-              <a:lumOff val="80000"/>
-            </a:schemeClr>
-          </a:solidFill>
-        </p:spPr>
-        <p:style>
-          <a:lnRef idx="2">
-            <a:schemeClr val="accent1">
-              <a:shade val="50000"/>
-            </a:schemeClr>
-          </a:lnRef>
-          <a:fillRef idx="1">
-            <a:schemeClr val="accent1"/>
-          </a:fillRef>
-          <a:effectRef idx="0">
-            <a:schemeClr val="accent1"/>
-          </a:effectRef>
-          <a:fontRef idx="minor">
-            <a:schemeClr val="lt1"/>
-          </a:fontRef>
-        </p:style>
-        <p:txBody>
-          <a:bodyPr rot="0" spcFirstLastPara="0" vertOverflow="overflow" horzOverflow="overflow" vert="horz" wrap="square" lIns="91440" tIns="45720" rIns="91440" bIns="45720" numCol="1" spcCol="0" rtlCol="0" fromWordArt="0" anchor="ctr" anchorCtr="0" forceAA="0" compatLnSpc="1">
-            <a:prstTxWarp prst="textNoShape">
-              <a:avLst/>
-            </a:prstTxWarp>
-            <a:noAutofit/>
-          </a:bodyPr>
-          <a:lstStyle/>
-          <a:p>
-            <a:pPr algn="ctr"/>
-            <a:r>
-              <a:rPr lang="en-US" sz="1400" dirty="0">
-                <a:solidFill>
-                  <a:schemeClr val="tx1">
-                    <a:lumMod val="50000"/>
-                    <a:lumOff val="50000"/>
-                  </a:schemeClr>
-                </a:solidFill>
-              </a:rPr>
-              <a:t>interface.py</a:t>
-            </a:r>
-            <a:endParaRPr lang="LID4096" sz="1400" dirty="0">
-              <a:solidFill>
-                <a:schemeClr val="tx1">
-                  <a:lumMod val="50000"/>
-                  <a:lumOff val="50000"/>
-                </a:schemeClr>
-              </a:solidFill>
-            </a:endParaRPr>
-          </a:p>
-        </p:txBody>
-      </p:sp>
-      <p:sp>
-        <p:nvSpPr>
-          <p:cNvPr id="168" name="Rectangle 167">
-            <a:extLst>
-              <a:ext uri="{FF2B5EF4-FFF2-40B4-BE49-F238E27FC236}">
-                <a16:creationId xmlns:a16="http://schemas.microsoft.com/office/drawing/2014/main" id="{C7C53D94-9529-4330-981D-12E0AFC6ECB1}"/>
-              </a:ext>
-            </a:extLst>
-          </p:cNvPr>
-          <p:cNvSpPr/>
-          <p:nvPr/>
-        </p:nvSpPr>
-        <p:spPr>
-          <a:xfrm>
-            <a:off x="9936337" y="2979718"/>
-            <a:ext cx="1279741" cy="605307"/>
-          </a:xfrm>
-          <a:prstGeom prst="rect">
-            <a:avLst/>
-          </a:prstGeom>
-          <a:solidFill>
-            <a:schemeClr val="accent1">
-              <a:lumMod val="20000"/>
-              <a:lumOff val="80000"/>
-            </a:schemeClr>
-          </a:solidFill>
-        </p:spPr>
-        <p:style>
-          <a:lnRef idx="2">
-            <a:schemeClr val="accent1">
-              <a:shade val="50000"/>
-            </a:schemeClr>
-          </a:lnRef>
-          <a:fillRef idx="1">
-            <a:schemeClr val="accent1"/>
-          </a:fillRef>
-          <a:effectRef idx="0">
-            <a:schemeClr val="accent1"/>
-          </a:effectRef>
-          <a:fontRef idx="minor">
-            <a:schemeClr val="lt1"/>
-          </a:fontRef>
-        </p:style>
-        <p:txBody>
-          <a:bodyPr rot="0" spcFirstLastPara="0" vertOverflow="overflow" horzOverflow="overflow" vert="horz" wrap="square" lIns="91440" tIns="45720" rIns="91440" bIns="45720" numCol="1" spcCol="0" rtlCol="0" fromWordArt="0" anchor="ctr" anchorCtr="0" forceAA="0" compatLnSpc="1">
-            <a:prstTxWarp prst="textNoShape">
-              <a:avLst/>
-            </a:prstTxWarp>
-            <a:noAutofit/>
-          </a:bodyPr>
-          <a:lstStyle/>
-          <a:p>
-            <a:pPr algn="ctr"/>
-            <a:r>
-              <a:rPr lang="en-US" sz="1400" dirty="0">
-                <a:solidFill>
-                  <a:schemeClr val="tx1">
-                    <a:lumMod val="50000"/>
-                    <a:lumOff val="50000"/>
-                  </a:schemeClr>
-                </a:solidFill>
-              </a:rPr>
-              <a:t>brewfather.py</a:t>
-            </a:r>
-            <a:endParaRPr lang="LID4096" sz="1400" dirty="0">
-              <a:solidFill>
-                <a:schemeClr val="tx1">
-                  <a:lumMod val="50000"/>
-                  <a:lumOff val="50000"/>
-                </a:schemeClr>
-              </a:solidFill>
-            </a:endParaRPr>
-          </a:p>
-        </p:txBody>
-      </p:sp>
-      <p:sp>
-        <p:nvSpPr>
-          <p:cNvPr id="169" name="Rectangle 168">
-            <a:extLst>
-              <a:ext uri="{FF2B5EF4-FFF2-40B4-BE49-F238E27FC236}">
-                <a16:creationId xmlns:a16="http://schemas.microsoft.com/office/drawing/2014/main" id="{A07D47E8-DCA1-4EEB-9897-627C340B5C26}"/>
-              </a:ext>
-            </a:extLst>
-          </p:cNvPr>
-          <p:cNvSpPr/>
-          <p:nvPr/>
-        </p:nvSpPr>
-        <p:spPr>
-          <a:xfrm>
-            <a:off x="9930081" y="1925795"/>
+            <a:off x="9933209" y="1925795"/>
             <a:ext cx="1279741" cy="605307"/>
           </a:xfrm>
           <a:prstGeom prst="rect">
@@ -5862,54 +5166,6 @@
       </p:sp>
       <p:cxnSp>
         <p:nvCxnSpPr>
-          <p:cNvPr id="170" name="Connector: Elbow 169">
-            <a:extLst>
-              <a:ext uri="{FF2B5EF4-FFF2-40B4-BE49-F238E27FC236}">
-                <a16:creationId xmlns:a16="http://schemas.microsoft.com/office/drawing/2014/main" id="{00BE382D-27EF-4DE7-A14D-55B78398785E}"/>
-              </a:ext>
-            </a:extLst>
-          </p:cNvPr>
-          <p:cNvCxnSpPr>
-            <a:cxnSpLocks/>
-            <a:stCxn id="4" idx="2"/>
-            <a:endCxn id="7" idx="2"/>
-          </p:cNvCxnSpPr>
-          <p:nvPr/>
-        </p:nvCxnSpPr>
-        <p:spPr>
-          <a:xfrm rot="5400000" flipH="1">
-            <a:off x="1918593" y="3075391"/>
-            <a:ext cx="388212" cy="1229"/>
-          </a:xfrm>
-          <a:prstGeom prst="bentConnector3">
-            <a:avLst>
-              <a:gd name="adj1" fmla="val -58885"/>
-            </a:avLst>
-          </a:prstGeom>
-          <a:ln w="12700">
-            <a:solidFill>
-              <a:schemeClr val="tx1"/>
-            </a:solidFill>
-            <a:prstDash val="dash"/>
-          </a:ln>
-        </p:spPr>
-        <p:style>
-          <a:lnRef idx="1">
-            <a:schemeClr val="accent1"/>
-          </a:lnRef>
-          <a:fillRef idx="0">
-            <a:schemeClr val="accent1"/>
-          </a:fillRef>
-          <a:effectRef idx="0">
-            <a:schemeClr val="accent1"/>
-          </a:effectRef>
-          <a:fontRef idx="minor">
-            <a:schemeClr val="tx1"/>
-          </a:fontRef>
-        </p:style>
-      </p:cxnSp>
-      <p:cxnSp>
-        <p:nvCxnSpPr>
           <p:cNvPr id="177" name="Connector: Elbow 176">
             <a:extLst>
               <a:ext uri="{FF2B5EF4-FFF2-40B4-BE49-F238E27FC236}">
@@ -5926,12 +5182,12 @@
         </p:nvCxnSpPr>
         <p:spPr>
           <a:xfrm rot="5400000">
-            <a:off x="9513830" y="1923596"/>
-            <a:ext cx="448616" cy="1663629"/>
+            <a:off x="9515394" y="1922032"/>
+            <a:ext cx="448616" cy="1666757"/>
           </a:xfrm>
           <a:prstGeom prst="bentConnector3">
             <a:avLst>
-              <a:gd name="adj1" fmla="val 67225"/>
+              <a:gd name="adj1" fmla="val 50000"/>
             </a:avLst>
           </a:prstGeom>
           <a:ln>
@@ -5970,9 +5226,9 @@
           <p:nvPr/>
         </p:nvCxnSpPr>
         <p:spPr>
-          <a:xfrm rot="16200000" flipH="1">
-            <a:off x="10348772" y="2752282"/>
-            <a:ext cx="448616" cy="6256"/>
+          <a:xfrm rot="5400000">
+            <a:off x="10348772" y="2755410"/>
+            <a:ext cx="448616" cy="12700"/>
           </a:xfrm>
           <a:prstGeom prst="bentConnector3">
             <a:avLst>
@@ -6016,12 +5272,12 @@
         </p:nvCxnSpPr>
         <p:spPr>
           <a:xfrm rot="5400000">
-            <a:off x="9738137" y="1699287"/>
-            <a:ext cx="12700" cy="1663630"/>
+            <a:off x="9739701" y="1697723"/>
+            <a:ext cx="12700" cy="1666758"/>
           </a:xfrm>
           <a:prstGeom prst="bentConnector3">
             <a:avLst>
-              <a:gd name="adj1" fmla="val 1191543"/>
+              <a:gd name="adj1" fmla="val 1736843"/>
             </a:avLst>
           </a:prstGeom>
           <a:ln>
@@ -6061,57 +5317,14 @@
         </p:nvCxnSpPr>
         <p:spPr>
           <a:xfrm rot="5400000" flipH="1">
-            <a:off x="9072290" y="1033440"/>
-            <a:ext cx="301678" cy="2693646"/>
+            <a:off x="9073854" y="1031876"/>
+            <a:ext cx="301678" cy="2696774"/>
           </a:xfrm>
           <a:prstGeom prst="bentConnector4">
             <a:avLst>
-              <a:gd name="adj1" fmla="val -73641"/>
-              <a:gd name="adj2" fmla="val 88891"/>
+              <a:gd name="adj1" fmla="val -73117"/>
+              <a:gd name="adj2" fmla="val 88930"/>
             </a:avLst>
-          </a:prstGeom>
-          <a:ln>
-            <a:tailEnd type="triangle"/>
-          </a:ln>
-        </p:spPr>
-        <p:style>
-          <a:lnRef idx="1">
-            <a:schemeClr val="accent1"/>
-          </a:lnRef>
-          <a:fillRef idx="0">
-            <a:schemeClr val="accent1"/>
-          </a:fillRef>
-          <a:effectRef idx="0">
-            <a:schemeClr val="accent1"/>
-          </a:effectRef>
-          <a:fontRef idx="minor">
-            <a:schemeClr val="tx1"/>
-          </a:fontRef>
-        </p:style>
-      </p:cxnSp>
-      <p:cxnSp>
-        <p:nvCxnSpPr>
-          <p:cNvPr id="193" name="Straight Arrow Connector 192">
-            <a:extLst>
-              <a:ext uri="{FF2B5EF4-FFF2-40B4-BE49-F238E27FC236}">
-                <a16:creationId xmlns:a16="http://schemas.microsoft.com/office/drawing/2014/main" id="{BEF022BD-7390-4020-A33B-310EBA0B8DD2}"/>
-              </a:ext>
-            </a:extLst>
-          </p:cNvPr>
-          <p:cNvCxnSpPr>
-            <a:cxnSpLocks/>
-            <a:stCxn id="159" idx="1"/>
-            <a:endCxn id="135" idx="3"/>
-          </p:cNvCxnSpPr>
-          <p:nvPr/>
-        </p:nvCxnSpPr>
-        <p:spPr>
-          <a:xfrm flipH="1">
-            <a:off x="7876307" y="3282372"/>
-            <a:ext cx="390145" cy="0"/>
-          </a:xfrm>
-          <a:prstGeom prst="straightConnector1">
-            <a:avLst/>
           </a:prstGeom>
           <a:ln>
             <a:tailEnd type="triangle"/>
@@ -6792,42 +6005,102 @@
           </a:p>
         </p:txBody>
       </p:sp>
-    </p:spTree>
-    <p:extLst>
-      <p:ext uri="{BB962C8B-B14F-4D97-AF65-F5344CB8AC3E}">
-        <p14:creationId xmlns:p14="http://schemas.microsoft.com/office/powerpoint/2010/main" val="2258853100"/>
-      </p:ext>
-    </p:extLst>
-  </p:cSld>
-  <p:clrMapOvr>
-    <a:masterClrMapping/>
-  </p:clrMapOvr>
-</p:sld>
-</file>
-
-<file path=ppt/slides/slide2.xml><?xml version="1.0" encoding="utf-8"?>
-<p:sld xmlns:a="http://schemas.openxmlformats.org/drawingml/2006/main" xmlns:r="http://schemas.openxmlformats.org/officeDocument/2006/relationships" xmlns:p="http://schemas.openxmlformats.org/presentationml/2006/main">
-  <p:cSld>
-    <p:spTree>
-      <p:nvGrpSpPr>
-        <p:cNvPr id="1" name=""/>
-        <p:cNvGrpSpPr/>
-        <p:nvPr/>
-      </p:nvGrpSpPr>
-      <p:grpSpPr>
-        <a:xfrm>
-          <a:off x="0" y="0"/>
-          <a:ext cx="0" cy="0"/>
-          <a:chOff x="0" y="0"/>
-          <a:chExt cx="0" cy="0"/>
-        </a:xfrm>
-      </p:grpSpPr>
-      <p:sp>
-        <p:nvSpPr>
-          <p:cNvPr id="4" name="Rectangle: Folded Corner 3">
-            <a:extLst>
-              <a:ext uri="{FF2B5EF4-FFF2-40B4-BE49-F238E27FC236}">
-                <a16:creationId xmlns:a16="http://schemas.microsoft.com/office/drawing/2014/main" id="{8AB468BC-DABA-4363-86ED-08D000A35CEA}"/>
+      <p:cxnSp>
+        <p:nvCxnSpPr>
+          <p:cNvPr id="27" name="Connector: Elbow 26">
+            <a:extLst>
+              <a:ext uri="{FF2B5EF4-FFF2-40B4-BE49-F238E27FC236}">
+                <a16:creationId xmlns:a16="http://schemas.microsoft.com/office/drawing/2014/main" id="{F4713DB6-5A45-4D08-A7A1-1F72AAF973B9}"/>
+              </a:ext>
+            </a:extLst>
+          </p:cNvPr>
+          <p:cNvCxnSpPr>
+            <a:stCxn id="5" idx="1"/>
+            <a:endCxn id="159" idx="2"/>
+          </p:cNvCxnSpPr>
+          <p:nvPr/>
+        </p:nvCxnSpPr>
+        <p:spPr>
+          <a:xfrm rot="10800000" flipH="1" flipV="1">
+            <a:off x="6088871" y="2604495"/>
+            <a:ext cx="2817451" cy="980529"/>
+          </a:xfrm>
+          <a:prstGeom prst="bentConnector4">
+            <a:avLst>
+              <a:gd name="adj1" fmla="val 17224"/>
+              <a:gd name="adj2" fmla="val 109203"/>
+            </a:avLst>
+          </a:prstGeom>
+          <a:ln w="12700">
+            <a:solidFill>
+              <a:schemeClr val="tx1"/>
+            </a:solidFill>
+            <a:prstDash val="lgDash"/>
+          </a:ln>
+        </p:spPr>
+        <p:style>
+          <a:lnRef idx="1">
+            <a:schemeClr val="accent1"/>
+          </a:lnRef>
+          <a:fillRef idx="0">
+            <a:schemeClr val="accent1"/>
+          </a:fillRef>
+          <a:effectRef idx="0">
+            <a:schemeClr val="accent1"/>
+          </a:effectRef>
+          <a:fontRef idx="minor">
+            <a:schemeClr val="tx1"/>
+          </a:fontRef>
+        </p:style>
+      </p:cxnSp>
+      <p:sp>
+        <p:nvSpPr>
+          <p:cNvPr id="84" name="TextBox 83">
+            <a:extLst>
+              <a:ext uri="{FF2B5EF4-FFF2-40B4-BE49-F238E27FC236}">
+                <a16:creationId xmlns:a16="http://schemas.microsoft.com/office/drawing/2014/main" id="{2F46F427-BCA2-44E5-A0E0-7DE670E974CF}"/>
+              </a:ext>
+            </a:extLst>
+          </p:cNvPr>
+          <p:cNvSpPr txBox="1"/>
+          <p:nvPr/>
+        </p:nvSpPr>
+        <p:spPr>
+          <a:xfrm>
+            <a:off x="6135627" y="3286759"/>
+            <a:ext cx="2213367" cy="253916"/>
+          </a:xfrm>
+          <a:prstGeom prst="rect">
+            <a:avLst/>
+          </a:prstGeom>
+          <a:solidFill>
+            <a:srgbClr val="B4C7E7"/>
+          </a:solidFill>
+        </p:spPr>
+        <p:txBody>
+          <a:bodyPr wrap="square">
+            <a:spAutoFit/>
+          </a:bodyPr>
+          <a:lstStyle/>
+          <a:p>
+            <a:r>
+              <a:rPr lang="LID4096" sz="1050" dirty="0"/>
+              <a:t>/sys/bus/w1/devices/</a:t>
+            </a:r>
+            <a:r>
+              <a:rPr lang="en-US" sz="1050" dirty="0"/>
+              <a:t>&lt;id&gt;/w1_slave</a:t>
+            </a:r>
+            <a:endParaRPr lang="LID4096" sz="1050" dirty="0"/>
+          </a:p>
+        </p:txBody>
+      </p:sp>
+      <p:sp>
+        <p:nvSpPr>
+          <p:cNvPr id="159" name="Rectangle 158">
+            <a:extLst>
+              <a:ext uri="{FF2B5EF4-FFF2-40B4-BE49-F238E27FC236}">
+                <a16:creationId xmlns:a16="http://schemas.microsoft.com/office/drawing/2014/main" id="{ADFBC12F-91C4-492B-9377-E0EFFBFA7AFA}"/>
               </a:ext>
             </a:extLst>
           </p:cNvPr>
@@ -6836,13 +6109,18 @@
         </p:nvSpPr>
         <p:spPr>
           <a:xfrm>
-            <a:off x="1122074" y="1152232"/>
-            <a:ext cx="3958642" cy="4359926"/>
-          </a:xfrm>
-          <a:prstGeom prst="foldedCorner">
+            <a:off x="8266452" y="2979718"/>
+            <a:ext cx="1279741" cy="605307"/>
+          </a:xfrm>
+          <a:prstGeom prst="rect">
             <a:avLst/>
           </a:prstGeom>
-          <a:noFill/>
+          <a:solidFill>
+            <a:schemeClr val="accent1">
+              <a:lumMod val="20000"/>
+              <a:lumOff val="80000"/>
+            </a:schemeClr>
+          </a:solidFill>
         </p:spPr>
         <p:style>
           <a:lnRef idx="2">
@@ -6861,17 +6139,31 @@
           </a:fontRef>
         </p:style>
         <p:txBody>
-          <a:bodyPr rtlCol="0" anchor="ctr"/>
-          <a:lstStyle/>
-          <a:p>
-            <a:pPr marL="285750" indent="-285750">
-              <a:buFont typeface="Arial" panose="020B0604020202020204" pitchFamily="34" charset="0"/>
-              <a:buChar char="•"/>
-            </a:pPr>
-            <a:endParaRPr lang="LID4096" sz="1600" dirty="0">
+          <a:bodyPr rot="0" spcFirstLastPara="0" vertOverflow="overflow" horzOverflow="overflow" vert="horz" wrap="square" lIns="91440" tIns="45720" rIns="91440" bIns="45720" numCol="1" spcCol="0" rtlCol="0" fromWordArt="0" anchor="ctr" anchorCtr="0" forceAA="0" compatLnSpc="1">
+            <a:prstTxWarp prst="textNoShape">
+              <a:avLst/>
+            </a:prstTxWarp>
+            <a:noAutofit/>
+          </a:bodyPr>
+          <a:lstStyle/>
+          <a:p>
+            <a:pPr algn="ctr"/>
+            <a:r>
+              <a:rPr lang="en-US" sz="1400" dirty="0">
+                <a:solidFill>
+                  <a:schemeClr val="tx1">
+                    <a:lumMod val="50000"/>
+                    <a:lumOff val="50000"/>
+                  </a:schemeClr>
+                </a:solidFill>
+              </a:rPr>
+              <a:t>chamber.py</a:t>
+            </a:r>
+            <a:endParaRPr lang="LID4096" sz="1400" dirty="0">
               <a:solidFill>
-                <a:schemeClr val="bg1">
+                <a:schemeClr val="tx1">
                   <a:lumMod val="50000"/>
+                  <a:lumOff val="50000"/>
                 </a:schemeClr>
               </a:solidFill>
             </a:endParaRPr>
@@ -6880,10 +6172,10 @@
       </p:sp>
       <p:sp>
         <p:nvSpPr>
-          <p:cNvPr id="6" name="Rectangle 5">
-            <a:extLst>
-              <a:ext uri="{FF2B5EF4-FFF2-40B4-BE49-F238E27FC236}">
-                <a16:creationId xmlns:a16="http://schemas.microsoft.com/office/drawing/2014/main" id="{4292E592-17F5-40AC-965E-4BDE529042DE}"/>
+          <p:cNvPr id="230" name="Rectangle: Folded Corner 229">
+            <a:extLst>
+              <a:ext uri="{FF2B5EF4-FFF2-40B4-BE49-F238E27FC236}">
+                <a16:creationId xmlns:a16="http://schemas.microsoft.com/office/drawing/2014/main" id="{3074E148-E56A-40A3-A338-25C3A5D709BA}"/>
               </a:ext>
             </a:extLst>
           </p:cNvPr>
@@ -6892,288 +6184,18 @@
         </p:nvSpPr>
         <p:spPr>
           <a:xfrm>
-            <a:off x="1286414" y="1759854"/>
-            <a:ext cx="3629963" cy="1477328"/>
-          </a:xfrm>
-          <a:prstGeom prst="rect">
+            <a:off x="7388897" y="2446885"/>
+            <a:ext cx="437934" cy="440838"/>
+          </a:xfrm>
+          <a:prstGeom prst="foldedCorner">
             <a:avLst/>
           </a:prstGeom>
-          <a:ln>
-            <a:solidFill>
-              <a:srgbClr val="0070C0"/>
-            </a:solidFill>
-          </a:ln>
-        </p:spPr>
-        <p:txBody>
-          <a:bodyPr wrap="square">
-            <a:spAutoFit/>
-          </a:bodyPr>
-          <a:lstStyle/>
-          <a:p>
-            <a:r>
-              <a:rPr lang="en-US" dirty="0">
-                <a:solidFill>
-                  <a:schemeClr val="bg1">
-                    <a:lumMod val="50000"/>
-                  </a:schemeClr>
-                </a:solidFill>
-              </a:rPr>
-              <a:t>Target Beer Temp		</a:t>
-            </a:r>
-            <a:r>
-              <a:rPr lang="en-US" dirty="0" err="1">
-                <a:solidFill>
-                  <a:schemeClr val="bg1">
-                    <a:lumMod val="50000"/>
-                  </a:schemeClr>
-                </a:solidFill>
-              </a:rPr>
-              <a:t>xx.x</a:t>
-            </a:r>
-            <a:r>
-              <a:rPr lang="en-US" dirty="0">
-                <a:solidFill>
-                  <a:schemeClr val="bg1">
-                    <a:lumMod val="50000"/>
-                  </a:schemeClr>
-                </a:solidFill>
-              </a:rPr>
-              <a:t> C</a:t>
-            </a:r>
-            <a:endParaRPr lang="en-US" dirty="0">
-              <a:solidFill>
-                <a:srgbClr val="0070C0"/>
-              </a:solidFill>
-            </a:endParaRPr>
-          </a:p>
-          <a:p>
-            <a:r>
-              <a:rPr lang="en-US" dirty="0">
-                <a:solidFill>
-                  <a:schemeClr val="bg1">
-                    <a:lumMod val="50000"/>
-                  </a:schemeClr>
-                </a:solidFill>
-              </a:rPr>
-              <a:t>Beer Temp		</a:t>
-            </a:r>
-            <a:r>
-              <a:rPr lang="en-US" dirty="0" err="1">
-                <a:solidFill>
-                  <a:schemeClr val="bg1">
-                    <a:lumMod val="50000"/>
-                  </a:schemeClr>
-                </a:solidFill>
-              </a:rPr>
-              <a:t>xx.x</a:t>
-            </a:r>
-            <a:r>
-              <a:rPr lang="en-US" dirty="0">
-                <a:solidFill>
-                  <a:schemeClr val="bg1">
-                    <a:lumMod val="50000"/>
-                  </a:schemeClr>
-                </a:solidFill>
-              </a:rPr>
-              <a:t> C</a:t>
-            </a:r>
-            <a:endParaRPr lang="en-US" dirty="0">
-              <a:solidFill>
-                <a:srgbClr val="0070C0"/>
-              </a:solidFill>
-            </a:endParaRPr>
-          </a:p>
-          <a:p>
-            <a:r>
-              <a:rPr lang="en-US" dirty="0">
-                <a:solidFill>
-                  <a:schemeClr val="bg1">
-                    <a:lumMod val="50000"/>
-                  </a:schemeClr>
-                </a:solidFill>
-              </a:rPr>
-              <a:t>Beer Temp (Wired)		</a:t>
-            </a:r>
-            <a:r>
-              <a:rPr lang="en-US" dirty="0" err="1">
-                <a:solidFill>
-                  <a:schemeClr val="bg1">
-                    <a:lumMod val="50000"/>
-                  </a:schemeClr>
-                </a:solidFill>
-              </a:rPr>
-              <a:t>xx.x</a:t>
-            </a:r>
-            <a:r>
-              <a:rPr lang="en-US" dirty="0">
-                <a:solidFill>
-                  <a:schemeClr val="bg1">
-                    <a:lumMod val="50000"/>
-                  </a:schemeClr>
-                </a:solidFill>
-              </a:rPr>
-              <a:t> C</a:t>
-            </a:r>
-          </a:p>
-          <a:p>
-            <a:r>
-              <a:rPr lang="en-US" dirty="0">
-                <a:solidFill>
-                  <a:schemeClr val="bg1">
-                    <a:lumMod val="50000"/>
-                  </a:schemeClr>
-                </a:solidFill>
-              </a:rPr>
-              <a:t>Chamber Temp (Wired)	</a:t>
-            </a:r>
-            <a:r>
-              <a:rPr lang="en-US" dirty="0" err="1">
-                <a:solidFill>
-                  <a:schemeClr val="bg1">
-                    <a:lumMod val="50000"/>
-                  </a:schemeClr>
-                </a:solidFill>
-              </a:rPr>
-              <a:t>xx.x</a:t>
-            </a:r>
-            <a:r>
-              <a:rPr lang="en-US" dirty="0">
-                <a:solidFill>
-                  <a:schemeClr val="bg1">
-                    <a:lumMod val="50000"/>
-                  </a:schemeClr>
-                </a:solidFill>
-              </a:rPr>
-              <a:t> C</a:t>
-            </a:r>
-            <a:endParaRPr lang="en-US" dirty="0">
-              <a:solidFill>
-                <a:srgbClr val="0070C0"/>
-              </a:solidFill>
-            </a:endParaRPr>
-          </a:p>
-          <a:p>
-            <a:r>
-              <a:rPr lang="en-US" dirty="0">
-                <a:solidFill>
-                  <a:schemeClr val="bg1">
-                    <a:lumMod val="50000"/>
-                  </a:schemeClr>
-                </a:solidFill>
-              </a:rPr>
-              <a:t>Specific Gravity (Tilt)	</a:t>
-            </a:r>
-            <a:r>
-              <a:rPr lang="en-US" dirty="0" err="1">
-                <a:solidFill>
-                  <a:schemeClr val="bg1">
-                    <a:lumMod val="50000"/>
-                  </a:schemeClr>
-                </a:solidFill>
-              </a:rPr>
-              <a:t>x.xxx</a:t>
-            </a:r>
-            <a:endParaRPr lang="en-US" dirty="0">
-              <a:solidFill>
-                <a:schemeClr val="bg1">
-                  <a:lumMod val="50000"/>
-                </a:schemeClr>
-              </a:solidFill>
-            </a:endParaRPr>
-          </a:p>
-        </p:txBody>
-      </p:sp>
-      <p:sp>
-        <p:nvSpPr>
-          <p:cNvPr id="7" name="TextBox 6">
-            <a:extLst>
-              <a:ext uri="{FF2B5EF4-FFF2-40B4-BE49-F238E27FC236}">
-                <a16:creationId xmlns:a16="http://schemas.microsoft.com/office/drawing/2014/main" id="{E5EDD518-36F1-42FA-AE99-27CF8F0163CB}"/>
-              </a:ext>
-            </a:extLst>
-          </p:cNvPr>
-          <p:cNvSpPr txBox="1"/>
-          <p:nvPr/>
-        </p:nvSpPr>
-        <p:spPr>
-          <a:xfrm>
-            <a:off x="1974292" y="3578717"/>
-            <a:ext cx="1593706" cy="923330"/>
-          </a:xfrm>
-          <a:prstGeom prst="rect">
-            <a:avLst/>
-          </a:prstGeom>
-          <a:noFill/>
-        </p:spPr>
-        <p:txBody>
-          <a:bodyPr wrap="none" rtlCol="0">
-            <a:spAutoFit/>
-          </a:bodyPr>
-          <a:lstStyle/>
-          <a:p>
-            <a:r>
-              <a:rPr lang="en-US" dirty="0">
-                <a:solidFill>
-                  <a:srgbClr val="0070C0"/>
-                </a:solidFill>
-              </a:rPr>
-              <a:t>Dates	……..</a:t>
-            </a:r>
-          </a:p>
-          <a:p>
-            <a:r>
-              <a:rPr lang="en-US" dirty="0">
-                <a:solidFill>
-                  <a:srgbClr val="0070C0"/>
-                </a:solidFill>
-              </a:rPr>
-              <a:t>Temps	……..</a:t>
-            </a:r>
-          </a:p>
-          <a:p>
-            <a:r>
-              <a:rPr lang="en-US" dirty="0">
-                <a:solidFill>
-                  <a:srgbClr val="0070C0"/>
-                </a:solidFill>
-              </a:rPr>
-              <a:t>End Date	……..</a:t>
-            </a:r>
-            <a:endParaRPr lang="LID4096" dirty="0">
-              <a:solidFill>
-                <a:srgbClr val="0070C0"/>
-              </a:solidFill>
-            </a:endParaRPr>
-          </a:p>
-        </p:txBody>
-      </p:sp>
-      <p:sp>
-        <p:nvSpPr>
-          <p:cNvPr id="8" name="Rectangle: Rounded Corners 7">
-            <a:extLst>
-              <a:ext uri="{FF2B5EF4-FFF2-40B4-BE49-F238E27FC236}">
-                <a16:creationId xmlns:a16="http://schemas.microsoft.com/office/drawing/2014/main" id="{39DCE124-563F-49DC-8EBE-AEDDB8A4EE97}"/>
-              </a:ext>
-            </a:extLst>
-          </p:cNvPr>
-          <p:cNvSpPr/>
-          <p:nvPr/>
-        </p:nvSpPr>
-        <p:spPr>
-          <a:xfrm>
-            <a:off x="2566922" y="4874146"/>
-            <a:ext cx="1068946" cy="553791"/>
-          </a:xfrm>
-          <a:prstGeom prst="roundRect">
-            <a:avLst/>
-          </a:prstGeom>
-          <a:scene3d>
-            <a:camera prst="orthographicFront"/>
-            <a:lightRig rig="threePt" dir="t"/>
-          </a:scene3d>
-          <a:sp3d>
-            <a:bevelT/>
-          </a:sp3d>
+          <a:solidFill>
+            <a:schemeClr val="accent4">
+              <a:lumMod val="40000"/>
+              <a:lumOff val="60000"/>
+            </a:schemeClr>
+          </a:solidFill>
         </p:spPr>
         <p:style>
           <a:lnRef idx="2">
@@ -7197,53 +6219,217 @@
           <a:p>
             <a:pPr algn="ctr"/>
             <a:r>
-              <a:rPr lang="en-US" dirty="0"/>
-              <a:t>Submit</a:t>
-            </a:r>
-            <a:endParaRPr lang="LID4096" dirty="0"/>
-          </a:p>
-        </p:txBody>
-      </p:sp>
-      <p:sp>
-        <p:nvSpPr>
-          <p:cNvPr id="9" name="TextBox 8">
-            <a:extLst>
-              <a:ext uri="{FF2B5EF4-FFF2-40B4-BE49-F238E27FC236}">
-                <a16:creationId xmlns:a16="http://schemas.microsoft.com/office/drawing/2014/main" id="{35A9228F-BB55-4905-95A5-FDB2A3CC6D76}"/>
-              </a:ext>
-            </a:extLst>
-          </p:cNvPr>
-          <p:cNvSpPr txBox="1"/>
+              <a:rPr lang="en-US" sz="1050" dirty="0">
+                <a:solidFill>
+                  <a:schemeClr val="tx1"/>
+                </a:solidFill>
+              </a:rPr>
+              <a:t>.ini</a:t>
+            </a:r>
+            <a:endParaRPr lang="LID4096" sz="1050" dirty="0">
+              <a:solidFill>
+                <a:schemeClr val="tx1"/>
+              </a:solidFill>
+            </a:endParaRPr>
+          </a:p>
+        </p:txBody>
+      </p:sp>
+      <p:sp>
+        <p:nvSpPr>
+          <p:cNvPr id="91" name="Rectangle: Folded Corner 90">
+            <a:extLst>
+              <a:ext uri="{FF2B5EF4-FFF2-40B4-BE49-F238E27FC236}">
+                <a16:creationId xmlns:a16="http://schemas.microsoft.com/office/drawing/2014/main" id="{97D9BED4-0DDB-4966-9963-1F0F408CDAF9}"/>
+              </a:ext>
+            </a:extLst>
+          </p:cNvPr>
+          <p:cNvSpPr/>
           <p:nvPr/>
         </p:nvSpPr>
         <p:spPr>
           <a:xfrm>
-            <a:off x="2279920" y="1218069"/>
-            <a:ext cx="1642950" cy="400110"/>
-          </a:xfrm>
-          <a:prstGeom prst="rect">
+            <a:off x="11064768" y="2336651"/>
+            <a:ext cx="437934" cy="440838"/>
+          </a:xfrm>
+          <a:prstGeom prst="foldedCorner">
             <a:avLst/>
           </a:prstGeom>
-          <a:noFill/>
-        </p:spPr>
-        <p:txBody>
-          <a:bodyPr wrap="none" rtlCol="0">
-            <a:spAutoFit/>
-          </a:bodyPr>
-          <a:lstStyle/>
-          <a:p>
-            <a:r>
-              <a:rPr lang="en-US" sz="2000" b="1" dirty="0"/>
-              <a:t>FERMONITOR</a:t>
-            </a:r>
-            <a:endParaRPr lang="LID4096" sz="2000" b="1" dirty="0"/>
+          <a:solidFill>
+            <a:schemeClr val="accent4">
+              <a:lumMod val="40000"/>
+              <a:lumOff val="60000"/>
+            </a:schemeClr>
+          </a:solidFill>
+        </p:spPr>
+        <p:style>
+          <a:lnRef idx="2">
+            <a:schemeClr val="accent1">
+              <a:shade val="50000"/>
+            </a:schemeClr>
+          </a:lnRef>
+          <a:fillRef idx="1">
+            <a:schemeClr val="accent1"/>
+          </a:fillRef>
+          <a:effectRef idx="0">
+            <a:schemeClr val="accent1"/>
+          </a:effectRef>
+          <a:fontRef idx="minor">
+            <a:schemeClr val="lt1"/>
+          </a:fontRef>
+        </p:style>
+        <p:txBody>
+          <a:bodyPr rtlCol="0" anchor="ctr"/>
+          <a:lstStyle/>
+          <a:p>
+            <a:pPr algn="ctr"/>
+            <a:r>
+              <a:rPr lang="en-US" sz="1050" dirty="0">
+                <a:solidFill>
+                  <a:schemeClr val="tx1"/>
+                </a:solidFill>
+              </a:rPr>
+              <a:t>.ini</a:t>
+            </a:r>
+            <a:endParaRPr lang="LID4096" sz="1050" dirty="0">
+              <a:solidFill>
+                <a:schemeClr val="tx1"/>
+              </a:solidFill>
+            </a:endParaRPr>
+          </a:p>
+        </p:txBody>
+      </p:sp>
+      <p:sp>
+        <p:nvSpPr>
+          <p:cNvPr id="92" name="Rectangle: Folded Corner 91">
+            <a:extLst>
+              <a:ext uri="{FF2B5EF4-FFF2-40B4-BE49-F238E27FC236}">
+                <a16:creationId xmlns:a16="http://schemas.microsoft.com/office/drawing/2014/main" id="{66DCE354-9F2A-4BEB-A9D3-48361C25021B}"/>
+              </a:ext>
+            </a:extLst>
+          </p:cNvPr>
+          <p:cNvSpPr/>
+          <p:nvPr/>
+        </p:nvSpPr>
+        <p:spPr>
+          <a:xfrm>
+            <a:off x="11081022" y="3354942"/>
+            <a:ext cx="437934" cy="440838"/>
+          </a:xfrm>
+          <a:prstGeom prst="foldedCorner">
+            <a:avLst/>
+          </a:prstGeom>
+          <a:solidFill>
+            <a:schemeClr val="accent4">
+              <a:lumMod val="40000"/>
+              <a:lumOff val="60000"/>
+            </a:schemeClr>
+          </a:solidFill>
+        </p:spPr>
+        <p:style>
+          <a:lnRef idx="2">
+            <a:schemeClr val="accent1">
+              <a:shade val="50000"/>
+            </a:schemeClr>
+          </a:lnRef>
+          <a:fillRef idx="1">
+            <a:schemeClr val="accent1"/>
+          </a:fillRef>
+          <a:effectRef idx="0">
+            <a:schemeClr val="accent1"/>
+          </a:effectRef>
+          <a:fontRef idx="minor">
+            <a:schemeClr val="lt1"/>
+          </a:fontRef>
+        </p:style>
+        <p:txBody>
+          <a:bodyPr rtlCol="0" anchor="ctr"/>
+          <a:lstStyle/>
+          <a:p>
+            <a:pPr algn="ctr"/>
+            <a:r>
+              <a:rPr lang="en-US" sz="1050" dirty="0">
+                <a:solidFill>
+                  <a:schemeClr val="tx1"/>
+                </a:solidFill>
+              </a:rPr>
+              <a:t>.ini</a:t>
+            </a:r>
+            <a:endParaRPr lang="LID4096" sz="1050" dirty="0">
+              <a:solidFill>
+                <a:schemeClr val="tx1"/>
+              </a:solidFill>
+            </a:endParaRPr>
+          </a:p>
+        </p:txBody>
+      </p:sp>
+      <p:sp>
+        <p:nvSpPr>
+          <p:cNvPr id="93" name="Rectangle: Folded Corner 92">
+            <a:extLst>
+              <a:ext uri="{FF2B5EF4-FFF2-40B4-BE49-F238E27FC236}">
+                <a16:creationId xmlns:a16="http://schemas.microsoft.com/office/drawing/2014/main" id="{C2E7257E-E596-445E-94D6-673A3C06994D}"/>
+              </a:ext>
+            </a:extLst>
+          </p:cNvPr>
+          <p:cNvSpPr/>
+          <p:nvPr/>
+        </p:nvSpPr>
+        <p:spPr>
+          <a:xfrm>
+            <a:off x="9347138" y="3354942"/>
+            <a:ext cx="437934" cy="440838"/>
+          </a:xfrm>
+          <a:prstGeom prst="foldedCorner">
+            <a:avLst/>
+          </a:prstGeom>
+          <a:solidFill>
+            <a:schemeClr val="accent4">
+              <a:lumMod val="40000"/>
+              <a:lumOff val="60000"/>
+            </a:schemeClr>
+          </a:solidFill>
+        </p:spPr>
+        <p:style>
+          <a:lnRef idx="2">
+            <a:schemeClr val="accent1">
+              <a:shade val="50000"/>
+            </a:schemeClr>
+          </a:lnRef>
+          <a:fillRef idx="1">
+            <a:schemeClr val="accent1"/>
+          </a:fillRef>
+          <a:effectRef idx="0">
+            <a:schemeClr val="accent1"/>
+          </a:effectRef>
+          <a:fontRef idx="minor">
+            <a:schemeClr val="lt1"/>
+          </a:fontRef>
+        </p:style>
+        <p:txBody>
+          <a:bodyPr rtlCol="0" anchor="ctr"/>
+          <a:lstStyle/>
+          <a:p>
+            <a:pPr algn="ctr"/>
+            <a:r>
+              <a:rPr lang="en-US" sz="1050" dirty="0">
+                <a:solidFill>
+                  <a:schemeClr val="tx1"/>
+                </a:solidFill>
+              </a:rPr>
+              <a:t>.ini</a:t>
+            </a:r>
+            <a:endParaRPr lang="LID4096" sz="1050" dirty="0">
+              <a:solidFill>
+                <a:schemeClr val="tx1"/>
+              </a:solidFill>
+            </a:endParaRPr>
           </a:p>
         </p:txBody>
       </p:sp>
     </p:spTree>
     <p:extLst>
       <p:ext uri="{BB962C8B-B14F-4D97-AF65-F5344CB8AC3E}">
-        <p14:creationId xmlns:p14="http://schemas.microsoft.com/office/powerpoint/2010/main" val="1805238453"/>
+        <p14:creationId xmlns:p14="http://schemas.microsoft.com/office/powerpoint/2010/main" val="2258853100"/>
       </p:ext>
     </p:extLst>
   </p:cSld>
